--- a/docs/PlanetMood.pptx
+++ b/docs/PlanetMood.pptx
@@ -6,17 +6,18 @@
   </p:sldMasterIdLst>
   <p:sldIdLst>
     <p:sldId id="256" r:id="rId2"/>
-    <p:sldId id="268" r:id="rId3"/>
-    <p:sldId id="277" r:id="rId4"/>
-    <p:sldId id="278" r:id="rId5"/>
-    <p:sldId id="267" r:id="rId6"/>
-    <p:sldId id="269" r:id="rId7"/>
-    <p:sldId id="279" r:id="rId8"/>
-    <p:sldId id="284" r:id="rId9"/>
-    <p:sldId id="280" r:id="rId10"/>
-    <p:sldId id="281" r:id="rId11"/>
-    <p:sldId id="282" r:id="rId12"/>
-    <p:sldId id="286" r:id="rId13"/>
+    <p:sldId id="289" r:id="rId3"/>
+    <p:sldId id="301" r:id="rId4"/>
+    <p:sldId id="305" r:id="rId5"/>
+    <p:sldId id="313" r:id="rId6"/>
+    <p:sldId id="310" r:id="rId7"/>
+    <p:sldId id="309" r:id="rId8"/>
+    <p:sldId id="302" r:id="rId9"/>
+    <p:sldId id="290" r:id="rId10"/>
+    <p:sldId id="303" r:id="rId11"/>
+    <p:sldId id="291" r:id="rId12"/>
+    <p:sldId id="294" r:id="rId13"/>
+    <p:sldId id="288" r:id="rId14"/>
   </p:sldIdLst>
   <p:sldSz cx="9906000" cy="6858000" type="A4"/>
   <p:notesSz cx="6858000" cy="9144000"/>
@@ -116,6 +117,27 @@
     </a:lvl9pPr>
   </p:defaultTextStyle>
   <p:extLst>
+    <p:ext uri="{521415D9-36F7-43E2-AB2F-B90AF26B5E84}">
+      <p14:sectionLst xmlns:p14="http://schemas.microsoft.com/office/powerpoint/2010/main">
+        <p14:section name="Default Section" id="{9CAF9ACB-550B-4EE6-AA26-A6D0506A7D3D}">
+          <p14:sldIdLst>
+            <p14:sldId id="256"/>
+            <p14:sldId id="289"/>
+            <p14:sldId id="301"/>
+            <p14:sldId id="305"/>
+            <p14:sldId id="313"/>
+            <p14:sldId id="310"/>
+            <p14:sldId id="309"/>
+            <p14:sldId id="302"/>
+            <p14:sldId id="290"/>
+            <p14:sldId id="303"/>
+            <p14:sldId id="291"/>
+            <p14:sldId id="294"/>
+            <p14:sldId id="288"/>
+          </p14:sldIdLst>
+        </p14:section>
+      </p14:sectionLst>
+    </p:ext>
     <p:ext uri="{EFAFB233-063F-42B5-8137-9DF3F51BA10A}">
       <p15:sldGuideLst xmlns:p15="http://schemas.microsoft.com/office/powerpoint/2012/main"/>
     </p:ext>
@@ -272,7 +294,7 @@
           <a:p>
             <a:fld id="{E91E4014-2DE8-4D11-92CB-B15F4D4AEB0E}" type="datetimeFigureOut">
               <a:rPr lang="es-ES" smtClean="0"/>
-              <a:t>21/03/2022</a:t>
+              <a:t>21/06/2022</a:t>
             </a:fld>
             <a:endParaRPr lang="es-ES"/>
           </a:p>
@@ -472,7 +494,7 @@
           <a:p>
             <a:fld id="{E91E4014-2DE8-4D11-92CB-B15F4D4AEB0E}" type="datetimeFigureOut">
               <a:rPr lang="es-ES" smtClean="0"/>
-              <a:t>21/03/2022</a:t>
+              <a:t>21/06/2022</a:t>
             </a:fld>
             <a:endParaRPr lang="es-ES"/>
           </a:p>
@@ -682,7 +704,7 @@
           <a:p>
             <a:fld id="{E91E4014-2DE8-4D11-92CB-B15F4D4AEB0E}" type="datetimeFigureOut">
               <a:rPr lang="es-ES" smtClean="0"/>
-              <a:t>21/03/2022</a:t>
+              <a:t>21/06/2022</a:t>
             </a:fld>
             <a:endParaRPr lang="es-ES"/>
           </a:p>
@@ -882,7 +904,7 @@
           <a:p>
             <a:fld id="{E91E4014-2DE8-4D11-92CB-B15F4D4AEB0E}" type="datetimeFigureOut">
               <a:rPr lang="es-ES" smtClean="0"/>
-              <a:t>21/03/2022</a:t>
+              <a:t>21/06/2022</a:t>
             </a:fld>
             <a:endParaRPr lang="es-ES"/>
           </a:p>
@@ -1158,7 +1180,7 @@
           <a:p>
             <a:fld id="{E91E4014-2DE8-4D11-92CB-B15F4D4AEB0E}" type="datetimeFigureOut">
               <a:rPr lang="es-ES" smtClean="0"/>
-              <a:t>21/03/2022</a:t>
+              <a:t>21/06/2022</a:t>
             </a:fld>
             <a:endParaRPr lang="es-ES"/>
           </a:p>
@@ -1426,7 +1448,7 @@
           <a:p>
             <a:fld id="{E91E4014-2DE8-4D11-92CB-B15F4D4AEB0E}" type="datetimeFigureOut">
               <a:rPr lang="es-ES" smtClean="0"/>
-              <a:t>21/03/2022</a:t>
+              <a:t>21/06/2022</a:t>
             </a:fld>
             <a:endParaRPr lang="es-ES"/>
           </a:p>
@@ -1841,7 +1863,7 @@
           <a:p>
             <a:fld id="{E91E4014-2DE8-4D11-92CB-B15F4D4AEB0E}" type="datetimeFigureOut">
               <a:rPr lang="es-ES" smtClean="0"/>
-              <a:t>21/03/2022</a:t>
+              <a:t>21/06/2022</a:t>
             </a:fld>
             <a:endParaRPr lang="es-ES"/>
           </a:p>
@@ -1983,7 +2005,7 @@
           <a:p>
             <a:fld id="{E91E4014-2DE8-4D11-92CB-B15F4D4AEB0E}" type="datetimeFigureOut">
               <a:rPr lang="es-ES" smtClean="0"/>
-              <a:t>21/03/2022</a:t>
+              <a:t>21/06/2022</a:t>
             </a:fld>
             <a:endParaRPr lang="es-ES"/>
           </a:p>
@@ -2096,7 +2118,7 @@
           <a:p>
             <a:fld id="{E91E4014-2DE8-4D11-92CB-B15F4D4AEB0E}" type="datetimeFigureOut">
               <a:rPr lang="es-ES" smtClean="0"/>
-              <a:t>21/03/2022</a:t>
+              <a:t>21/06/2022</a:t>
             </a:fld>
             <a:endParaRPr lang="es-ES"/>
           </a:p>
@@ -2409,7 +2431,7 @@
           <a:p>
             <a:fld id="{E91E4014-2DE8-4D11-92CB-B15F4D4AEB0E}" type="datetimeFigureOut">
               <a:rPr lang="es-ES" smtClean="0"/>
-              <a:t>21/03/2022</a:t>
+              <a:t>21/06/2022</a:t>
             </a:fld>
             <a:endParaRPr lang="es-ES"/>
           </a:p>
@@ -2698,7 +2720,7 @@
           <a:p>
             <a:fld id="{E91E4014-2DE8-4D11-92CB-B15F4D4AEB0E}" type="datetimeFigureOut">
               <a:rPr lang="es-ES" smtClean="0"/>
-              <a:t>21/03/2022</a:t>
+              <a:t>21/06/2022</a:t>
             </a:fld>
             <a:endParaRPr lang="es-ES"/>
           </a:p>
@@ -2941,7 +2963,7 @@
           <a:p>
             <a:fld id="{E91E4014-2DE8-4D11-92CB-B15F4D4AEB0E}" type="datetimeFigureOut">
               <a:rPr lang="es-ES" smtClean="0"/>
-              <a:t>21/03/2022</a:t>
+              <a:t>21/06/2022</a:t>
             </a:fld>
             <a:endParaRPr lang="es-ES"/>
           </a:p>
@@ -3590,7 +3612,7 @@
           <p:cNvPr id="2" name="Title 1">
             <a:extLst>
               <a:ext uri="{FF2B5EF4-FFF2-40B4-BE49-F238E27FC236}">
-                <a16:creationId xmlns:a16="http://schemas.microsoft.com/office/drawing/2014/main" id="{BE1B2ABF-4D4D-4C7C-BA12-1CECB6B4C26F}"/>
+                <a16:creationId xmlns:a16="http://schemas.microsoft.com/office/drawing/2014/main" id="{54798DFA-2520-4DBE-8814-329236A41F43}"/>
               </a:ext>
             </a:extLst>
           </p:cNvPr>
@@ -3603,15 +3625,19 @@
         </p:nvSpPr>
         <p:spPr/>
         <p:txBody>
-          <a:bodyPr>
-            <a:normAutofit/>
-          </a:bodyPr>
+          <a:bodyPr/>
           <a:lstStyle/>
           <a:p>
-            <a:pPr lvl="0"/>
-            <a:r>
-              <a:rPr lang="en-US" dirty="0"/>
-              <a:t>Production Process</a:t>
+            <a:pPr marL="0" lvl="0" indent="0">
+              <a:buNone/>
+            </a:pPr>
+            <a:r>
+              <a:rPr lang="es-ES" dirty="0"/>
+              <a:t>OTRAS</a:t>
+            </a:r>
+            <a:r>
+              <a:rPr lang="es-ES" baseline="0" dirty="0"/>
+              <a:t> LÍNEAS DE ACCIÓN DE DATABELLUM</a:t>
             </a:r>
             <a:endParaRPr lang="es-ES" dirty="0"/>
           </a:p>
@@ -3622,7 +3648,7 @@
           <p:cNvPr id="3" name="Content Placeholder 2">
             <a:extLst>
               <a:ext uri="{FF2B5EF4-FFF2-40B4-BE49-F238E27FC236}">
-                <a16:creationId xmlns:a16="http://schemas.microsoft.com/office/drawing/2014/main" id="{4ADB38FA-DBDB-4590-8C95-8E83FF82D54C}"/>
+                <a16:creationId xmlns:a16="http://schemas.microsoft.com/office/drawing/2014/main" id="{524A765C-70C1-426D-924C-0B1F2083A0A4}"/>
               </a:ext>
             </a:extLst>
           </p:cNvPr>
@@ -3633,25 +3659,682 @@
             <p:ph idx="1"/>
           </p:nvPr>
         </p:nvSpPr>
-        <p:spPr/>
+        <p:spPr>
+          <a:xfrm>
+            <a:off x="681038" y="1286189"/>
+            <a:ext cx="8543925" cy="4890774"/>
+          </a:xfrm>
+        </p:spPr>
         <p:txBody>
           <a:bodyPr>
-            <a:normAutofit/>
+            <a:normAutofit fontScale="40000" lnSpcReduction="20000"/>
           </a:bodyPr>
           <a:lstStyle/>
           <a:p>
             <a:pPr lvl="0"/>
             <a:r>
-              <a:rPr lang="en-US" dirty="0"/>
-              <a:t>In an initial phase, amount to invest is zero, then progressively increasing </a:t>
-            </a:r>
+              <a:rPr lang="es-ES" dirty="0"/>
+              <a:t>PERSONALIDAD&amp;EMOCIONES:</a:t>
+            </a:r>
+          </a:p>
+          <a:p>
+            <a:pPr lvl="1"/>
+            <a:r>
+              <a:rPr lang="es-ES" dirty="0"/>
+              <a:t>-Aplicar/ampliar OCEAN</a:t>
+            </a:r>
+          </a:p>
+          <a:p>
+            <a:pPr lvl="1"/>
+            <a:r>
+              <a:rPr lang="es-ES" dirty="0"/>
+              <a:t>-Test personalidad + nutricional + </a:t>
+            </a:r>
+            <a:r>
+              <a:rPr lang="es-ES" dirty="0" err="1"/>
+              <a:t>genomaPersonal</a:t>
+            </a:r>
+            <a:r>
+              <a:rPr lang="es-ES" dirty="0"/>
+              <a:t> + ...</a:t>
+            </a:r>
+          </a:p>
+          <a:p>
+            <a:pPr lvl="1"/>
+            <a:r>
+              <a:rPr lang="es-ES" dirty="0"/>
+              <a:t>-Vídeo s/Tinder (https://youtu.be/znoIfbyDJsk)</a:t>
+            </a:r>
+          </a:p>
+          <a:p>
+            <a:pPr lvl="1"/>
+            <a:r>
+              <a:rPr lang="es-ES" dirty="0"/>
+              <a:t>-Estudio sobre el suicidio</a:t>
+            </a:r>
+          </a:p>
+          <a:p>
+            <a:pPr lvl="1"/>
+            <a:r>
+              <a:rPr lang="es-ES" dirty="0"/>
+              <a:t>-Test Myers-Briggs (MBTI): https://en.m.wikipedia.org/wiki/Myers–</a:t>
+            </a:r>
+            <a:r>
+              <a:rPr lang="es-ES" dirty="0" err="1"/>
+              <a:t>Briggs_Type_Indicator</a:t>
+            </a:r>
+            <a:endParaRPr lang="es-ES" dirty="0"/>
+          </a:p>
+          <a:p>
+            <a:pPr lvl="1"/>
+            <a:r>
+              <a:rPr lang="es-ES" dirty="0"/>
+              <a:t>-CHISTES o preferencias personales (“manías”)</a:t>
+            </a:r>
+          </a:p>
+          <a:p>
+            <a:pPr lvl="1"/>
+            <a:r>
+              <a:rPr lang="es-ES" dirty="0"/>
+              <a:t>-Miedo, emociones, </a:t>
+            </a:r>
+            <a:r>
+              <a:rPr lang="es-ES" dirty="0" err="1"/>
+              <a:t>bias</a:t>
+            </a:r>
+            <a:r>
+              <a:rPr lang="es-ES" dirty="0"/>
+              <a:t> en las organizaciones VS </a:t>
+            </a:r>
+            <a:r>
+              <a:rPr lang="es-ES" dirty="0" err="1"/>
+              <a:t>results</a:t>
+            </a:r>
+            <a:endParaRPr lang="es-ES" dirty="0"/>
+          </a:p>
+          <a:p>
+            <a:pPr lvl="0"/>
+            <a:r>
+              <a:rPr lang="es-ES" dirty="0"/>
+              <a:t>BASE DE DATOS DE "ENTORNO":</a:t>
+            </a:r>
+          </a:p>
+          <a:p>
+            <a:pPr lvl="1"/>
+            <a:r>
+              <a:rPr lang="es-ES" dirty="0"/>
+              <a:t>-</a:t>
+            </a:r>
+            <a:r>
+              <a:rPr lang="es-ES" dirty="0" err="1"/>
+              <a:t>weather</a:t>
+            </a:r>
+            <a:r>
+              <a:rPr lang="es-ES" dirty="0"/>
+              <a:t>, </a:t>
+            </a:r>
+            <a:r>
+              <a:rPr lang="es-ES" dirty="0" err="1"/>
+              <a:t>walkSpeed</a:t>
+            </a:r>
+            <a:r>
+              <a:rPr lang="es-ES" dirty="0"/>
+              <a:t>, polución, ruido, </a:t>
+            </a:r>
+            <a:r>
+              <a:rPr lang="es-ES" dirty="0" err="1"/>
+              <a:t>webCams</a:t>
+            </a:r>
+            <a:r>
+              <a:rPr lang="es-ES" dirty="0"/>
+              <a:t>, coches, textos, RSS, </a:t>
+            </a:r>
+            <a:r>
+              <a:rPr lang="es-ES" dirty="0" err="1"/>
+              <a:t>grabaciones&amp;transcripciones</a:t>
+            </a:r>
+            <a:r>
+              <a:rPr lang="es-ES" dirty="0"/>
+              <a:t>, </a:t>
+            </a:r>
+            <a:r>
+              <a:rPr lang="es-ES" dirty="0" err="1"/>
+              <a:t>webScrappjng</a:t>
+            </a:r>
+            <a:r>
+              <a:rPr lang="es-ES" dirty="0"/>
+              <a:t>, tráfico </a:t>
+            </a:r>
+          </a:p>
+          <a:p>
+            <a:pPr lvl="0"/>
+            <a:r>
+              <a:rPr lang="es-ES" dirty="0"/>
+              <a:t>DIASEMANA + MES nacimiento/</a:t>
+            </a:r>
+            <a:r>
+              <a:rPr lang="es-ES" dirty="0" err="1"/>
+              <a:t>fundaciónOrganización</a:t>
+            </a:r>
+            <a:r>
+              <a:rPr lang="es-ES" dirty="0"/>
+              <a:t> en actividades de frecuencia anual (</a:t>
+            </a:r>
+            <a:r>
+              <a:rPr lang="es-ES" dirty="0" err="1"/>
+              <a:t>p.e</a:t>
+            </a:r>
+            <a:r>
+              <a:rPr lang="es-ES" dirty="0"/>
+              <a:t>. futbolistas)</a:t>
+            </a:r>
+          </a:p>
+          <a:p>
+            <a:pPr rtl="0" eaLnBrk="1" latinLnBrk="0" hangingPunct="1"/>
+            <a:r>
+              <a:rPr lang="es-ES" sz="2275" kern="1200" dirty="0">
+                <a:solidFill>
+                  <a:schemeClr val="tx1"/>
+                </a:solidFill>
+                <a:effectLst/>
+                <a:latin typeface="+mn-lt"/>
+                <a:ea typeface="+mn-ea"/>
+                <a:cs typeface="+mn-cs"/>
+              </a:rPr>
+              <a:t>OTROS COMPONENTES:</a:t>
+            </a:r>
+          </a:p>
+          <a:p>
+            <a:r>
+              <a:rPr lang="es-ES" dirty="0"/>
+              <a:t>-Proyectos: </a:t>
+            </a:r>
+            <a:r>
+              <a:rPr lang="es-ES" dirty="0" err="1"/>
+              <a:t>PlanetMood</a:t>
+            </a:r>
+            <a:r>
+              <a:rPr lang="es-ES" dirty="0"/>
+              <a:t>, </a:t>
+            </a:r>
+            <a:r>
+              <a:rPr lang="es-ES" dirty="0" err="1"/>
+              <a:t>Imagenización</a:t>
+            </a:r>
+            <a:r>
+              <a:rPr lang="es-ES" dirty="0"/>
+              <a:t>, “</a:t>
+            </a:r>
+            <a:r>
+              <a:rPr lang="es-ES" dirty="0" err="1"/>
+              <a:t>Akinator</a:t>
+            </a:r>
+            <a:r>
+              <a:rPr lang="es-ES" dirty="0"/>
+              <a:t>”, </a:t>
+            </a:r>
+            <a:r>
+              <a:rPr lang="es-ES" dirty="0" err="1"/>
+              <a:t>CriminologíaCorporativa</a:t>
+            </a:r>
+            <a:endParaRPr lang="es-ES" sz="2275" dirty="0">
+              <a:effectLst/>
+            </a:endParaRPr>
+          </a:p>
+          <a:p>
+            <a:pPr rtl="0" eaLnBrk="1" latinLnBrk="0" hangingPunct="1"/>
+            <a:r>
+              <a:rPr lang="es-ES" sz="2275" kern="1200" dirty="0">
+                <a:solidFill>
+                  <a:schemeClr val="tx1"/>
+                </a:solidFill>
+                <a:effectLst/>
+                <a:latin typeface="+mn-lt"/>
+                <a:ea typeface="+mn-ea"/>
+                <a:cs typeface="+mn-cs"/>
+              </a:rPr>
+              <a:t>-Drones</a:t>
+            </a:r>
+            <a:endParaRPr lang="es-ES" dirty="0">
+              <a:effectLst/>
+            </a:endParaRPr>
+          </a:p>
+          <a:p>
+            <a:pPr rtl="0" eaLnBrk="1" latinLnBrk="0" hangingPunct="1"/>
+            <a:r>
+              <a:rPr lang="es-ES" sz="2275" kern="1200" dirty="0">
+                <a:solidFill>
+                  <a:schemeClr val="tx1"/>
+                </a:solidFill>
+                <a:effectLst/>
+                <a:latin typeface="+mn-lt"/>
+                <a:ea typeface="+mn-ea"/>
+                <a:cs typeface="+mn-cs"/>
+              </a:rPr>
+              <a:t>-Arduino/Raspberry</a:t>
+            </a:r>
+            <a:endParaRPr lang="es-ES" dirty="0">
+              <a:effectLst/>
+            </a:endParaRPr>
+          </a:p>
+          <a:p>
+            <a:pPr rtl="0" eaLnBrk="1" latinLnBrk="0" hangingPunct="1"/>
+            <a:r>
+              <a:rPr lang="es-ES" sz="2275" kern="1200" dirty="0">
+                <a:solidFill>
+                  <a:schemeClr val="tx1"/>
+                </a:solidFill>
+                <a:effectLst/>
+                <a:latin typeface="+mn-lt"/>
+                <a:ea typeface="+mn-ea"/>
+                <a:cs typeface="+mn-cs"/>
+              </a:rPr>
+              <a:t>-real-time-Delphi como "ensemble" con modelos ML (VER </a:t>
+            </a:r>
+            <a:r>
+              <a:rPr lang="es-ES" sz="2275" kern="1200" dirty="0">
+                <a:solidFill>
+                  <a:schemeClr val="tx1"/>
+                </a:solidFill>
+                <a:effectLst/>
+                <a:latin typeface="+mn-lt"/>
+                <a:ea typeface="+mn-ea"/>
+                <a:cs typeface="+mn-cs"/>
+                <a:hlinkClick r:id="rId2"/>
+              </a:rPr>
+              <a:t>http://www.millennium-project.org/</a:t>
+            </a:r>
+            <a:r>
+              <a:rPr lang="es-ES" sz="2275" kern="1200" dirty="0">
+                <a:solidFill>
+                  <a:schemeClr val="tx1"/>
+                </a:solidFill>
+                <a:effectLst/>
+                <a:latin typeface="+mn-lt"/>
+                <a:ea typeface="+mn-ea"/>
+                <a:cs typeface="+mn-cs"/>
+              </a:rPr>
+              <a:t>)</a:t>
+            </a:r>
+          </a:p>
+          <a:p>
+            <a:pPr rtl="0" eaLnBrk="1" latinLnBrk="0" hangingPunct="1"/>
+            <a:r>
+              <a:rPr lang="es-ES" dirty="0">
+                <a:effectLst/>
+              </a:rPr>
+              <a:t>BiGFive5q</a:t>
+            </a:r>
+            <a:r>
+              <a:rPr lang="es-ES" baseline="0" dirty="0">
+                <a:effectLst/>
+              </a:rPr>
+              <a:t> v2</a:t>
+            </a:r>
+            <a:endParaRPr lang="es-ES" dirty="0">
+              <a:effectLst/>
+            </a:endParaRPr>
+          </a:p>
+          <a:p>
+            <a:pPr lvl="1" rtl="0" eaLnBrk="1" latinLnBrk="0" hangingPunct="1"/>
+            <a:r>
+              <a:rPr lang="es-ES" dirty="0">
+                <a:effectLst/>
+              </a:rPr>
+              <a:t>NUEVOS COMPLEMENTOS:</a:t>
+            </a:r>
+          </a:p>
+          <a:p>
+            <a:pPr lvl="1" rtl="0" eaLnBrk="1" latinLnBrk="0" hangingPunct="1"/>
+            <a:r>
+              <a:rPr lang="es-ES" dirty="0">
+                <a:effectLst/>
+              </a:rPr>
+              <a:t>-Características música escuchada Spotify (API)</a:t>
+            </a:r>
+          </a:p>
+          <a:p>
+            <a:pPr lvl="1" rtl="0" eaLnBrk="1" latinLnBrk="0" hangingPunct="1"/>
+            <a:r>
+              <a:rPr lang="es-ES" dirty="0">
+                <a:effectLst/>
+              </a:rPr>
+              <a:t>PROGRAMA.R:</a:t>
+            </a:r>
+          </a:p>
+          <a:p>
+            <a:pPr lvl="1" rtl="0" eaLnBrk="1" latinLnBrk="0" hangingPunct="1"/>
+            <a:r>
+              <a:rPr lang="es-ES" dirty="0">
+                <a:effectLst/>
+              </a:rPr>
+              <a:t>-Revisar </a:t>
+            </a:r>
+            <a:r>
+              <a:rPr lang="es-ES" dirty="0" err="1">
+                <a:effectLst/>
+              </a:rPr>
+              <a:t>eCDF</a:t>
+            </a:r>
+            <a:r>
+              <a:rPr lang="es-ES" dirty="0">
+                <a:effectLst/>
+              </a:rPr>
+              <a:t> para </a:t>
+            </a:r>
+            <a:r>
+              <a:rPr lang="es-ES" dirty="0" err="1">
+                <a:effectLst/>
+              </a:rPr>
+              <a:t>scoring</a:t>
+            </a:r>
+            <a:r>
+              <a:rPr lang="es-ES" dirty="0">
+                <a:effectLst/>
+              </a:rPr>
+              <a:t> y valorar si resulta mejor </a:t>
+            </a:r>
+            <a:r>
+              <a:rPr lang="es-ES" dirty="0" err="1">
+                <a:effectLst/>
+              </a:rPr>
+              <a:t>pnorm</a:t>
+            </a:r>
+            <a:r>
+              <a:rPr lang="es-ES" dirty="0">
+                <a:effectLst/>
+              </a:rPr>
+              <a:t>() como en la </a:t>
+            </a:r>
+            <a:r>
+              <a:rPr lang="es-ES" dirty="0" err="1">
+                <a:effectLst/>
+              </a:rPr>
+              <a:t>shinnyapp</a:t>
+            </a:r>
+            <a:endParaRPr lang="es-ES" dirty="0">
+              <a:effectLst/>
+            </a:endParaRPr>
+          </a:p>
+          <a:p>
+            <a:pPr lvl="1" rtl="0" eaLnBrk="1" latinLnBrk="0" hangingPunct="1"/>
+            <a:r>
+              <a:rPr lang="es-ES" dirty="0">
+                <a:effectLst/>
+              </a:rPr>
+              <a:t>-Versión ampliada a 20 preguntas/</a:t>
+            </a:r>
+            <a:r>
+              <a:rPr lang="es-ES" dirty="0" err="1">
+                <a:effectLst/>
+              </a:rPr>
+              <a:t>trait</a:t>
+            </a:r>
+            <a:r>
+              <a:rPr lang="es-ES" dirty="0">
+                <a:effectLst/>
+              </a:rPr>
+              <a:t> u otros </a:t>
+            </a:r>
+            <a:r>
+              <a:rPr lang="es-ES" dirty="0" err="1">
+                <a:effectLst/>
+              </a:rPr>
+              <a:t>tests</a:t>
+            </a:r>
+            <a:r>
+              <a:rPr lang="es-ES" dirty="0">
+                <a:effectLst/>
+              </a:rPr>
+              <a:t> similares (VER IPIP: https://ipip.ori.org/newBigFive5broadKey.htm)</a:t>
+            </a:r>
+          </a:p>
+          <a:p>
+            <a:pPr lvl="1" rtl="0" eaLnBrk="1" latinLnBrk="0" hangingPunct="1"/>
+            <a:r>
+              <a:rPr lang="es-ES" dirty="0">
+                <a:effectLst/>
+              </a:rPr>
+              <a:t>SHINNYAPP: </a:t>
+            </a:r>
+          </a:p>
+          <a:p>
+            <a:pPr lvl="1" rtl="0" eaLnBrk="1" latinLnBrk="0" hangingPunct="1"/>
+            <a:r>
+              <a:rPr lang="es-ES" dirty="0">
+                <a:effectLst/>
+              </a:rPr>
+              <a:t>-Precargar modelo entrenado (.</a:t>
+            </a:r>
+            <a:r>
+              <a:rPr lang="es-ES" dirty="0" err="1">
+                <a:effectLst/>
+              </a:rPr>
+              <a:t>rds</a:t>
+            </a:r>
+            <a:r>
+              <a:rPr lang="es-ES" dirty="0">
+                <a:effectLst/>
+              </a:rPr>
+              <a:t>)</a:t>
+            </a:r>
+          </a:p>
+          <a:p>
+            <a:pPr lvl="1" rtl="0" eaLnBrk="1" latinLnBrk="0" hangingPunct="1"/>
+            <a:r>
+              <a:rPr lang="es-ES" dirty="0">
+                <a:effectLst/>
+              </a:rPr>
+              <a:t>-Cargar un solo .</a:t>
+            </a:r>
+            <a:r>
+              <a:rPr lang="es-ES" dirty="0" err="1">
+                <a:effectLst/>
+              </a:rPr>
+              <a:t>rds</a:t>
+            </a:r>
+            <a:r>
+              <a:rPr lang="es-ES" dirty="0">
+                <a:effectLst/>
+              </a:rPr>
+              <a:t> con todos los datos (</a:t>
+            </a:r>
+            <a:r>
+              <a:rPr lang="es-ES" dirty="0" err="1">
+                <a:effectLst/>
+              </a:rPr>
+              <a:t>BFdata</a:t>
+            </a:r>
+            <a:r>
+              <a:rPr lang="es-ES" dirty="0">
+                <a:effectLst/>
+              </a:rPr>
+              <a:t> y </a:t>
+            </a:r>
+            <a:r>
+              <a:rPr lang="es-ES" dirty="0" err="1">
+                <a:effectLst/>
+              </a:rPr>
+              <a:t>dictionary</a:t>
+            </a:r>
+            <a:r>
+              <a:rPr lang="es-ES" dirty="0">
+                <a:effectLst/>
+              </a:rPr>
+              <a:t>)</a:t>
+            </a:r>
+          </a:p>
+          <a:p>
+            <a:pPr lvl="1" rtl="0" eaLnBrk="1" latinLnBrk="0" hangingPunct="1"/>
+            <a:r>
+              <a:rPr lang="es-ES" dirty="0">
+                <a:effectLst/>
+              </a:rPr>
+              <a:t>-Botón </a:t>
+            </a:r>
+            <a:r>
+              <a:rPr lang="es-ES" dirty="0" err="1">
+                <a:effectLst/>
+              </a:rPr>
+              <a:t>submit</a:t>
+            </a:r>
+            <a:endParaRPr lang="es-ES" dirty="0">
+              <a:effectLst/>
+            </a:endParaRPr>
+          </a:p>
+          <a:p>
+            <a:pPr lvl="1" rtl="0" eaLnBrk="1" latinLnBrk="0" hangingPunct="1"/>
+            <a:r>
+              <a:rPr lang="es-ES" dirty="0">
+                <a:effectLst/>
+              </a:rPr>
+              <a:t>-Almacenar datos (IP, hora)</a:t>
+            </a:r>
+          </a:p>
+          <a:p>
+            <a:pPr lvl="1" rtl="0" eaLnBrk="1" latinLnBrk="0" hangingPunct="1"/>
+            <a:r>
+              <a:rPr lang="es-ES" dirty="0">
+                <a:effectLst/>
+              </a:rPr>
+              <a:t>-2 </a:t>
+            </a:r>
+            <a:r>
+              <a:rPr lang="es-ES" dirty="0" err="1">
+                <a:effectLst/>
+              </a:rPr>
+              <a:t>ó</a:t>
+            </a:r>
+            <a:r>
+              <a:rPr lang="es-ES" dirty="0">
+                <a:effectLst/>
+              </a:rPr>
+              <a:t> 3 preguntas "misceláneas": ¿y </a:t>
+            </a:r>
+            <a:r>
+              <a:rPr lang="es-ES" dirty="0" err="1">
+                <a:effectLst/>
+              </a:rPr>
+              <a:t>ord</a:t>
+            </a:r>
+            <a:r>
+              <a:rPr lang="es-ES" dirty="0">
+                <a:effectLst/>
+              </a:rPr>
+              <a:t>. hermanos? ¿mes </a:t>
+            </a:r>
+            <a:r>
+              <a:rPr lang="es-ES" dirty="0" err="1">
+                <a:effectLst/>
+              </a:rPr>
+              <a:t>nacim</a:t>
+            </a:r>
+            <a:r>
+              <a:rPr lang="es-ES" dirty="0">
+                <a:effectLst/>
+              </a:rPr>
+              <a:t>.? ¿do </a:t>
+            </a:r>
+            <a:r>
+              <a:rPr lang="es-ES" dirty="0" err="1">
+                <a:effectLst/>
+              </a:rPr>
+              <a:t>you</a:t>
+            </a:r>
+            <a:r>
+              <a:rPr lang="es-ES" dirty="0">
+                <a:effectLst/>
+              </a:rPr>
+              <a:t> </a:t>
+            </a:r>
+            <a:r>
+              <a:rPr lang="es-ES" dirty="0" err="1">
+                <a:effectLst/>
+              </a:rPr>
+              <a:t>like</a:t>
+            </a:r>
+            <a:r>
+              <a:rPr lang="es-ES" dirty="0">
+                <a:effectLst/>
+              </a:rPr>
+              <a:t> </a:t>
+            </a:r>
+            <a:r>
+              <a:rPr lang="es-ES" dirty="0" err="1">
+                <a:effectLst/>
+              </a:rPr>
+              <a:t>cheese</a:t>
+            </a:r>
+            <a:r>
+              <a:rPr lang="es-ES" dirty="0">
+                <a:effectLst/>
+              </a:rPr>
+              <a:t>? ¿...?</a:t>
+            </a:r>
+          </a:p>
+          <a:p>
+            <a:pPr lvl="1" rtl="0" eaLnBrk="1" latinLnBrk="0" hangingPunct="1"/>
+            <a:r>
+              <a:rPr lang="es-ES" dirty="0">
+                <a:effectLst/>
+              </a:rPr>
+              <a:t>-Prohibir repetición</a:t>
+            </a:r>
+          </a:p>
+          <a:p>
+            <a:pPr lvl="1" rtl="0" eaLnBrk="1" latinLnBrk="0" hangingPunct="1"/>
+            <a:r>
+              <a:rPr lang="es-ES" dirty="0">
+                <a:effectLst/>
+              </a:rPr>
+              <a:t>-Traducir</a:t>
+            </a:r>
+          </a:p>
+          <a:p>
+            <a:pPr lvl="1" rtl="0" eaLnBrk="1" latinLnBrk="0" hangingPunct="1"/>
+            <a:r>
+              <a:rPr lang="es-ES" dirty="0">
+                <a:effectLst/>
+              </a:rPr>
+              <a:t>-Renombrar cuenta </a:t>
+            </a:r>
+            <a:r>
+              <a:rPr lang="es-ES" dirty="0" err="1">
+                <a:effectLst/>
+              </a:rPr>
+              <a:t>shinnyapps</a:t>
+            </a:r>
+            <a:r>
+              <a:rPr lang="es-ES" dirty="0">
+                <a:effectLst/>
+              </a:rPr>
+              <a:t> a "</a:t>
+            </a:r>
+            <a:r>
+              <a:rPr lang="es-ES" dirty="0" err="1">
+                <a:effectLst/>
+              </a:rPr>
+              <a:t>databellum</a:t>
+            </a:r>
+            <a:r>
+              <a:rPr lang="es-ES" dirty="0">
+                <a:effectLst/>
+              </a:rPr>
+              <a:t>"</a:t>
+            </a:r>
+          </a:p>
+          <a:p>
+            <a:pPr rtl="0" eaLnBrk="1" latinLnBrk="0" hangingPunct="1"/>
+            <a:endParaRPr lang="es-ES" dirty="0">
+              <a:effectLst/>
+            </a:endParaRPr>
           </a:p>
         </p:txBody>
       </p:sp>
     </p:spTree>
     <p:extLst>
       <p:ext uri="{BB962C8B-B14F-4D97-AF65-F5344CB8AC3E}">
-        <p14:creationId xmlns:p14="http://schemas.microsoft.com/office/powerpoint/2010/main" val="961372458"/>
+        <p14:creationId xmlns:p14="http://schemas.microsoft.com/office/powerpoint/2010/main" val="1443933998"/>
       </p:ext>
     </p:extLst>
   </p:cSld>
@@ -3683,7 +4366,7 @@
           <p:cNvPr id="2" name="Title 1">
             <a:extLst>
               <a:ext uri="{FF2B5EF4-FFF2-40B4-BE49-F238E27FC236}">
-                <a16:creationId xmlns:a16="http://schemas.microsoft.com/office/drawing/2014/main" id="{26B4B8C5-CF34-4259-9E68-0974F2E7A062}"/>
+                <a16:creationId xmlns:a16="http://schemas.microsoft.com/office/drawing/2014/main" id="{B04ACAD1-84EA-4165-A25E-9B89FF61EBE0}"/>
               </a:ext>
             </a:extLst>
           </p:cNvPr>
@@ -3696,16 +4379,9 @@
         </p:nvSpPr>
         <p:spPr/>
         <p:txBody>
-          <a:bodyPr>
-            <a:normAutofit/>
-          </a:bodyPr>
+          <a:bodyPr/>
           <a:lstStyle/>
           <a:p>
-            <a:pPr lvl="0"/>
-            <a:r>
-              <a:rPr lang="en-US" dirty="0"/>
-              <a:t>Hyperparameters and future developments</a:t>
-            </a:r>
             <a:endParaRPr lang="es-ES" dirty="0"/>
           </a:p>
         </p:txBody>
@@ -3715,7 +4391,7 @@
           <p:cNvPr id="3" name="Content Placeholder 2">
             <a:extLst>
               <a:ext uri="{FF2B5EF4-FFF2-40B4-BE49-F238E27FC236}">
-                <a16:creationId xmlns:a16="http://schemas.microsoft.com/office/drawing/2014/main" id="{D43A22C9-0FB8-4BB0-A024-2DE23F9BC0DF}"/>
+                <a16:creationId xmlns:a16="http://schemas.microsoft.com/office/drawing/2014/main" id="{641B9DA5-7A84-4F78-81FA-A46136E62EBD}"/>
               </a:ext>
             </a:extLst>
           </p:cNvPr>
@@ -3728,65 +4404,17 @@
         </p:nvSpPr>
         <p:spPr/>
         <p:txBody>
-          <a:bodyPr>
-            <a:normAutofit lnSpcReduction="10000"/>
-          </a:bodyPr>
+          <a:bodyPr/>
           <a:lstStyle/>
           <a:p>
-            <a:pPr lvl="0"/>
-            <a:r>
-              <a:rPr lang="en-US" dirty="0"/>
-              <a:t>Reduced number of periods can be adjusted to lower or higher up to daily</a:t>
-            </a:r>
-          </a:p>
-          <a:p>
-            <a:pPr lvl="0"/>
-            <a:r>
-              <a:rPr lang="en-US" dirty="0"/>
-              <a:t>Re-weighting of older periods can be logarithmic, linear, other or none</a:t>
-            </a:r>
-          </a:p>
-          <a:p>
-            <a:pPr lvl="0"/>
-            <a:r>
-              <a:rPr lang="en-US" dirty="0"/>
-              <a:t>Several hypothesis-networks to choose/adjust/evolve, or even do a general comparison (filtering effect is negotiable)</a:t>
-            </a:r>
-          </a:p>
-          <a:p>
-            <a:pPr lvl="0"/>
-            <a:r>
-              <a:rPr lang="en-US" dirty="0"/>
-              <a:t>Other potential lagging periods, not just prime numbers from 1 to 17</a:t>
-            </a:r>
-          </a:p>
-          <a:p>
-            <a:pPr lvl="0"/>
-            <a:r>
-              <a:rPr lang="en-US" dirty="0"/>
-              <a:t>Apart of correlations between pairs of variables: assess several ones together</a:t>
-            </a:r>
-          </a:p>
-          <a:p>
-            <a:pPr lvl="0"/>
-            <a:r>
-              <a:rPr lang="en-US" dirty="0"/>
-              <a:t>Apart of correlations between pairs of variables: use ARIMA and autocorrelation techniques</a:t>
-            </a:r>
-          </a:p>
-          <a:p>
-            <a:pPr lvl="0"/>
-            <a:r>
-              <a:rPr lang="en-US" dirty="0"/>
-              <a:t>Generalize management of country/geo</a:t>
-            </a:r>
+            <a:endParaRPr lang="es-ES"/>
           </a:p>
         </p:txBody>
       </p:sp>
     </p:spTree>
     <p:extLst>
       <p:ext uri="{BB962C8B-B14F-4D97-AF65-F5344CB8AC3E}">
-        <p14:creationId xmlns:p14="http://schemas.microsoft.com/office/powerpoint/2010/main" val="1028281721"/>
+        <p14:creationId xmlns:p14="http://schemas.microsoft.com/office/powerpoint/2010/main" val="389243210"/>
       </p:ext>
     </p:extLst>
   </p:cSld>
@@ -3818,7 +4446,7 @@
           <p:cNvPr id="2" name="Title 1">
             <a:extLst>
               <a:ext uri="{FF2B5EF4-FFF2-40B4-BE49-F238E27FC236}">
-                <a16:creationId xmlns:a16="http://schemas.microsoft.com/office/drawing/2014/main" id="{A53D122E-2E16-4F73-B156-F5628FFD512E}"/>
+                <a16:creationId xmlns:a16="http://schemas.microsoft.com/office/drawing/2014/main" id="{B88E0CC4-722E-4AF8-ADF5-FB0E1A25FDAF}"/>
               </a:ext>
             </a:extLst>
           </p:cNvPr>
@@ -3834,11 +4462,6 @@
           <a:bodyPr/>
           <a:lstStyle/>
           <a:p>
-            <a:pPr lvl="0"/>
-            <a:r>
-              <a:rPr lang="en-US" dirty="0"/>
-              <a:t>(1):</a:t>
-            </a:r>
             <a:endParaRPr lang="es-ES" dirty="0"/>
           </a:p>
         </p:txBody>
@@ -3848,7 +4471,7 @@
           <p:cNvPr id="3" name="Content Placeholder 2">
             <a:extLst>
               <a:ext uri="{FF2B5EF4-FFF2-40B4-BE49-F238E27FC236}">
-                <a16:creationId xmlns:a16="http://schemas.microsoft.com/office/drawing/2014/main" id="{9C0792F0-4DD0-4231-84D4-A111A9B81893}"/>
+                <a16:creationId xmlns:a16="http://schemas.microsoft.com/office/drawing/2014/main" id="{B6A3B2D9-2DB5-4AF3-906A-504F8576713D}"/>
               </a:ext>
             </a:extLst>
           </p:cNvPr>
@@ -3864,36 +4487,80 @@
           <a:bodyPr/>
           <a:lstStyle/>
           <a:p>
-            <a:pPr lvl="0"/>
-            <a:r>
-              <a:rPr lang="en-US" dirty="0"/>
-              <a:t>…</a:t>
-            </a:r>
-          </a:p>
-          <a:p>
-            <a:pPr lvl="0"/>
-            <a:r>
-              <a:rPr lang="en-US" dirty="0"/>
-              <a:t>…</a:t>
-            </a:r>
-          </a:p>
-          <a:p>
-            <a:pPr lvl="0"/>
-            <a:r>
-              <a:rPr lang="en-US" dirty="0"/>
-              <a:t>(10): lowest p-value for correlation test…</a:t>
-            </a:r>
-          </a:p>
-          <a:p>
-            <a:pPr lvl="0"/>
-            <a:endParaRPr lang="en-US" dirty="0"/>
+            <a:endParaRPr lang="es-ES"/>
           </a:p>
         </p:txBody>
       </p:sp>
     </p:spTree>
     <p:extLst>
       <p:ext uri="{BB962C8B-B14F-4D97-AF65-F5344CB8AC3E}">
-        <p14:creationId xmlns:p14="http://schemas.microsoft.com/office/powerpoint/2010/main" val="2684379816"/>
+        <p14:creationId xmlns:p14="http://schemas.microsoft.com/office/powerpoint/2010/main" val="3869057864"/>
+      </p:ext>
+    </p:extLst>
+  </p:cSld>
+  <p:clrMapOvr>
+    <a:masterClrMapping/>
+  </p:clrMapOvr>
+</p:sld>
+</file>
+
+<file path=ppt/slides/slide13.xml><?xml version="1.0" encoding="utf-8"?>
+<p:sld xmlns:a="http://schemas.openxmlformats.org/drawingml/2006/main" xmlns:r="http://schemas.openxmlformats.org/officeDocument/2006/relationships" xmlns:p="http://schemas.openxmlformats.org/presentationml/2006/main">
+  <p:cSld>
+    <p:spTree>
+      <p:nvGrpSpPr>
+        <p:cNvPr id="1" name=""/>
+        <p:cNvGrpSpPr/>
+        <p:nvPr/>
+      </p:nvGrpSpPr>
+      <p:grpSpPr>
+        <a:xfrm>
+          <a:off x="0" y="0"/>
+          <a:ext cx="0" cy="0"/>
+          <a:chOff x="0" y="0"/>
+          <a:chExt cx="0" cy="0"/>
+        </a:xfrm>
+      </p:grpSpPr>
+      <p:sp>
+        <p:nvSpPr>
+          <p:cNvPr id="2" name="Title 1">
+            <a:extLst>
+              <a:ext uri="{FF2B5EF4-FFF2-40B4-BE49-F238E27FC236}">
+                <a16:creationId xmlns:a16="http://schemas.microsoft.com/office/drawing/2014/main" id="{2929A228-3EAF-4891-9E3E-CE8E9E6A2743}"/>
+              </a:ext>
+            </a:extLst>
+          </p:cNvPr>
+          <p:cNvSpPr>
+            <a:spLocks noGrp="1"/>
+          </p:cNvSpPr>
+          <p:nvPr>
+            <p:ph type="title"/>
+          </p:nvPr>
+        </p:nvSpPr>
+        <p:spPr>
+          <a:xfrm>
+            <a:off x="681037" y="2013055"/>
+            <a:ext cx="8543925" cy="1325563"/>
+          </a:xfrm>
+        </p:spPr>
+        <p:txBody>
+          <a:bodyPr>
+            <a:normAutofit/>
+          </a:bodyPr>
+          <a:lstStyle/>
+          <a:p>
+            <a:r>
+              <a:rPr lang="en-US" sz="7200" b="1" baseline="0" dirty="0"/>
+              <a:t>BACKUP SLIDES</a:t>
+            </a:r>
+            <a:endParaRPr lang="es-ES" sz="7200" b="1" dirty="0"/>
+          </a:p>
+        </p:txBody>
+      </p:sp>
+    </p:spTree>
+    <p:extLst>
+      <p:ext uri="{BB962C8B-B14F-4D97-AF65-F5344CB8AC3E}">
+        <p14:creationId xmlns:p14="http://schemas.microsoft.com/office/powerpoint/2010/main" val="3047406271"/>
       </p:ext>
     </p:extLst>
   </p:cSld>
@@ -3925,7 +4592,7 @@
           <p:cNvPr id="2" name="Title 1">
             <a:extLst>
               <a:ext uri="{FF2B5EF4-FFF2-40B4-BE49-F238E27FC236}">
-                <a16:creationId xmlns:a16="http://schemas.microsoft.com/office/drawing/2014/main" id="{2929A228-3EAF-4891-9E3E-CE8E9E6A2743}"/>
+                <a16:creationId xmlns:a16="http://schemas.microsoft.com/office/drawing/2014/main" id="{F9064B1C-3869-460C-AAF9-3F5A92EC7142}"/>
               </a:ext>
             </a:extLst>
           </p:cNvPr>
@@ -3944,22 +4611,9 @@
           <a:lstStyle/>
           <a:p>
             <a:r>
-              <a:rPr lang="en-US" dirty="0"/>
-              <a:t>What</a:t>
-            </a:r>
-            <a:r>
-              <a:rPr lang="en-US" baseline="0" dirty="0"/>
-              <a:t> is </a:t>
-            </a:r>
-            <a:r>
-              <a:rPr lang="en-US" baseline="0" dirty="0" err="1"/>
-              <a:t>PlanetMood</a:t>
-            </a:r>
-            <a:r>
-              <a:rPr lang="en-US" baseline="0" dirty="0"/>
-              <a:t>™?</a:t>
-            </a:r>
-            <a:endParaRPr lang="es-ES" dirty="0"/>
+              <a:rPr lang="es-ES" dirty="0"/>
+              <a:t>VARIABLES</a:t>
+            </a:r>
           </a:p>
         </p:txBody>
       </p:sp>
@@ -3968,7 +4622,7 @@
           <p:cNvPr id="3" name="Content Placeholder 2">
             <a:extLst>
               <a:ext uri="{FF2B5EF4-FFF2-40B4-BE49-F238E27FC236}">
-                <a16:creationId xmlns:a16="http://schemas.microsoft.com/office/drawing/2014/main" id="{B1F5D928-852E-4ABB-8BAA-F1AD2AE8A34D}"/>
+                <a16:creationId xmlns:a16="http://schemas.microsoft.com/office/drawing/2014/main" id="{FB5C6B55-48EA-403F-B6CE-02844CD1CFA5}"/>
               </a:ext>
             </a:extLst>
           </p:cNvPr>
@@ -3979,45 +4633,1567 @@
             <p:ph idx="1"/>
           </p:nvPr>
         </p:nvSpPr>
-        <p:spPr/>
+        <p:spPr>
+          <a:xfrm>
+            <a:off x="681039" y="1825625"/>
+            <a:ext cx="4271962" cy="2846859"/>
+          </a:xfrm>
+        </p:spPr>
         <p:txBody>
-          <a:bodyPr/>
+          <a:bodyPr>
+            <a:normAutofit fontScale="62500" lnSpcReduction="20000"/>
+          </a:bodyPr>
           <a:lstStyle/>
           <a:p>
-            <a:pPr lvl="0"/>
-            <a:r>
-              <a:rPr lang="en-US" dirty="0" err="1"/>
-              <a:t>PlanetMood</a:t>
-            </a:r>
-            <a:r>
-              <a:rPr lang="en-US" dirty="0"/>
-              <a:t>™ is a </a:t>
-            </a:r>
-            <a:r>
-              <a:rPr lang="en-US" b="1" dirty="0" err="1"/>
-              <a:t>databellum</a:t>
-            </a:r>
-            <a:r>
-              <a:rPr lang="en-US" dirty="0"/>
-              <a:t> project to do…</a:t>
-            </a:r>
-          </a:p>
-          <a:p>
-            <a:pPr marL="371475" lvl="1" indent="0">
+            <a:pPr marL="0" indent="0">
               <a:buNone/>
             </a:pPr>
             <a:r>
-              <a:rPr lang="en-US" i="1" dirty="0"/>
-              <a:t>Prediction of markets fear based on social and geographic indicators. </a:t>
-            </a:r>
-            <a:endParaRPr lang="es-ES" i="1" dirty="0"/>
+              <a:rPr lang="es-ES" b="1" dirty="0"/>
+              <a:t>EN PRODUCCIÓN</a:t>
+            </a:r>
+          </a:p>
+          <a:p>
+            <a:pPr marL="0" indent="0">
+              <a:buNone/>
+            </a:pPr>
+            <a:endParaRPr lang="es-ES" dirty="0"/>
+          </a:p>
+          <a:p>
+            <a:pPr lvl="1"/>
+            <a:r>
+              <a:rPr lang="es-ES" dirty="0"/>
+              <a:t>VIX (y!)</a:t>
+            </a:r>
+          </a:p>
+          <a:p>
+            <a:pPr lvl="1"/>
+            <a:r>
+              <a:rPr lang="es-ES" dirty="0"/>
+              <a:t>GDELT </a:t>
+            </a:r>
+            <a:r>
+              <a:rPr lang="es-ES" dirty="0" err="1"/>
+              <a:t>sentiment&amp;goldstein</a:t>
+            </a:r>
+            <a:endParaRPr lang="es-ES" dirty="0"/>
+          </a:p>
+          <a:p>
+            <a:pPr lvl="1"/>
+            <a:r>
+              <a:rPr lang="es-ES" dirty="0"/>
+              <a:t>IAI (</a:t>
+            </a:r>
+            <a:r>
+              <a:rPr lang="es-ES" dirty="0" err="1"/>
+              <a:t>Investopedia</a:t>
+            </a:r>
+            <a:r>
+              <a:rPr lang="es-ES" dirty="0"/>
+              <a:t> </a:t>
+            </a:r>
+            <a:r>
+              <a:rPr lang="es-ES" dirty="0" err="1"/>
+              <a:t>Anxiety</a:t>
+            </a:r>
+            <a:r>
+              <a:rPr lang="es-ES" dirty="0"/>
+              <a:t> </a:t>
+            </a:r>
+            <a:r>
+              <a:rPr lang="es-ES" dirty="0" err="1"/>
+              <a:t>Index</a:t>
+            </a:r>
+            <a:r>
+              <a:rPr lang="es-ES" dirty="0"/>
+              <a:t> - </a:t>
+            </a:r>
+            <a:r>
+              <a:rPr lang="es-ES" dirty="0" err="1"/>
+              <a:t>searches-based</a:t>
+            </a:r>
+            <a:r>
+              <a:rPr lang="es-ES" dirty="0"/>
+              <a:t>)</a:t>
+            </a:r>
+          </a:p>
+          <a:p>
+            <a:pPr lvl="1"/>
+            <a:r>
+              <a:rPr lang="es-ES" dirty="0"/>
+              <a:t>DAI (</a:t>
+            </a:r>
+            <a:r>
+              <a:rPr lang="es-ES" dirty="0" err="1"/>
+              <a:t>Databellum</a:t>
+            </a:r>
+            <a:r>
+              <a:rPr lang="es-ES" dirty="0"/>
+              <a:t> </a:t>
+            </a:r>
+            <a:r>
+              <a:rPr lang="es-ES" dirty="0" err="1"/>
+              <a:t>Anxiety</a:t>
+            </a:r>
+            <a:r>
+              <a:rPr lang="es-ES" dirty="0"/>
+              <a:t> </a:t>
+            </a:r>
+            <a:r>
+              <a:rPr lang="es-ES" dirty="0" err="1"/>
+              <a:t>Index</a:t>
+            </a:r>
+            <a:r>
+              <a:rPr lang="es-ES" dirty="0"/>
+              <a:t> - </a:t>
+            </a:r>
+            <a:r>
+              <a:rPr lang="es-ES" dirty="0" err="1"/>
+              <a:t>searches-based</a:t>
+            </a:r>
+            <a:r>
+              <a:rPr lang="es-ES" dirty="0"/>
+              <a:t> - 3 </a:t>
+            </a:r>
+            <a:r>
+              <a:rPr lang="es-ES" dirty="0" err="1"/>
+              <a:t>subindexes</a:t>
+            </a:r>
+            <a:r>
+              <a:rPr lang="es-ES" dirty="0"/>
+              <a:t>)</a:t>
+            </a:r>
+          </a:p>
+          <a:p>
+            <a:pPr lvl="1"/>
+            <a:r>
+              <a:rPr lang="es-ES" dirty="0"/>
+              <a:t>Music (tempo, </a:t>
+            </a:r>
+            <a:r>
+              <a:rPr lang="es-ES" dirty="0" err="1"/>
+              <a:t>energy</a:t>
+            </a:r>
+            <a:r>
+              <a:rPr lang="es-ES" dirty="0"/>
+              <a:t>, </a:t>
+            </a:r>
+            <a:r>
+              <a:rPr lang="es-ES" dirty="0" err="1"/>
+              <a:t>danceability</a:t>
+            </a:r>
+            <a:r>
+              <a:rPr lang="es-ES" dirty="0"/>
+              <a:t>)</a:t>
+            </a:r>
+          </a:p>
+          <a:p>
+            <a:pPr lvl="1"/>
+            <a:r>
+              <a:rPr lang="es-ES" dirty="0" err="1"/>
+              <a:t>Flights</a:t>
+            </a:r>
+            <a:endParaRPr lang="es-ES" dirty="0"/>
+          </a:p>
+          <a:p>
+            <a:pPr lvl="1"/>
+            <a:r>
+              <a:rPr lang="es-ES" dirty="0"/>
+              <a:t>OECD (BBI, BCI, CLI)</a:t>
+            </a:r>
+          </a:p>
+          <a:p>
+            <a:pPr lvl="1"/>
+            <a:r>
+              <a:rPr lang="es-ES" dirty="0"/>
+              <a:t>IMPLIED VOLATILITY (^VVIX, ^VIX3M, ^VIX6M, ^VXN, ^GVZ)</a:t>
+            </a:r>
+          </a:p>
+          <a:p>
+            <a:pPr lvl="1"/>
+            <a:r>
+              <a:rPr lang="es-ES" dirty="0"/>
+              <a:t>HISTORIC VOLATILITY (</a:t>
+            </a:r>
+            <a:r>
+              <a:rPr lang="es-ES" dirty="0" err="1"/>
+              <a:t>HighLow</a:t>
+            </a:r>
+            <a:r>
+              <a:rPr lang="es-ES" dirty="0"/>
+              <a:t> </a:t>
+            </a:r>
+            <a:r>
+              <a:rPr lang="es-ES" dirty="0" err="1"/>
+              <a:t>for</a:t>
+            </a:r>
+            <a:r>
+              <a:rPr lang="es-ES" dirty="0"/>
+              <a:t> Gold, S&amp;P500 + *)</a:t>
+            </a:r>
+          </a:p>
+          <a:p>
+            <a:pPr lvl="1"/>
+            <a:r>
+              <a:rPr lang="es-ES" dirty="0"/>
+              <a:t>CALENDAR&amp;EARTH (</a:t>
+            </a:r>
+            <a:r>
+              <a:rPr lang="es-ES" dirty="0" err="1"/>
+              <a:t>exogenous</a:t>
+            </a:r>
+            <a:r>
+              <a:rPr lang="es-ES" dirty="0"/>
+              <a:t>)</a:t>
+            </a:r>
+            <a:r>
+              <a:rPr lang="es-ES" dirty="0" err="1"/>
+              <a:t>Exogenous</a:t>
+            </a:r>
+            <a:r>
+              <a:rPr lang="es-ES" dirty="0"/>
+              <a:t> (</a:t>
+            </a:r>
+            <a:r>
+              <a:rPr lang="es-ES" dirty="0" err="1"/>
+              <a:t>Moonphase</a:t>
+            </a:r>
+            <a:r>
+              <a:rPr lang="es-ES" dirty="0"/>
+              <a:t>, </a:t>
+            </a:r>
+            <a:r>
+              <a:rPr lang="es-ES" dirty="0" err="1"/>
+              <a:t>YearWeek</a:t>
+            </a:r>
+            <a:r>
+              <a:rPr lang="es-ES" dirty="0"/>
+              <a:t>, </a:t>
+            </a:r>
+            <a:r>
+              <a:rPr lang="es-ES" dirty="0" err="1"/>
+              <a:t>DayWeek</a:t>
+            </a:r>
+            <a:r>
+              <a:rPr lang="es-ES" dirty="0"/>
+              <a:t>)</a:t>
+            </a:r>
+          </a:p>
+        </p:txBody>
+      </p:sp>
+      <p:sp>
+        <p:nvSpPr>
+          <p:cNvPr id="4" name="Content Placeholder 2">
+            <a:extLst>
+              <a:ext uri="{FF2B5EF4-FFF2-40B4-BE49-F238E27FC236}">
+                <a16:creationId xmlns:a16="http://schemas.microsoft.com/office/drawing/2014/main" id="{184B6A32-5B7D-44EA-9BC1-17A48EEA7CD0}"/>
+              </a:ext>
+            </a:extLst>
+          </p:cNvPr>
+          <p:cNvSpPr txBox="1">
+            <a:spLocks/>
+          </p:cNvSpPr>
+          <p:nvPr/>
+        </p:nvSpPr>
+        <p:spPr>
+          <a:xfrm>
+            <a:off x="5124085" y="1825626"/>
+            <a:ext cx="4190738" cy="1922410"/>
+          </a:xfrm>
+          <a:prstGeom prst="rect">
+            <a:avLst/>
+          </a:prstGeom>
+        </p:spPr>
+        <p:txBody>
+          <a:bodyPr vert="horz" lIns="91440" tIns="45720" rIns="91440" bIns="45720" rtlCol="0">
+            <a:normAutofit lnSpcReduction="10000"/>
+          </a:bodyPr>
+          <a:lstStyle>
+            <a:lvl1pPr marL="185738" indent="-185738" algn="l" defTabSz="742950" rtl="0" eaLnBrk="1" latinLnBrk="0" hangingPunct="1">
+              <a:lnSpc>
+                <a:spcPct val="90000"/>
+              </a:lnSpc>
+              <a:spcBef>
+                <a:spcPts val="813"/>
+              </a:spcBef>
+              <a:buFont typeface="Arial" panose="020B0604020202020204" pitchFamily="34" charset="0"/>
+              <a:buChar char="•"/>
+              <a:defRPr sz="2275" kern="1200">
+                <a:solidFill>
+                  <a:schemeClr val="tx1"/>
+                </a:solidFill>
+                <a:latin typeface="+mn-lt"/>
+                <a:ea typeface="+mn-ea"/>
+                <a:cs typeface="+mn-cs"/>
+              </a:defRPr>
+            </a:lvl1pPr>
+            <a:lvl2pPr marL="557213" indent="-185738" algn="l" defTabSz="742950" rtl="0" eaLnBrk="1" latinLnBrk="0" hangingPunct="1">
+              <a:lnSpc>
+                <a:spcPct val="90000"/>
+              </a:lnSpc>
+              <a:spcBef>
+                <a:spcPts val="406"/>
+              </a:spcBef>
+              <a:buFont typeface="Arial" panose="020B0604020202020204" pitchFamily="34" charset="0"/>
+              <a:buChar char="•"/>
+              <a:defRPr sz="1950" kern="1200">
+                <a:solidFill>
+                  <a:schemeClr val="tx1"/>
+                </a:solidFill>
+                <a:latin typeface="+mn-lt"/>
+                <a:ea typeface="+mn-ea"/>
+                <a:cs typeface="+mn-cs"/>
+              </a:defRPr>
+            </a:lvl2pPr>
+            <a:lvl3pPr marL="928688" indent="-185738" algn="l" defTabSz="742950" rtl="0" eaLnBrk="1" latinLnBrk="0" hangingPunct="1">
+              <a:lnSpc>
+                <a:spcPct val="90000"/>
+              </a:lnSpc>
+              <a:spcBef>
+                <a:spcPts val="406"/>
+              </a:spcBef>
+              <a:buFont typeface="Arial" panose="020B0604020202020204" pitchFamily="34" charset="0"/>
+              <a:buChar char="•"/>
+              <a:defRPr sz="1625" kern="1200">
+                <a:solidFill>
+                  <a:schemeClr val="tx1"/>
+                </a:solidFill>
+                <a:latin typeface="+mn-lt"/>
+                <a:ea typeface="+mn-ea"/>
+                <a:cs typeface="+mn-cs"/>
+              </a:defRPr>
+            </a:lvl3pPr>
+            <a:lvl4pPr marL="1300163" indent="-185738" algn="l" defTabSz="742950" rtl="0" eaLnBrk="1" latinLnBrk="0" hangingPunct="1">
+              <a:lnSpc>
+                <a:spcPct val="90000"/>
+              </a:lnSpc>
+              <a:spcBef>
+                <a:spcPts val="406"/>
+              </a:spcBef>
+              <a:buFont typeface="Arial" panose="020B0604020202020204" pitchFamily="34" charset="0"/>
+              <a:buChar char="•"/>
+              <a:defRPr sz="1463" kern="1200">
+                <a:solidFill>
+                  <a:schemeClr val="tx1"/>
+                </a:solidFill>
+                <a:latin typeface="+mn-lt"/>
+                <a:ea typeface="+mn-ea"/>
+                <a:cs typeface="+mn-cs"/>
+              </a:defRPr>
+            </a:lvl4pPr>
+            <a:lvl5pPr marL="1671638" indent="-185738" algn="l" defTabSz="742950" rtl="0" eaLnBrk="1" latinLnBrk="0" hangingPunct="1">
+              <a:lnSpc>
+                <a:spcPct val="90000"/>
+              </a:lnSpc>
+              <a:spcBef>
+                <a:spcPts val="406"/>
+              </a:spcBef>
+              <a:buFont typeface="Arial" panose="020B0604020202020204" pitchFamily="34" charset="0"/>
+              <a:buChar char="•"/>
+              <a:defRPr sz="1463" kern="1200">
+                <a:solidFill>
+                  <a:schemeClr val="tx1"/>
+                </a:solidFill>
+                <a:latin typeface="+mn-lt"/>
+                <a:ea typeface="+mn-ea"/>
+                <a:cs typeface="+mn-cs"/>
+              </a:defRPr>
+            </a:lvl5pPr>
+            <a:lvl6pPr marL="2043113" indent="-185738" algn="l" defTabSz="742950" rtl="0" eaLnBrk="1" latinLnBrk="0" hangingPunct="1">
+              <a:lnSpc>
+                <a:spcPct val="90000"/>
+              </a:lnSpc>
+              <a:spcBef>
+                <a:spcPts val="406"/>
+              </a:spcBef>
+              <a:buFont typeface="Arial" panose="020B0604020202020204" pitchFamily="34" charset="0"/>
+              <a:buChar char="•"/>
+              <a:defRPr sz="1463" kern="1200">
+                <a:solidFill>
+                  <a:schemeClr val="tx1"/>
+                </a:solidFill>
+                <a:latin typeface="+mn-lt"/>
+                <a:ea typeface="+mn-ea"/>
+                <a:cs typeface="+mn-cs"/>
+              </a:defRPr>
+            </a:lvl6pPr>
+            <a:lvl7pPr marL="2414588" indent="-185738" algn="l" defTabSz="742950" rtl="0" eaLnBrk="1" latinLnBrk="0" hangingPunct="1">
+              <a:lnSpc>
+                <a:spcPct val="90000"/>
+              </a:lnSpc>
+              <a:spcBef>
+                <a:spcPts val="406"/>
+              </a:spcBef>
+              <a:buFont typeface="Arial" panose="020B0604020202020204" pitchFamily="34" charset="0"/>
+              <a:buChar char="•"/>
+              <a:defRPr sz="1463" kern="1200">
+                <a:solidFill>
+                  <a:schemeClr val="tx1"/>
+                </a:solidFill>
+                <a:latin typeface="+mn-lt"/>
+                <a:ea typeface="+mn-ea"/>
+                <a:cs typeface="+mn-cs"/>
+              </a:defRPr>
+            </a:lvl7pPr>
+            <a:lvl8pPr marL="2786063" indent="-185738" algn="l" defTabSz="742950" rtl="0" eaLnBrk="1" latinLnBrk="0" hangingPunct="1">
+              <a:lnSpc>
+                <a:spcPct val="90000"/>
+              </a:lnSpc>
+              <a:spcBef>
+                <a:spcPts val="406"/>
+              </a:spcBef>
+              <a:buFont typeface="Arial" panose="020B0604020202020204" pitchFamily="34" charset="0"/>
+              <a:buChar char="•"/>
+              <a:defRPr sz="1463" kern="1200">
+                <a:solidFill>
+                  <a:schemeClr val="tx1"/>
+                </a:solidFill>
+                <a:latin typeface="+mn-lt"/>
+                <a:ea typeface="+mn-ea"/>
+                <a:cs typeface="+mn-cs"/>
+              </a:defRPr>
+            </a:lvl8pPr>
+            <a:lvl9pPr marL="3157538" indent="-185738" algn="l" defTabSz="742950" rtl="0" eaLnBrk="1" latinLnBrk="0" hangingPunct="1">
+              <a:lnSpc>
+                <a:spcPct val="90000"/>
+              </a:lnSpc>
+              <a:spcBef>
+                <a:spcPts val="406"/>
+              </a:spcBef>
+              <a:buFont typeface="Arial" panose="020B0604020202020204" pitchFamily="34" charset="0"/>
+              <a:buChar char="•"/>
+              <a:defRPr sz="1463" kern="1200">
+                <a:solidFill>
+                  <a:schemeClr val="tx1"/>
+                </a:solidFill>
+                <a:latin typeface="+mn-lt"/>
+                <a:ea typeface="+mn-ea"/>
+                <a:cs typeface="+mn-cs"/>
+              </a:defRPr>
+            </a:lvl9pPr>
+          </a:lstStyle>
+          <a:p>
+            <a:pPr marL="0" indent="0">
+              <a:buNone/>
+            </a:pPr>
+            <a:r>
+              <a:rPr lang="es-ES" b="1" dirty="0"/>
+              <a:t>EN ESTUDIO/PREP./STANDBY</a:t>
+            </a:r>
+          </a:p>
+          <a:p>
+            <a:pPr lvl="1"/>
+            <a:r>
+              <a:rPr lang="pt-BR" dirty="0"/>
+              <a:t>EPU (</a:t>
+            </a:r>
+            <a:r>
+              <a:rPr lang="pt-BR" dirty="0">
+                <a:hlinkClick r:id="rId2"/>
+              </a:rPr>
+              <a:t>https://www.policyuncertainty.com/)</a:t>
+            </a:r>
+            <a:r>
+              <a:rPr lang="pt-BR" dirty="0"/>
+              <a:t>.... ¿reemplazando a GDELT? ¿usaré sentiment si prescindo de GDELT?</a:t>
+            </a:r>
+          </a:p>
+          <a:p>
+            <a:pPr lvl="1"/>
+            <a:r>
+              <a:rPr lang="pt-BR" dirty="0"/>
+              <a:t>...</a:t>
+            </a:r>
+          </a:p>
+        </p:txBody>
+      </p:sp>
+      <p:pic>
+        <p:nvPicPr>
+          <p:cNvPr id="5" name="Picture 4">
+            <a:extLst>
+              <a:ext uri="{FF2B5EF4-FFF2-40B4-BE49-F238E27FC236}">
+                <a16:creationId xmlns:a16="http://schemas.microsoft.com/office/drawing/2014/main" id="{2C6A71B2-F91E-47BD-AC20-137295F29AF1}"/>
+              </a:ext>
+            </a:extLst>
+          </p:cNvPr>
+          <p:cNvPicPr>
+            <a:picLocks noChangeAspect="1"/>
+          </p:cNvPicPr>
+          <p:nvPr/>
+        </p:nvPicPr>
+        <p:blipFill>
+          <a:blip r:embed="rId3"/>
+          <a:stretch>
+            <a:fillRect/>
+          </a:stretch>
+        </p:blipFill>
+        <p:spPr>
+          <a:xfrm>
+            <a:off x="6247877" y="4001294"/>
+            <a:ext cx="2876550" cy="2009775"/>
+          </a:xfrm>
+          <a:prstGeom prst="rect">
+            <a:avLst/>
+          </a:prstGeom>
+        </p:spPr>
+      </p:pic>
+      <p:pic>
+        <p:nvPicPr>
+          <p:cNvPr id="7" name="Picture 6">
+            <a:extLst>
+              <a:ext uri="{FF2B5EF4-FFF2-40B4-BE49-F238E27FC236}">
+                <a16:creationId xmlns:a16="http://schemas.microsoft.com/office/drawing/2014/main" id="{2E7CF51E-5E7B-41B6-A2C5-DA1D496BE964}"/>
+              </a:ext>
+            </a:extLst>
+          </p:cNvPr>
+          <p:cNvPicPr>
+            <a:picLocks noChangeAspect="1"/>
+          </p:cNvPicPr>
+          <p:nvPr/>
+        </p:nvPicPr>
+        <p:blipFill>
+          <a:blip r:embed="rId4"/>
+          <a:stretch>
+            <a:fillRect/>
+          </a:stretch>
+        </p:blipFill>
+        <p:spPr>
+          <a:xfrm>
+            <a:off x="2080025" y="4635814"/>
+            <a:ext cx="1848879" cy="1857060"/>
+          </a:xfrm>
+          <a:prstGeom prst="rect">
+            <a:avLst/>
+          </a:prstGeom>
+        </p:spPr>
+      </p:pic>
+      <p:sp>
+        <p:nvSpPr>
+          <p:cNvPr id="9" name="TextBox 8">
+            <a:extLst>
+              <a:ext uri="{FF2B5EF4-FFF2-40B4-BE49-F238E27FC236}">
+                <a16:creationId xmlns:a16="http://schemas.microsoft.com/office/drawing/2014/main" id="{D5237EBD-AA4C-4D0D-A9FA-9C03E4F68292}"/>
+              </a:ext>
+            </a:extLst>
+          </p:cNvPr>
+          <p:cNvSpPr txBox="1"/>
+          <p:nvPr/>
+        </p:nvSpPr>
+        <p:spPr>
+          <a:xfrm rot="587002">
+            <a:off x="3635988" y="4953632"/>
+            <a:ext cx="4953000" cy="3808735"/>
+          </a:xfrm>
+          <a:prstGeom prst="rect">
+            <a:avLst/>
+          </a:prstGeom>
+          <a:noFill/>
+        </p:spPr>
+        <p:txBody>
+          <a:bodyPr wrap="square">
+            <a:spAutoFit/>
+          </a:bodyPr>
+          <a:lstStyle/>
+          <a:p>
+            <a:r>
+              <a:rPr lang="es-ES" sz="1050" dirty="0">
+                <a:highlight>
+                  <a:srgbClr val="FFFF00"/>
+                </a:highlight>
+              </a:rPr>
+              <a:t># DATA WE EXTRACT:</a:t>
+            </a:r>
+          </a:p>
+          <a:p>
+            <a:r>
+              <a:rPr lang="es-ES" sz="1050" dirty="0">
+                <a:highlight>
+                  <a:srgbClr val="FFFF00"/>
+                </a:highlight>
+              </a:rPr>
+              <a:t># ----------------</a:t>
+            </a:r>
+          </a:p>
+          <a:p>
+            <a:r>
+              <a:rPr lang="es-ES" sz="1050" dirty="0">
+                <a:highlight>
+                  <a:srgbClr val="FFFF00"/>
+                </a:highlight>
+              </a:rPr>
+              <a:t># </a:t>
+            </a:r>
+            <a:r>
+              <a:rPr lang="es-ES" sz="1050" dirty="0" err="1">
+                <a:highlight>
+                  <a:srgbClr val="FFFF00"/>
+                </a:highlight>
+              </a:rPr>
+              <a:t>Assets</a:t>
+            </a:r>
+            <a:r>
+              <a:rPr lang="es-ES" sz="1050" dirty="0">
+                <a:highlight>
+                  <a:srgbClr val="FFFF00"/>
+                </a:highlight>
+              </a:rPr>
+              <a:t> </a:t>
+            </a:r>
+            <a:r>
+              <a:rPr lang="es-ES" sz="1050" dirty="0" err="1">
+                <a:highlight>
+                  <a:srgbClr val="FFFF00"/>
+                </a:highlight>
+              </a:rPr>
+              <a:t>values</a:t>
+            </a:r>
+            <a:r>
+              <a:rPr lang="es-ES" sz="1050" dirty="0">
+                <a:highlight>
+                  <a:srgbClr val="FFFF00"/>
+                </a:highlight>
+              </a:rPr>
+              <a:t>, indexes, </a:t>
+            </a:r>
+            <a:r>
+              <a:rPr lang="es-ES" sz="1050" dirty="0" err="1">
+                <a:highlight>
+                  <a:srgbClr val="FFFF00"/>
+                </a:highlight>
+              </a:rPr>
+              <a:t>outcomes</a:t>
+            </a:r>
+            <a:r>
+              <a:rPr lang="es-ES" sz="1050" dirty="0">
+                <a:highlight>
+                  <a:srgbClr val="FFFF00"/>
+                </a:highlight>
+              </a:rPr>
+              <a:t>:</a:t>
+            </a:r>
+          </a:p>
+          <a:p>
+            <a:r>
+              <a:rPr lang="es-ES" sz="1050" dirty="0">
+                <a:highlight>
+                  <a:srgbClr val="FFFF00"/>
+                </a:highlight>
+              </a:rPr>
+              <a:t># -STOCK&amp;ASSETS PRICES [</a:t>
+            </a:r>
+            <a:r>
+              <a:rPr lang="es-ES" sz="1050" dirty="0" err="1">
+                <a:highlight>
+                  <a:srgbClr val="FFFF00"/>
+                </a:highlight>
+              </a:rPr>
+              <a:t>daily</a:t>
+            </a:r>
+            <a:r>
+              <a:rPr lang="es-ES" sz="1050" dirty="0">
+                <a:highlight>
+                  <a:srgbClr val="FFFF00"/>
+                </a:highlight>
+              </a:rPr>
+              <a:t> | . | 1981 | </a:t>
+            </a:r>
+            <a:r>
+              <a:rPr lang="es-ES" sz="1050" dirty="0" err="1">
+                <a:highlight>
+                  <a:srgbClr val="FFFF00"/>
+                </a:highlight>
+              </a:rPr>
+              <a:t>YahooFinance</a:t>
+            </a:r>
+            <a:r>
+              <a:rPr lang="es-ES" sz="1050" dirty="0">
+                <a:highlight>
+                  <a:srgbClr val="FFFF00"/>
+                </a:highlight>
+              </a:rPr>
+              <a:t>] </a:t>
+            </a:r>
+          </a:p>
+          <a:p>
+            <a:r>
+              <a:rPr lang="es-ES" sz="1050" dirty="0">
+                <a:highlight>
+                  <a:srgbClr val="FFFF00"/>
+                </a:highlight>
+              </a:rPr>
+              <a:t># -OECD CLI, BCI, CCI </a:t>
+            </a:r>
+            <a:r>
+              <a:rPr lang="es-ES" sz="1050" dirty="0" err="1">
+                <a:highlight>
+                  <a:srgbClr val="FFFF00"/>
+                </a:highlight>
+              </a:rPr>
+              <a:t>leading</a:t>
+            </a:r>
+            <a:r>
+              <a:rPr lang="es-ES" sz="1050" dirty="0">
+                <a:highlight>
+                  <a:srgbClr val="FFFF00"/>
+                </a:highlight>
+              </a:rPr>
+              <a:t> </a:t>
+            </a:r>
+            <a:r>
+              <a:rPr lang="es-ES" sz="1050" dirty="0" err="1">
+                <a:highlight>
+                  <a:srgbClr val="FFFF00"/>
+                </a:highlight>
+              </a:rPr>
+              <a:t>indicators</a:t>
+            </a:r>
+            <a:r>
+              <a:rPr lang="es-ES" sz="1050" dirty="0">
+                <a:highlight>
+                  <a:srgbClr val="FFFF00"/>
+                </a:highlight>
+              </a:rPr>
+              <a:t> [</a:t>
+            </a:r>
+            <a:r>
+              <a:rPr lang="es-ES" sz="1050" dirty="0" err="1">
+                <a:highlight>
+                  <a:srgbClr val="FFFF00"/>
+                </a:highlight>
+              </a:rPr>
+              <a:t>monthly</a:t>
+            </a:r>
+            <a:r>
+              <a:rPr lang="es-ES" sz="1050" dirty="0">
+                <a:highlight>
+                  <a:srgbClr val="FFFF00"/>
+                </a:highlight>
+              </a:rPr>
+              <a:t> | </a:t>
+            </a:r>
+            <a:r>
+              <a:rPr lang="es-ES" sz="1050" dirty="0" err="1">
+                <a:highlight>
+                  <a:srgbClr val="FFFF00"/>
+                </a:highlight>
+              </a:rPr>
+              <a:t>by_country</a:t>
+            </a:r>
+            <a:r>
+              <a:rPr lang="es-ES" sz="1050" dirty="0">
+                <a:highlight>
+                  <a:srgbClr val="FFFF00"/>
+                </a:highlight>
+              </a:rPr>
+              <a:t> | 1960 | OECD]</a:t>
+            </a:r>
+          </a:p>
+          <a:p>
+            <a:r>
+              <a:rPr lang="es-ES" sz="1050" dirty="0">
+                <a:highlight>
+                  <a:srgbClr val="FFFF00"/>
+                </a:highlight>
+              </a:rPr>
+              <a:t>#</a:t>
+            </a:r>
+          </a:p>
+          <a:p>
+            <a:r>
+              <a:rPr lang="es-ES" sz="1050" dirty="0">
+                <a:highlight>
+                  <a:srgbClr val="FFFF00"/>
+                </a:highlight>
+              </a:rPr>
+              <a:t># Social </a:t>
+            </a:r>
+            <a:r>
+              <a:rPr lang="es-ES" sz="1050" dirty="0" err="1">
+                <a:highlight>
+                  <a:srgbClr val="FFFF00"/>
+                </a:highlight>
+              </a:rPr>
+              <a:t>symptoms</a:t>
+            </a:r>
+            <a:r>
+              <a:rPr lang="es-ES" sz="1050" dirty="0">
+                <a:highlight>
+                  <a:srgbClr val="FFFF00"/>
+                </a:highlight>
+              </a:rPr>
+              <a:t>/</a:t>
+            </a:r>
+            <a:r>
+              <a:rPr lang="es-ES" sz="1050" dirty="0" err="1">
+                <a:highlight>
+                  <a:srgbClr val="FFFF00"/>
+                </a:highlight>
+              </a:rPr>
+              <a:t>indicators</a:t>
+            </a:r>
+            <a:r>
+              <a:rPr lang="es-ES" sz="1050" dirty="0">
+                <a:highlight>
+                  <a:srgbClr val="FFFF00"/>
+                </a:highlight>
+              </a:rPr>
+              <a:t>:</a:t>
+            </a:r>
+          </a:p>
+          <a:p>
+            <a:r>
+              <a:rPr lang="es-ES" sz="1050" dirty="0">
+                <a:highlight>
+                  <a:srgbClr val="FFFF00"/>
+                </a:highlight>
+              </a:rPr>
+              <a:t># -Twitter POST SENTIMENTS </a:t>
+            </a:r>
+            <a:r>
+              <a:rPr lang="es-ES" sz="1050" dirty="0" err="1">
+                <a:highlight>
+                  <a:srgbClr val="FFFF00"/>
+                </a:highlight>
+              </a:rPr>
+              <a:t>value</a:t>
+            </a:r>
+            <a:r>
+              <a:rPr lang="es-ES" sz="1050" dirty="0">
+                <a:highlight>
+                  <a:srgbClr val="FFFF00"/>
+                </a:highlight>
+              </a:rPr>
+              <a:t> </a:t>
+            </a:r>
+            <a:r>
+              <a:rPr lang="es-ES" sz="1050" dirty="0" err="1">
+                <a:highlight>
+                  <a:srgbClr val="FFFF00"/>
+                </a:highlight>
+              </a:rPr>
+              <a:t>for</a:t>
+            </a:r>
+            <a:r>
+              <a:rPr lang="es-ES" sz="1050" dirty="0">
+                <a:highlight>
+                  <a:srgbClr val="FFFF00"/>
+                </a:highlight>
+              </a:rPr>
+              <a:t> </a:t>
+            </a:r>
+            <a:r>
+              <a:rPr lang="es-ES" sz="1050" dirty="0" err="1">
+                <a:highlight>
+                  <a:srgbClr val="FFFF00"/>
+                </a:highlight>
+              </a:rPr>
+              <a:t>given</a:t>
+            </a:r>
+            <a:r>
+              <a:rPr lang="es-ES" sz="1050" dirty="0">
+                <a:highlight>
+                  <a:srgbClr val="FFFF00"/>
+                </a:highlight>
+              </a:rPr>
+              <a:t> </a:t>
+            </a:r>
+            <a:r>
+              <a:rPr lang="es-ES" sz="1050" dirty="0" err="1">
+                <a:highlight>
+                  <a:srgbClr val="FFFF00"/>
+                </a:highlight>
+              </a:rPr>
+              <a:t>list</a:t>
+            </a:r>
+            <a:r>
+              <a:rPr lang="es-ES" sz="1050" dirty="0">
+                <a:highlight>
+                  <a:srgbClr val="FFFF00"/>
+                </a:highlight>
+              </a:rPr>
+              <a:t> </a:t>
+            </a:r>
+            <a:r>
+              <a:rPr lang="es-ES" sz="1050" dirty="0" err="1">
+                <a:highlight>
+                  <a:srgbClr val="FFFF00"/>
+                </a:highlight>
+              </a:rPr>
+              <a:t>of</a:t>
+            </a:r>
+            <a:r>
+              <a:rPr lang="es-ES" sz="1050" dirty="0">
+                <a:highlight>
+                  <a:srgbClr val="FFFF00"/>
+                </a:highlight>
+              </a:rPr>
+              <a:t> </a:t>
+            </a:r>
+            <a:r>
+              <a:rPr lang="es-ES" sz="1050" dirty="0" err="1">
+                <a:highlight>
+                  <a:srgbClr val="FFFF00"/>
+                </a:highlight>
+              </a:rPr>
+              <a:t>concepts</a:t>
+            </a:r>
+            <a:r>
+              <a:rPr lang="es-ES" sz="1050" dirty="0">
+                <a:highlight>
+                  <a:srgbClr val="FFFF00"/>
+                </a:highlight>
+              </a:rPr>
+              <a:t> [</a:t>
+            </a:r>
+            <a:r>
+              <a:rPr lang="es-ES" sz="1050" dirty="0" err="1">
+                <a:highlight>
+                  <a:srgbClr val="FFFF00"/>
+                </a:highlight>
+              </a:rPr>
+              <a:t>daily</a:t>
+            </a:r>
+            <a:r>
+              <a:rPr lang="es-ES" sz="1050" dirty="0">
+                <a:highlight>
+                  <a:srgbClr val="FFFF00"/>
+                </a:highlight>
+              </a:rPr>
+              <a:t> | global, </a:t>
+            </a:r>
+            <a:r>
+              <a:rPr lang="es-ES" sz="1050" dirty="0" err="1">
+                <a:highlight>
+                  <a:srgbClr val="FFFF00"/>
+                </a:highlight>
+              </a:rPr>
+              <a:t>by_concept</a:t>
+            </a:r>
+            <a:r>
+              <a:rPr lang="es-ES" sz="1050" dirty="0">
+                <a:highlight>
+                  <a:srgbClr val="FFFF00"/>
+                </a:highlight>
+              </a:rPr>
+              <a:t> | ?? | Twitter]</a:t>
+            </a:r>
+          </a:p>
+          <a:p>
+            <a:r>
+              <a:rPr lang="es-ES" sz="1050" dirty="0">
+                <a:highlight>
+                  <a:srgbClr val="FFFF00"/>
+                </a:highlight>
+              </a:rPr>
+              <a:t># -SEARCHES RELATIVE-VOLUME OVER TIME [</a:t>
+            </a:r>
+            <a:r>
+              <a:rPr lang="es-ES" sz="1050" dirty="0" err="1">
+                <a:highlight>
+                  <a:srgbClr val="FFFF00"/>
+                </a:highlight>
+              </a:rPr>
+              <a:t>daily</a:t>
+            </a:r>
+            <a:r>
+              <a:rPr lang="es-ES" sz="1050" dirty="0">
+                <a:highlight>
+                  <a:srgbClr val="FFFF00"/>
+                </a:highlight>
+              </a:rPr>
+              <a:t> | global, </a:t>
+            </a:r>
+            <a:r>
+              <a:rPr lang="es-ES" sz="1050" dirty="0" err="1">
+                <a:highlight>
+                  <a:srgbClr val="FFFF00"/>
+                </a:highlight>
+              </a:rPr>
+              <a:t>by_concept</a:t>
+            </a:r>
+            <a:r>
+              <a:rPr lang="es-ES" sz="1050" dirty="0">
+                <a:highlight>
+                  <a:srgbClr val="FFFF00"/>
+                </a:highlight>
+              </a:rPr>
+              <a:t> | ?? | </a:t>
+            </a:r>
+            <a:r>
+              <a:rPr lang="es-ES" sz="1050" dirty="0" err="1">
+                <a:highlight>
+                  <a:srgbClr val="FFFF00"/>
+                </a:highlight>
+              </a:rPr>
+              <a:t>GoogleTrends</a:t>
+            </a:r>
+            <a:r>
+              <a:rPr lang="es-ES" sz="1050" dirty="0">
+                <a:highlight>
+                  <a:srgbClr val="FFFF00"/>
+                </a:highlight>
+              </a:rPr>
+              <a:t>]</a:t>
+            </a:r>
+          </a:p>
+          <a:p>
+            <a:r>
+              <a:rPr lang="es-ES" sz="1050" dirty="0">
+                <a:highlight>
+                  <a:srgbClr val="FFFF00"/>
+                </a:highlight>
+              </a:rPr>
+              <a:t># -AIR TRAFFIC [</a:t>
+            </a:r>
+            <a:r>
+              <a:rPr lang="es-ES" sz="1050" dirty="0" err="1">
+                <a:highlight>
+                  <a:srgbClr val="FFFF00"/>
+                </a:highlight>
+              </a:rPr>
+              <a:t>daily</a:t>
+            </a:r>
+            <a:r>
+              <a:rPr lang="es-ES" sz="1050" dirty="0">
+                <a:highlight>
+                  <a:srgbClr val="FFFF00"/>
+                </a:highlight>
+              </a:rPr>
+              <a:t> | </a:t>
+            </a:r>
+            <a:r>
+              <a:rPr lang="es-ES" sz="1050" dirty="0" err="1">
+                <a:highlight>
+                  <a:srgbClr val="FFFF00"/>
+                </a:highlight>
+              </a:rPr>
+              <a:t>by_city</a:t>
+            </a:r>
+            <a:r>
+              <a:rPr lang="es-ES" sz="1050" dirty="0">
+                <a:highlight>
+                  <a:srgbClr val="FFFF00"/>
+                </a:highlight>
+              </a:rPr>
+              <a:t> | 2016 | </a:t>
+            </a:r>
+            <a:r>
+              <a:rPr lang="es-ES" sz="1050" dirty="0" err="1">
+                <a:highlight>
+                  <a:srgbClr val="FFFF00"/>
+                </a:highlight>
+              </a:rPr>
+              <a:t>openSkies</a:t>
+            </a:r>
+            <a:r>
+              <a:rPr lang="es-ES" sz="1050" dirty="0">
+                <a:highlight>
+                  <a:srgbClr val="FFFF00"/>
+                </a:highlight>
+              </a:rPr>
+              <a:t>]</a:t>
+            </a:r>
+          </a:p>
+          <a:p>
+            <a:r>
+              <a:rPr lang="es-ES" sz="1050" dirty="0">
+                <a:highlight>
+                  <a:srgbClr val="FFFF00"/>
+                </a:highlight>
+              </a:rPr>
+              <a:t># -MUSIC STYLE </a:t>
+            </a:r>
+            <a:r>
+              <a:rPr lang="es-ES" sz="1050" dirty="0" err="1">
+                <a:highlight>
+                  <a:srgbClr val="FFFF00"/>
+                </a:highlight>
+              </a:rPr>
+              <a:t>of</a:t>
+            </a:r>
+            <a:r>
+              <a:rPr lang="es-ES" sz="1050" dirty="0">
+                <a:highlight>
+                  <a:srgbClr val="FFFF00"/>
+                </a:highlight>
+              </a:rPr>
+              <a:t> </a:t>
+            </a:r>
+            <a:r>
+              <a:rPr lang="es-ES" sz="1050" dirty="0" err="1">
+                <a:highlight>
+                  <a:srgbClr val="FFFF00"/>
+                </a:highlight>
+              </a:rPr>
+              <a:t>steams</a:t>
+            </a:r>
+            <a:r>
+              <a:rPr lang="es-ES" sz="1050" dirty="0">
+                <a:highlight>
+                  <a:srgbClr val="FFFF00"/>
+                </a:highlight>
+              </a:rPr>
+              <a:t> [</a:t>
+            </a:r>
+            <a:r>
+              <a:rPr lang="es-ES" sz="1050" dirty="0" err="1">
+                <a:highlight>
+                  <a:srgbClr val="FFFF00"/>
+                </a:highlight>
+              </a:rPr>
+              <a:t>daily</a:t>
+            </a:r>
+            <a:r>
+              <a:rPr lang="es-ES" sz="1050" dirty="0">
+                <a:highlight>
+                  <a:srgbClr val="FFFF00"/>
+                </a:highlight>
+              </a:rPr>
+              <a:t> | </a:t>
+            </a:r>
+            <a:r>
+              <a:rPr lang="es-ES" sz="1050" dirty="0" err="1">
+                <a:highlight>
+                  <a:srgbClr val="FFFF00"/>
+                </a:highlight>
+              </a:rPr>
+              <a:t>per_country</a:t>
+            </a:r>
+            <a:r>
+              <a:rPr lang="es-ES" sz="1050" dirty="0">
+                <a:highlight>
+                  <a:srgbClr val="FFFF00"/>
+                </a:highlight>
+              </a:rPr>
+              <a:t> | 2017 | Spotify]</a:t>
+            </a:r>
+          </a:p>
+          <a:p>
+            <a:r>
+              <a:rPr lang="es-ES" sz="1050" dirty="0">
+                <a:highlight>
+                  <a:srgbClr val="FFFF00"/>
+                </a:highlight>
+              </a:rPr>
+              <a:t># -FOOTBALL RANKING OF COUNTRIES [</a:t>
+            </a:r>
+            <a:r>
+              <a:rPr lang="es-ES" sz="1050" dirty="0" err="1">
+                <a:highlight>
+                  <a:srgbClr val="FFFF00"/>
+                </a:highlight>
+              </a:rPr>
+              <a:t>monthly</a:t>
+            </a:r>
+            <a:r>
+              <a:rPr lang="es-ES" sz="1050" dirty="0">
+                <a:highlight>
+                  <a:srgbClr val="FFFF00"/>
+                </a:highlight>
+              </a:rPr>
+              <a:t> | </a:t>
+            </a:r>
+            <a:r>
+              <a:rPr lang="es-ES" sz="1050" dirty="0" err="1">
+                <a:highlight>
+                  <a:srgbClr val="FFFF00"/>
+                </a:highlight>
+              </a:rPr>
+              <a:t>by_country&amp;region</a:t>
+            </a:r>
+            <a:r>
+              <a:rPr lang="es-ES" sz="1050" dirty="0">
+                <a:highlight>
+                  <a:srgbClr val="FFFF00"/>
+                </a:highlight>
+              </a:rPr>
+              <a:t> | 1992 | FIFA]</a:t>
+            </a:r>
+          </a:p>
+          <a:p>
+            <a:r>
+              <a:rPr lang="es-ES" sz="1050" dirty="0">
+                <a:highlight>
+                  <a:srgbClr val="FFFF00"/>
+                </a:highlight>
+              </a:rPr>
+              <a:t>#</a:t>
+            </a:r>
+          </a:p>
+          <a:p>
+            <a:r>
+              <a:rPr lang="es-ES" sz="1050" dirty="0">
+                <a:highlight>
+                  <a:srgbClr val="FFFF00"/>
+                </a:highlight>
+              </a:rPr>
+              <a:t># </a:t>
+            </a:r>
+            <a:r>
+              <a:rPr lang="es-ES" sz="1050" dirty="0" err="1">
+                <a:highlight>
+                  <a:srgbClr val="FFFF00"/>
+                </a:highlight>
+              </a:rPr>
+              <a:t>Earth</a:t>
+            </a:r>
+            <a:r>
+              <a:rPr lang="es-ES" sz="1050" dirty="0">
+                <a:highlight>
+                  <a:srgbClr val="FFFF00"/>
+                </a:highlight>
+              </a:rPr>
+              <a:t> </a:t>
+            </a:r>
+            <a:r>
+              <a:rPr lang="es-ES" sz="1050" dirty="0" err="1">
+                <a:highlight>
+                  <a:srgbClr val="FFFF00"/>
+                </a:highlight>
+              </a:rPr>
+              <a:t>influence</a:t>
+            </a:r>
+            <a:r>
+              <a:rPr lang="es-ES" sz="1050" dirty="0">
+                <a:highlight>
+                  <a:srgbClr val="FFFF00"/>
+                </a:highlight>
+              </a:rPr>
+              <a:t> on </a:t>
+            </a:r>
+            <a:r>
+              <a:rPr lang="es-ES" sz="1050" dirty="0" err="1">
+                <a:highlight>
+                  <a:srgbClr val="FFFF00"/>
+                </a:highlight>
+              </a:rPr>
+              <a:t>facts</a:t>
+            </a:r>
+            <a:r>
+              <a:rPr lang="es-ES" sz="1050" dirty="0">
+                <a:highlight>
+                  <a:srgbClr val="FFFF00"/>
+                </a:highlight>
+              </a:rPr>
+              <a:t>:</a:t>
+            </a:r>
+          </a:p>
+          <a:p>
+            <a:r>
+              <a:rPr lang="es-ES" sz="1050" dirty="0">
+                <a:highlight>
+                  <a:srgbClr val="FFFF00"/>
+                </a:highlight>
+              </a:rPr>
+              <a:t># -MOON PHASES, SUNRISE/SUNSET/NIGHTHOURS [</a:t>
+            </a:r>
+            <a:r>
+              <a:rPr lang="es-ES" sz="1050" dirty="0" err="1">
+                <a:highlight>
+                  <a:srgbClr val="FFFF00"/>
+                </a:highlight>
+              </a:rPr>
+              <a:t>daily</a:t>
+            </a:r>
+            <a:r>
+              <a:rPr lang="es-ES" sz="1050" dirty="0">
+                <a:highlight>
+                  <a:srgbClr val="FFFF00"/>
+                </a:highlight>
+              </a:rPr>
+              <a:t> | NYC | 1960 | </a:t>
+            </a:r>
+            <a:r>
+              <a:rPr lang="es-ES" sz="1050" dirty="0" err="1">
+                <a:highlight>
+                  <a:srgbClr val="FFFF00"/>
+                </a:highlight>
+              </a:rPr>
+              <a:t>suncalc</a:t>
+            </a:r>
+            <a:r>
+              <a:rPr lang="es-ES" sz="1050" dirty="0">
+                <a:highlight>
+                  <a:srgbClr val="FFFF00"/>
+                </a:highlight>
+              </a:rPr>
+              <a:t>]</a:t>
+            </a:r>
+          </a:p>
+          <a:p>
+            <a:r>
+              <a:rPr lang="es-ES" sz="1050" dirty="0">
+                <a:highlight>
+                  <a:srgbClr val="FFFF00"/>
+                </a:highlight>
+              </a:rPr>
+              <a:t># -DAILY WEATHER in </a:t>
+            </a:r>
+            <a:r>
+              <a:rPr lang="es-ES" sz="1050" dirty="0" err="1">
+                <a:highlight>
+                  <a:srgbClr val="FFFF00"/>
+                </a:highlight>
+              </a:rPr>
+              <a:t>key</a:t>
+            </a:r>
+            <a:r>
+              <a:rPr lang="es-ES" sz="1050" dirty="0">
+                <a:highlight>
+                  <a:srgbClr val="FFFF00"/>
+                </a:highlight>
+              </a:rPr>
+              <a:t> </a:t>
+            </a:r>
+            <a:r>
+              <a:rPr lang="es-ES" sz="1050" dirty="0" err="1">
+                <a:highlight>
+                  <a:srgbClr val="FFFF00"/>
+                </a:highlight>
+              </a:rPr>
+              <a:t>worldwide</a:t>
+            </a:r>
+            <a:r>
+              <a:rPr lang="es-ES" sz="1050" dirty="0">
+                <a:highlight>
+                  <a:srgbClr val="FFFF00"/>
+                </a:highlight>
+              </a:rPr>
+              <a:t> </a:t>
+            </a:r>
+            <a:r>
+              <a:rPr lang="es-ES" sz="1050" dirty="0" err="1">
+                <a:highlight>
+                  <a:srgbClr val="FFFF00"/>
+                </a:highlight>
+              </a:rPr>
+              <a:t>cities</a:t>
+            </a:r>
+            <a:r>
+              <a:rPr lang="es-ES" sz="1050" dirty="0">
+                <a:highlight>
+                  <a:srgbClr val="FFFF00"/>
+                </a:highlight>
+              </a:rPr>
+              <a:t>  [</a:t>
+            </a:r>
+            <a:r>
+              <a:rPr lang="es-ES" sz="1050" dirty="0" err="1">
+                <a:highlight>
+                  <a:srgbClr val="FFFF00"/>
+                </a:highlight>
+              </a:rPr>
+              <a:t>daily</a:t>
+            </a:r>
+            <a:r>
+              <a:rPr lang="es-ES" sz="1050" dirty="0">
+                <a:highlight>
+                  <a:srgbClr val="FFFF00"/>
+                </a:highlight>
+              </a:rPr>
+              <a:t> | </a:t>
+            </a:r>
+            <a:r>
+              <a:rPr lang="es-ES" sz="1050" dirty="0" err="1">
+                <a:highlight>
+                  <a:srgbClr val="FFFF00"/>
+                </a:highlight>
+              </a:rPr>
+              <a:t>by_city</a:t>
+            </a:r>
+            <a:r>
+              <a:rPr lang="es-ES" sz="1050" dirty="0">
+                <a:highlight>
+                  <a:srgbClr val="FFFF00"/>
+                </a:highlight>
+              </a:rPr>
+              <a:t> | 1989 | NOAA]</a:t>
+            </a:r>
+          </a:p>
+          <a:p>
+            <a:r>
+              <a:rPr lang="es-ES" sz="1050" dirty="0">
+                <a:highlight>
+                  <a:srgbClr val="FFFF00"/>
+                </a:highlight>
+              </a:rPr>
+              <a:t>#</a:t>
+            </a:r>
+          </a:p>
+          <a:p>
+            <a:r>
+              <a:rPr lang="es-ES" sz="1050" dirty="0">
+                <a:highlight>
+                  <a:srgbClr val="FFFF00"/>
+                </a:highlight>
+              </a:rPr>
+              <a:t># </a:t>
+            </a:r>
+            <a:r>
+              <a:rPr lang="es-ES" sz="1050" dirty="0" err="1">
+                <a:highlight>
+                  <a:srgbClr val="FFFF00"/>
+                </a:highlight>
+              </a:rPr>
+              <a:t>Causality</a:t>
+            </a:r>
+            <a:r>
+              <a:rPr lang="es-ES" sz="1050" dirty="0">
+                <a:highlight>
+                  <a:srgbClr val="FFFF00"/>
+                </a:highlight>
+              </a:rPr>
+              <a:t> </a:t>
+            </a:r>
+            <a:r>
+              <a:rPr lang="es-ES" sz="1050" dirty="0" err="1">
+                <a:highlight>
+                  <a:srgbClr val="FFFF00"/>
+                </a:highlight>
+              </a:rPr>
+              <a:t>hypothesis</a:t>
+            </a:r>
+            <a:r>
+              <a:rPr lang="es-ES" sz="1050" dirty="0">
+                <a:highlight>
+                  <a:srgbClr val="FFFF00"/>
+                </a:highlight>
+              </a:rPr>
+              <a:t> ("</a:t>
+            </a:r>
+            <a:r>
+              <a:rPr lang="es-ES" sz="1050" dirty="0" err="1">
+                <a:highlight>
+                  <a:srgbClr val="FFFF00"/>
+                </a:highlight>
+              </a:rPr>
+              <a:t>seed</a:t>
+            </a:r>
+            <a:r>
+              <a:rPr lang="es-ES" sz="1050" dirty="0">
+                <a:highlight>
+                  <a:srgbClr val="FFFF00"/>
+                </a:highlight>
+              </a:rPr>
+              <a:t>")</a:t>
+            </a:r>
+          </a:p>
+          <a:p>
+            <a:r>
+              <a:rPr lang="es-ES" sz="1050" dirty="0">
+                <a:highlight>
+                  <a:srgbClr val="FFFF00"/>
+                </a:highlight>
+              </a:rPr>
+              <a:t># !-KAM (Key </a:t>
+            </a:r>
+            <a:r>
+              <a:rPr lang="es-ES" sz="1050" dirty="0" err="1">
+                <a:highlight>
+                  <a:srgbClr val="FFFF00"/>
+                </a:highlight>
+              </a:rPr>
+              <a:t>Asset</a:t>
+            </a:r>
+            <a:r>
+              <a:rPr lang="es-ES" sz="1050" dirty="0">
+                <a:highlight>
+                  <a:srgbClr val="FFFF00"/>
+                </a:highlight>
+              </a:rPr>
+              <a:t> </a:t>
+            </a:r>
+            <a:r>
+              <a:rPr lang="es-ES" sz="1050" dirty="0" err="1">
+                <a:highlight>
+                  <a:srgbClr val="FFFF00"/>
+                </a:highlight>
+              </a:rPr>
+              <a:t>to</a:t>
+            </a:r>
+            <a:r>
+              <a:rPr lang="es-ES" sz="1050" dirty="0">
+                <a:highlight>
+                  <a:srgbClr val="FFFF00"/>
+                </a:highlight>
+              </a:rPr>
+              <a:t> </a:t>
+            </a:r>
+            <a:r>
+              <a:rPr lang="es-ES" sz="1050" dirty="0" err="1">
+                <a:highlight>
+                  <a:srgbClr val="FFFF00"/>
+                </a:highlight>
+              </a:rPr>
+              <a:t>Model</a:t>
+            </a:r>
+            <a:r>
+              <a:rPr lang="es-ES" sz="1050" dirty="0">
+                <a:highlight>
+                  <a:srgbClr val="FFFF00"/>
+                </a:highlight>
+              </a:rPr>
+              <a:t>)</a:t>
+            </a:r>
+          </a:p>
+          <a:p>
+            <a:r>
+              <a:rPr lang="es-ES" sz="1050" dirty="0">
+                <a:highlight>
+                  <a:srgbClr val="FFFF00"/>
+                </a:highlight>
+              </a:rPr>
+              <a:t># !-KCH (KAM </a:t>
+            </a:r>
+            <a:r>
+              <a:rPr lang="es-ES" sz="1050" dirty="0" err="1">
+                <a:highlight>
+                  <a:srgbClr val="FFFF00"/>
+                </a:highlight>
+              </a:rPr>
+              <a:t>Causality</a:t>
+            </a:r>
+            <a:r>
+              <a:rPr lang="es-ES" sz="1050" dirty="0">
+                <a:highlight>
+                  <a:srgbClr val="FFFF00"/>
+                </a:highlight>
+              </a:rPr>
+              <a:t> </a:t>
+            </a:r>
+            <a:r>
+              <a:rPr lang="es-ES" sz="1050" dirty="0" err="1">
+                <a:highlight>
+                  <a:srgbClr val="FFFF00"/>
+                </a:highlight>
+              </a:rPr>
+              <a:t>Hypothesis</a:t>
+            </a:r>
+            <a:r>
+              <a:rPr lang="es-ES" sz="1050" dirty="0">
+                <a:highlight>
+                  <a:srgbClr val="FFFF00"/>
+                </a:highlight>
+              </a:rPr>
+              <a:t>)</a:t>
+            </a:r>
+          </a:p>
+          <a:p>
+            <a:r>
+              <a:rPr lang="es-ES" sz="1050" dirty="0">
+                <a:highlight>
+                  <a:srgbClr val="FFFF00"/>
+                </a:highlight>
+              </a:rPr>
+              <a:t>#</a:t>
+            </a:r>
           </a:p>
         </p:txBody>
       </p:sp>
     </p:spTree>
     <p:extLst>
       <p:ext uri="{BB962C8B-B14F-4D97-AF65-F5344CB8AC3E}">
-        <p14:creationId xmlns:p14="http://schemas.microsoft.com/office/powerpoint/2010/main" val="1458660771"/>
+        <p14:creationId xmlns:p14="http://schemas.microsoft.com/office/powerpoint/2010/main" val="524523016"/>
       </p:ext>
     </p:extLst>
   </p:cSld>
@@ -4049,7 +6225,7 @@
           <p:cNvPr id="2" name="Title 1">
             <a:extLst>
               <a:ext uri="{FF2B5EF4-FFF2-40B4-BE49-F238E27FC236}">
-                <a16:creationId xmlns:a16="http://schemas.microsoft.com/office/drawing/2014/main" id="{3D64D79A-9888-4F47-952D-577E53E66CAD}"/>
+                <a16:creationId xmlns:a16="http://schemas.microsoft.com/office/drawing/2014/main" id="{47069F6C-2740-471B-8786-EBE3304EA996}"/>
               </a:ext>
             </a:extLst>
           </p:cNvPr>
@@ -4062,17 +6238,16 @@
         </p:nvSpPr>
         <p:spPr/>
         <p:txBody>
-          <a:bodyPr>
-            <a:normAutofit/>
-          </a:bodyPr>
+          <a:bodyPr/>
           <a:lstStyle/>
           <a:p>
-            <a:pPr lvl="0"/>
-            <a:r>
-              <a:rPr lang="en-US" dirty="0"/>
-              <a:t>Background</a:t>
-            </a:r>
-            <a:endParaRPr lang="es-ES" dirty="0"/>
+            <a:pPr marL="0" lvl="0" indent="0">
+              <a:buNone/>
+            </a:pPr>
+            <a:r>
+              <a:rPr lang="es-ES" dirty="0"/>
+              <a:t>TESTS DE MÉTODOS</a:t>
+            </a:r>
           </a:p>
         </p:txBody>
       </p:sp>
@@ -4081,7 +6256,7 @@
           <p:cNvPr id="3" name="Content Placeholder 2">
             <a:extLst>
               <a:ext uri="{FF2B5EF4-FFF2-40B4-BE49-F238E27FC236}">
-                <a16:creationId xmlns:a16="http://schemas.microsoft.com/office/drawing/2014/main" id="{F9DBB250-0C59-49AB-B5C4-9D3A1CE1199B}"/>
+                <a16:creationId xmlns:a16="http://schemas.microsoft.com/office/drawing/2014/main" id="{4C430785-6106-4CF0-A117-A38D578E83A8}"/>
               </a:ext>
             </a:extLst>
           </p:cNvPr>
@@ -4101,51 +6276,210 @@
           <a:p>
             <a:pPr lvl="0"/>
             <a:r>
+              <a:rPr lang="es-ES" dirty="0" err="1"/>
+              <a:t>TopicModel</a:t>
+            </a:r>
+            <a:r>
+              <a:rPr lang="es-ES" baseline="0" dirty="0"/>
+              <a:t> + </a:t>
+            </a:r>
+            <a:r>
+              <a:rPr lang="es-ES" baseline="0" dirty="0" err="1"/>
+              <a:t>SentimentAnalysis</a:t>
+            </a:r>
+            <a:r>
+              <a:rPr lang="es-ES" baseline="0" dirty="0"/>
+              <a:t> como time series para predecir VIX con regresión. Paquetes </a:t>
+            </a:r>
+            <a:r>
+              <a:rPr lang="es-ES" baseline="0" dirty="0" err="1"/>
+              <a:t>Sentometrics</a:t>
+            </a:r>
+            <a:r>
+              <a:rPr lang="es-ES" baseline="0" dirty="0"/>
+              <a:t> y </a:t>
+            </a:r>
+            <a:r>
+              <a:rPr lang="es-ES" baseline="0" dirty="0" err="1"/>
+              <a:t>Quanteda</a:t>
+            </a:r>
+            <a:r>
+              <a:rPr lang="es-ES" baseline="0" dirty="0"/>
+              <a:t> (</a:t>
+            </a:r>
+            <a:r>
               <a:rPr lang="en-US" dirty="0"/>
-              <a:t>In the 5-8 recent years a significant boost has happened in the field of machine learning applied to big data. There are some new facts that we can start using to assess markets future:</a:t>
+              <a:t>Predicting the VIX index • </a:t>
+            </a:r>
+            <a:r>
+              <a:rPr lang="en-US" dirty="0" err="1"/>
+              <a:t>sentometrics</a:t>
+            </a:r>
+            <a:r>
+              <a:rPr lang="en-US" dirty="0"/>
+              <a:t> (sentometrics-research.com)</a:t>
+            </a:r>
+          </a:p>
+          <a:p>
+            <a:pPr lvl="0"/>
+            <a:r>
+              <a:rPr lang="en-US" dirty="0"/>
+              <a:t>VECM para </a:t>
+            </a:r>
+            <a:r>
+              <a:rPr lang="en-US" dirty="0" err="1"/>
+              <a:t>detectar</a:t>
+            </a:r>
+            <a:r>
+              <a:rPr lang="en-US" baseline="0" dirty="0"/>
+              <a:t> </a:t>
+            </a:r>
+            <a:r>
+              <a:rPr lang="en-US" baseline="0" dirty="0" err="1"/>
+              <a:t>cointegración</a:t>
+            </a:r>
+            <a:r>
+              <a:rPr lang="en-US" baseline="0" dirty="0"/>
+              <a:t> y </a:t>
+            </a:r>
+            <a:r>
+              <a:rPr lang="en-US" baseline="0" dirty="0" err="1"/>
+              <a:t>predecir</a:t>
+            </a:r>
+            <a:r>
+              <a:rPr lang="en-US" baseline="0" dirty="0"/>
+              <a:t> multi times series</a:t>
             </a:r>
           </a:p>
           <a:p>
             <a:pPr lvl="1"/>
             <a:r>
-              <a:rPr lang="en-US" dirty="0"/>
-              <a:t>New data emerge as available, whilst just a few years ago they were not recorded, not available (calendar facts, leading indicators, …)</a:t>
+              <a:rPr lang="en-US" baseline="0" dirty="0"/>
+              <a:t>https://www.r-bloggers.com/2021/12/vector-error-correction-model-vecm-using-r/</a:t>
             </a:r>
           </a:p>
           <a:p>
             <a:pPr lvl="1"/>
             <a:r>
-              <a:rPr lang="en-US" dirty="0"/>
-              <a:t>ML as a powerful methodology and set of tools to detect pattern in data</a:t>
-            </a:r>
-          </a:p>
-          <a:p>
-            <a:pPr lvl="1"/>
-            <a:r>
-              <a:rPr lang="en-US" dirty="0"/>
-              <a:t>People massively express their feelings, mood, thoughts in available environments (social networks, search engine terms, news consumption, real-time music style listened)</a:t>
-            </a:r>
-          </a:p>
-          <a:p>
-            <a:pPr lvl="1"/>
-            <a:r>
-              <a:rPr lang="en-US" dirty="0"/>
-              <a:t>An impressive, increasing community of developers have reached a critical mass that boosts discoveries, reduces barriers for small data scientists and reaches new significant achievements in a continuous rhythm.</a:t>
-            </a:r>
-          </a:p>
-          <a:p>
-            <a:pPr lvl="1"/>
-            <a:r>
-              <a:rPr lang="en-US" dirty="0"/>
-              <a:t>Big corporations planning but not doing, focused on heavy project development methodologies behave as slow (and generous) animals</a:t>
-            </a:r>
+              <a:rPr lang="en-US" baseline="0" dirty="0"/>
+              <a:t>https://kiandlee.blogspot.com</a:t>
+            </a:r>
+          </a:p>
+          <a:p>
+            <a:pPr marL="185738" marR="0" lvl="0" indent="-185738" algn="l" defTabSz="742950" rtl="0" eaLnBrk="1" fontAlgn="auto" latinLnBrk="0" hangingPunct="1">
+              <a:lnSpc>
+                <a:spcPct val="90000"/>
+              </a:lnSpc>
+              <a:spcBef>
+                <a:spcPts val="813"/>
+              </a:spcBef>
+              <a:spcAft>
+                <a:spcPts val="0"/>
+              </a:spcAft>
+              <a:buClrTx/>
+              <a:buSzTx/>
+              <a:buFont typeface="Arial" panose="020B0604020202020204" pitchFamily="34" charset="0"/>
+              <a:buChar char="•"/>
+              <a:tabLst/>
+              <a:defRPr/>
+            </a:pPr>
+            <a:r>
+              <a:rPr lang="en-US" sz="2275" kern="1200" dirty="0">
+                <a:solidFill>
+                  <a:schemeClr val="tx1"/>
+                </a:solidFill>
+                <a:effectLst/>
+                <a:latin typeface="+mn-lt"/>
+                <a:ea typeface="+mn-ea"/>
+                <a:cs typeface="+mn-cs"/>
+              </a:rPr>
+              <a:t>VAR para </a:t>
+            </a:r>
+            <a:r>
+              <a:rPr lang="en-US" sz="2275" kern="1200" baseline="0" dirty="0" err="1">
+                <a:solidFill>
+                  <a:schemeClr val="tx1"/>
+                </a:solidFill>
+                <a:effectLst/>
+                <a:latin typeface="+mn-lt"/>
+                <a:ea typeface="+mn-ea"/>
+                <a:cs typeface="+mn-cs"/>
+              </a:rPr>
+              <a:t>predecir</a:t>
+            </a:r>
+            <a:r>
+              <a:rPr lang="en-US" sz="2275" kern="1200" baseline="0" dirty="0">
+                <a:solidFill>
+                  <a:schemeClr val="tx1"/>
+                </a:solidFill>
+                <a:effectLst/>
+                <a:latin typeface="+mn-lt"/>
+                <a:ea typeface="+mn-ea"/>
+                <a:cs typeface="+mn-cs"/>
+              </a:rPr>
+              <a:t> multi times series</a:t>
+            </a:r>
+          </a:p>
+          <a:p>
+            <a:pPr marL="557213" marR="0" lvl="1" indent="-185738" algn="l" defTabSz="742950" rtl="0" eaLnBrk="1" fontAlgn="auto" latinLnBrk="0" hangingPunct="1">
+              <a:lnSpc>
+                <a:spcPct val="90000"/>
+              </a:lnSpc>
+              <a:spcBef>
+                <a:spcPts val="813"/>
+              </a:spcBef>
+              <a:spcAft>
+                <a:spcPts val="0"/>
+              </a:spcAft>
+              <a:buClrTx/>
+              <a:buSzTx/>
+              <a:buFont typeface="Arial" panose="020B0604020202020204" pitchFamily="34" charset="0"/>
+              <a:buChar char="•"/>
+              <a:tabLst/>
+              <a:defRPr/>
+            </a:pPr>
+            <a:r>
+              <a:rPr lang="es-ES" sz="1950" dirty="0">
+                <a:effectLst/>
+              </a:rPr>
+              <a:t>https://www.r-bloggers.com/2021/11/vector-autoregressive-model-var-using-r/</a:t>
+            </a:r>
+          </a:p>
+          <a:p>
+            <a:pPr marL="557213" marR="0" lvl="1" indent="-185738" algn="l" defTabSz="742950" rtl="0" eaLnBrk="1" fontAlgn="auto" latinLnBrk="0" hangingPunct="1">
+              <a:lnSpc>
+                <a:spcPct val="90000"/>
+              </a:lnSpc>
+              <a:spcBef>
+                <a:spcPts val="813"/>
+              </a:spcBef>
+              <a:spcAft>
+                <a:spcPts val="0"/>
+              </a:spcAft>
+              <a:buClrTx/>
+              <a:buSzTx/>
+              <a:buFont typeface="Arial" panose="020B0604020202020204" pitchFamily="34" charset="0"/>
+              <a:buChar char="•"/>
+              <a:tabLst/>
+              <a:defRPr/>
+            </a:pPr>
+            <a:r>
+              <a:rPr lang="es-ES" sz="1950" dirty="0">
+                <a:effectLst/>
+              </a:rPr>
+              <a:t>https://kiandlee.blogspot.com</a:t>
+            </a:r>
+          </a:p>
+          <a:p>
+            <a:pPr lvl="0"/>
+            <a:endParaRPr lang="es-ES" dirty="0"/>
           </a:p>
         </p:txBody>
       </p:sp>
     </p:spTree>
     <p:extLst>
       <p:ext uri="{BB962C8B-B14F-4D97-AF65-F5344CB8AC3E}">
-        <p14:creationId xmlns:p14="http://schemas.microsoft.com/office/powerpoint/2010/main" val="1860593710"/>
+        <p14:creationId xmlns:p14="http://schemas.microsoft.com/office/powerpoint/2010/main" val="3144253414"/>
       </p:ext>
     </p:extLst>
   </p:cSld>
@@ -4177,7 +6511,7 @@
           <p:cNvPr id="2" name="Title 1">
             <a:extLst>
               <a:ext uri="{FF2B5EF4-FFF2-40B4-BE49-F238E27FC236}">
-                <a16:creationId xmlns:a16="http://schemas.microsoft.com/office/drawing/2014/main" id="{0A088FC0-D9DD-4948-BA64-BB4F1607EAD8}"/>
+                <a16:creationId xmlns:a16="http://schemas.microsoft.com/office/drawing/2014/main" id="{EC0F31CC-CCEC-4D18-8911-AA6D0B2281E5}"/>
               </a:ext>
             </a:extLst>
           </p:cNvPr>
@@ -4190,17 +6524,13 @@
         </p:nvSpPr>
         <p:spPr/>
         <p:txBody>
-          <a:bodyPr>
-            <a:normAutofit/>
-          </a:bodyPr>
+          <a:bodyPr/>
           <a:lstStyle/>
           <a:p>
-            <a:pPr lvl="0"/>
-            <a:r>
-              <a:rPr lang="en-US" dirty="0"/>
-              <a:t>The Challenge</a:t>
-            </a:r>
-            <a:endParaRPr lang="es-ES" dirty="0"/>
+            <a:r>
+              <a:rPr lang="es-ES" dirty="0"/>
+              <a:t>DOCUMENTOS/REFERENCIAS DEL PROCESO</a:t>
+            </a:r>
           </a:p>
         </p:txBody>
       </p:sp>
@@ -4209,7 +6539,7 @@
           <p:cNvPr id="3" name="Content Placeholder 2">
             <a:extLst>
               <a:ext uri="{FF2B5EF4-FFF2-40B4-BE49-F238E27FC236}">
-                <a16:creationId xmlns:a16="http://schemas.microsoft.com/office/drawing/2014/main" id="{8EBDEA5A-EB3C-4B55-BC64-C7EEE32C372E}"/>
+                <a16:creationId xmlns:a16="http://schemas.microsoft.com/office/drawing/2014/main" id="{C52CB4C6-7BAB-4E81-91FE-73088337C53D}"/>
               </a:ext>
             </a:extLst>
           </p:cNvPr>
@@ -4223,14 +6553,394 @@
         <p:spPr/>
         <p:txBody>
           <a:bodyPr>
-            <a:normAutofit/>
+            <a:normAutofit fontScale="40000" lnSpcReduction="20000"/>
           </a:bodyPr>
           <a:lstStyle/>
           <a:p>
             <a:pPr lvl="0"/>
             <a:r>
-              <a:rPr lang="en-US" dirty="0"/>
-              <a:t>Use fuzzy environmental circumstances to better predict short-mid term evolution of negotiable assets in the CFD market</a:t>
+              <a:rPr lang="es-ES" dirty="0"/>
+              <a:t>* MUSICA Y MERCADOS (PROYECTO)</a:t>
+            </a:r>
+          </a:p>
+          <a:p>
+            <a:pPr lvl="0"/>
+            <a:r>
+              <a:rPr lang="es-ES" dirty="0"/>
+              <a:t>(https://hbr.org/2022/01/when-people-listen-to-happy-songs-the-market-outperforms)</a:t>
+            </a:r>
+          </a:p>
+          <a:p>
+            <a:pPr lvl="0"/>
+            <a:r>
+              <a:rPr lang="es-ES" dirty="0"/>
+              <a:t>* GDELT Y MERCADOS (PROYECTO)</a:t>
+            </a:r>
+          </a:p>
+          <a:p>
+            <a:pPr lvl="0"/>
+            <a:r>
+              <a:rPr lang="es-ES" dirty="0"/>
+              <a:t>(https://essay.utwente.nl/78614/1/Final%20Thesis%20Tibor%20Jakel%201850067.pdf)</a:t>
+            </a:r>
+          </a:p>
+          <a:p>
+            <a:pPr lvl="0"/>
+            <a:r>
+              <a:rPr lang="es-ES" dirty="0"/>
+              <a:t>* IAI Y VIX (PROYECTO)</a:t>
+            </a:r>
+          </a:p>
+          <a:p>
+            <a:pPr lvl="0"/>
+            <a:r>
+              <a:rPr lang="es-ES" dirty="0"/>
+              <a:t>(https://essay.utwente.nl/78614/1/Final%20Thesis%20Tibor%20Jakel%201850067.pdf)</a:t>
+            </a:r>
+          </a:p>
+          <a:p>
+            <a:pPr lvl="0"/>
+            <a:r>
+              <a:rPr lang="es-ES" dirty="0"/>
+              <a:t>* SENTIMENT Y VIX (PROYECTO)</a:t>
+            </a:r>
+          </a:p>
+          <a:p>
+            <a:pPr lvl="0"/>
+            <a:r>
+              <a:rPr lang="es-ES" dirty="0"/>
+              <a:t>(https://sentometrics-research.com/sentometrics/articles/applications/vix.html)</a:t>
+            </a:r>
+          </a:p>
+          <a:p>
+            <a:pPr lvl="0"/>
+            <a:r>
+              <a:rPr lang="es-ES" dirty="0"/>
+              <a:t>* SENTIMENT, IAI Y VIX (VÍDEO)</a:t>
+            </a:r>
+          </a:p>
+          <a:p>
+            <a:pPr lvl="0"/>
+            <a:r>
+              <a:rPr lang="es-ES" dirty="0"/>
+              <a:t>(https://www.bloomberg.com/news/videos/2016-10-31/how-can-we-measure-investor-anxiety)</a:t>
+            </a:r>
+          </a:p>
+          <a:p>
+            <a:pPr lvl="0"/>
+            <a:r>
+              <a:rPr lang="es-ES" dirty="0"/>
+              <a:t>* </a:t>
+            </a:r>
+            <a:r>
+              <a:rPr lang="es-ES" dirty="0">
+                <a:highlight>
+                  <a:srgbClr val="FFFF00"/>
+                </a:highlight>
+              </a:rPr>
+              <a:t>VOLATILITY (añadir links):</a:t>
+            </a:r>
+          </a:p>
+          <a:p>
+            <a:pPr lvl="1"/>
+            <a:r>
+              <a:rPr lang="es-ES" dirty="0" err="1">
+                <a:highlight>
+                  <a:srgbClr val="FFFF00"/>
+                </a:highlight>
+              </a:rPr>
+              <a:t>Implied</a:t>
+            </a:r>
+            <a:r>
+              <a:rPr lang="es-ES" dirty="0">
+                <a:highlight>
+                  <a:srgbClr val="FFFF00"/>
+                </a:highlight>
+              </a:rPr>
+              <a:t>  …</a:t>
+            </a:r>
+          </a:p>
+          <a:p>
+            <a:pPr lvl="1"/>
+            <a:r>
+              <a:rPr lang="es-ES" dirty="0" err="1">
+                <a:highlight>
+                  <a:srgbClr val="FFFF00"/>
+                </a:highlight>
+              </a:rPr>
+              <a:t>Historic</a:t>
+            </a:r>
+            <a:r>
+              <a:rPr lang="es-ES" dirty="0">
+                <a:highlight>
+                  <a:srgbClr val="FFFF00"/>
+                </a:highlight>
+              </a:rPr>
+              <a:t> …</a:t>
+            </a:r>
+          </a:p>
+          <a:p>
+            <a:pPr lvl="0"/>
+            <a:endParaRPr lang="es-ES" dirty="0"/>
+          </a:p>
+          <a:p>
+            <a:pPr lvl="0"/>
+            <a:r>
+              <a:rPr lang="es-ES" dirty="0"/>
+              <a:t>* OTHER INDICATORS:</a:t>
+            </a:r>
+          </a:p>
+          <a:p>
+            <a:pPr lvl="0"/>
+            <a:r>
+              <a:rPr lang="es-ES" dirty="0"/>
+              <a:t>(</a:t>
+            </a:r>
+            <a:r>
+              <a:rPr lang="es-ES" dirty="0">
+                <a:hlinkClick r:id="rId2"/>
+              </a:rPr>
+              <a:t>https://www.investopedia.com/5-volatility-indicators-are-warnings-sign-to-the-markets-4584057</a:t>
+            </a:r>
+            <a:r>
+              <a:rPr lang="es-ES" dirty="0"/>
+              <a:t>). </a:t>
+            </a:r>
+            <a:r>
+              <a:rPr lang="es-ES" dirty="0" err="1"/>
+              <a:t>The</a:t>
+            </a:r>
+            <a:r>
+              <a:rPr lang="es-ES" dirty="0"/>
+              <a:t> </a:t>
+            </a:r>
+            <a:r>
+              <a:rPr lang="es-ES" dirty="0" err="1"/>
+              <a:t>five</a:t>
+            </a:r>
+            <a:r>
+              <a:rPr lang="es-ES" dirty="0"/>
+              <a:t> </a:t>
+            </a:r>
+            <a:r>
+              <a:rPr lang="es-ES" dirty="0" err="1"/>
+              <a:t>other</a:t>
+            </a:r>
+            <a:r>
+              <a:rPr lang="es-ES" dirty="0"/>
+              <a:t> </a:t>
+            </a:r>
+            <a:r>
+              <a:rPr lang="es-ES" dirty="0" err="1"/>
+              <a:t>signs</a:t>
+            </a:r>
+            <a:r>
+              <a:rPr lang="es-ES" dirty="0"/>
+              <a:t> </a:t>
+            </a:r>
+            <a:r>
+              <a:rPr lang="es-ES" dirty="0" err="1"/>
+              <a:t>of</a:t>
+            </a:r>
+            <a:r>
+              <a:rPr lang="es-ES" dirty="0"/>
+              <a:t> </a:t>
+            </a:r>
+            <a:r>
+              <a:rPr lang="es-ES" dirty="0" err="1"/>
+              <a:t>potential</a:t>
+            </a:r>
+            <a:r>
+              <a:rPr lang="es-ES" dirty="0"/>
+              <a:t> </a:t>
+            </a:r>
+            <a:r>
+              <a:rPr lang="es-ES" dirty="0" err="1"/>
+              <a:t>trouble</a:t>
+            </a:r>
+            <a:r>
+              <a:rPr lang="es-ES" dirty="0"/>
+              <a:t> </a:t>
+            </a:r>
+            <a:r>
+              <a:rPr lang="es-ES" dirty="0" err="1"/>
+              <a:t>probably</a:t>
+            </a:r>
+            <a:r>
+              <a:rPr lang="es-ES" dirty="0"/>
+              <a:t> </a:t>
+            </a:r>
+            <a:r>
+              <a:rPr lang="es-ES" dirty="0" err="1"/>
+              <a:t>related</a:t>
+            </a:r>
+            <a:r>
+              <a:rPr lang="es-ES" dirty="0"/>
+              <a:t> </a:t>
+            </a:r>
+            <a:r>
+              <a:rPr lang="es-ES" dirty="0" err="1"/>
+              <a:t>to</a:t>
+            </a:r>
+            <a:r>
+              <a:rPr lang="es-ES" dirty="0"/>
+              <a:t> VIX: </a:t>
+            </a:r>
+          </a:p>
+          <a:p>
+            <a:pPr lvl="1"/>
+            <a:r>
+              <a:rPr lang="es-ES" dirty="0"/>
+              <a:t>(1) </a:t>
+            </a:r>
+            <a:r>
+              <a:rPr lang="es-ES" dirty="0" err="1"/>
+              <a:t>the</a:t>
+            </a:r>
+            <a:r>
+              <a:rPr lang="es-ES" dirty="0"/>
+              <a:t> VIX </a:t>
+            </a:r>
+            <a:r>
+              <a:rPr lang="es-ES" dirty="0" err="1"/>
+              <a:t>of</a:t>
+            </a:r>
+            <a:r>
+              <a:rPr lang="es-ES" dirty="0"/>
+              <a:t> VIX (VVIX)</a:t>
+            </a:r>
+          </a:p>
+          <a:p>
+            <a:pPr lvl="1"/>
+            <a:r>
+              <a:rPr lang="es-ES" dirty="0"/>
+              <a:t>(2) </a:t>
+            </a:r>
+            <a:r>
+              <a:rPr lang="es-ES" dirty="0" err="1"/>
+              <a:t>intraday</a:t>
+            </a:r>
+            <a:r>
+              <a:rPr lang="es-ES" dirty="0"/>
+              <a:t> stock </a:t>
+            </a:r>
+            <a:r>
+              <a:rPr lang="es-ES" dirty="0" err="1"/>
+              <a:t>price</a:t>
+            </a:r>
+            <a:r>
+              <a:rPr lang="es-ES" dirty="0"/>
+              <a:t> </a:t>
+            </a:r>
+            <a:r>
+              <a:rPr lang="es-ES" dirty="0" err="1"/>
+              <a:t>volatility</a:t>
+            </a:r>
+            <a:endParaRPr lang="es-ES" dirty="0"/>
+          </a:p>
+          <a:p>
+            <a:pPr lvl="1"/>
+            <a:r>
+              <a:rPr lang="es-ES" dirty="0"/>
+              <a:t>(3) VIX </a:t>
+            </a:r>
+            <a:r>
+              <a:rPr lang="es-ES" dirty="0" err="1"/>
+              <a:t>futures</a:t>
+            </a:r>
+            <a:endParaRPr lang="es-ES" dirty="0"/>
+          </a:p>
+          <a:p>
+            <a:pPr lvl="1"/>
+            <a:r>
+              <a:rPr lang="es-ES" dirty="0"/>
+              <a:t>(4) </a:t>
+            </a:r>
+            <a:r>
+              <a:rPr lang="es-ES" dirty="0" err="1"/>
+              <a:t>volatility</a:t>
+            </a:r>
+            <a:r>
+              <a:rPr lang="es-ES" dirty="0"/>
+              <a:t> </a:t>
+            </a:r>
+            <a:r>
+              <a:rPr lang="es-ES" dirty="0" err="1"/>
+              <a:t>of</a:t>
+            </a:r>
+            <a:r>
+              <a:rPr lang="es-ES" dirty="0"/>
+              <a:t> </a:t>
+            </a:r>
+            <a:r>
+              <a:rPr lang="es-ES" dirty="0" err="1"/>
+              <a:t>futures</a:t>
+            </a:r>
+            <a:r>
+              <a:rPr lang="es-ES" dirty="0"/>
+              <a:t> </a:t>
+            </a:r>
+            <a:r>
+              <a:rPr lang="es-ES" dirty="0" err="1"/>
+              <a:t>contracts</a:t>
+            </a:r>
+            <a:r>
+              <a:rPr lang="es-ES" dirty="0"/>
+              <a:t> on </a:t>
+            </a:r>
+            <a:r>
+              <a:rPr lang="es-ES" dirty="0" err="1"/>
+              <a:t>the</a:t>
+            </a:r>
+            <a:r>
+              <a:rPr lang="es-ES" dirty="0"/>
+              <a:t> 10-Year U.S. </a:t>
+            </a:r>
+            <a:r>
+              <a:rPr lang="es-ES" dirty="0" err="1"/>
+              <a:t>Treasury</a:t>
+            </a:r>
+            <a:r>
+              <a:rPr lang="es-ES" dirty="0"/>
+              <a:t> Note</a:t>
+            </a:r>
+          </a:p>
+          <a:p>
+            <a:pPr lvl="1"/>
+            <a:r>
+              <a:rPr lang="es-ES" dirty="0"/>
+              <a:t>(5) </a:t>
+            </a:r>
+            <a:r>
+              <a:rPr lang="es-ES" dirty="0" err="1"/>
+              <a:t>low</a:t>
+            </a:r>
+            <a:r>
+              <a:rPr lang="es-ES" dirty="0"/>
+              <a:t> </a:t>
+            </a:r>
+            <a:r>
+              <a:rPr lang="es-ES" dirty="0" err="1"/>
+              <a:t>hedging</a:t>
+            </a:r>
+            <a:r>
+              <a:rPr lang="es-ES" dirty="0"/>
+              <a:t> </a:t>
+            </a:r>
+            <a:r>
+              <a:rPr lang="es-ES" dirty="0" err="1"/>
+              <a:t>costs</a:t>
+            </a:r>
+            <a:r>
+              <a:rPr lang="es-ES" dirty="0"/>
+              <a:t>.</a:t>
+            </a:r>
+          </a:p>
+          <a:p>
+            <a:pPr lvl="1"/>
+            <a:r>
+              <a:rPr lang="es-ES" dirty="0"/>
+              <a:t>(6) VKOSPI (https://www.kaggle.com/code/ninetyninenewton/prediction-of-stock-market-volatility/notebook)</a:t>
             </a:r>
           </a:p>
         </p:txBody>
@@ -4238,7 +6948,7 @@
     </p:spTree>
     <p:extLst>
       <p:ext uri="{BB962C8B-B14F-4D97-AF65-F5344CB8AC3E}">
-        <p14:creationId xmlns:p14="http://schemas.microsoft.com/office/powerpoint/2010/main" val="3620119483"/>
+        <p14:creationId xmlns:p14="http://schemas.microsoft.com/office/powerpoint/2010/main" val="3399512338"/>
       </p:ext>
     </p:extLst>
   </p:cSld>
@@ -4270,7 +6980,7 @@
           <p:cNvPr id="2" name="Title 1">
             <a:extLst>
               <a:ext uri="{FF2B5EF4-FFF2-40B4-BE49-F238E27FC236}">
-                <a16:creationId xmlns:a16="http://schemas.microsoft.com/office/drawing/2014/main" id="{C389F58D-586B-4C1D-B707-C2DCD3580B2E}"/>
+                <a16:creationId xmlns:a16="http://schemas.microsoft.com/office/drawing/2014/main" id="{86A866DC-EF39-413F-B509-B9A133CDC2C4}"/>
               </a:ext>
             </a:extLst>
           </p:cNvPr>
@@ -4284,15 +6994,14 @@
         <p:spPr/>
         <p:txBody>
           <a:bodyPr>
-            <a:normAutofit/>
+            <a:noAutofit/>
           </a:bodyPr>
           <a:lstStyle/>
           <a:p>
             <a:r>
-              <a:rPr lang="en-US" dirty="0"/>
-              <a:t>Goal: predict volatility</a:t>
-            </a:r>
-            <a:endParaRPr lang="es-ES" dirty="0"/>
+              <a:rPr lang="es-ES" sz="3550" dirty="0"/>
+              <a:t>IMPROVEMENTS PLANETMOOD</a:t>
+            </a:r>
           </a:p>
         </p:txBody>
       </p:sp>
@@ -4301,7 +7010,7 @@
           <p:cNvPr id="3" name="Content Placeholder 2">
             <a:extLst>
               <a:ext uri="{FF2B5EF4-FFF2-40B4-BE49-F238E27FC236}">
-                <a16:creationId xmlns:a16="http://schemas.microsoft.com/office/drawing/2014/main" id="{63569565-0F6B-4231-ABB4-A62C8C961965}"/>
+                <a16:creationId xmlns:a16="http://schemas.microsoft.com/office/drawing/2014/main" id="{C73076C2-DBF5-4C0F-9EBC-EF9332BAB01E}"/>
               </a:ext>
             </a:extLst>
           </p:cNvPr>
@@ -4321,99 +7030,570 @@
           <a:p>
             <a:pPr lvl="0"/>
             <a:r>
-              <a:rPr lang="en-US" dirty="0"/>
-              <a:t>Classic approach…. ARIMA, </a:t>
-            </a:r>
-            <a:r>
-              <a:rPr lang="en-US" dirty="0" err="1"/>
-              <a:t>volatility&amp;subindexes</a:t>
-            </a:r>
-            <a:r>
-              <a:rPr lang="en-US" dirty="0"/>
-              <a:t>, refugee-assets, OECD leading indicators, calendar factors (weekday, </a:t>
-            </a:r>
-            <a:r>
-              <a:rPr lang="en-US" dirty="0" err="1"/>
-              <a:t>moonPhase</a:t>
-            </a:r>
-            <a:r>
-              <a:rPr lang="en-US" dirty="0"/>
+              <a:rPr lang="es-ES" sz="1400" dirty="0"/>
+              <a:t>-"</a:t>
+            </a:r>
+            <a:r>
+              <a:rPr lang="es-ES" sz="1400" dirty="0" err="1"/>
+              <a:t>Multiseed</a:t>
+            </a:r>
+            <a:r>
+              <a:rPr lang="es-ES" sz="1400" dirty="0"/>
+              <a:t>" </a:t>
+            </a:r>
+            <a:r>
+              <a:rPr lang="es-ES" sz="1400" dirty="0" err="1"/>
+              <a:t>capability</a:t>
+            </a:r>
+            <a:br>
+              <a:rPr lang="es-ES" sz="1400" dirty="0"/>
+            </a:br>
+            <a:r>
+              <a:rPr lang="es-ES" sz="1400" dirty="0"/>
+              <a:t>-</a:t>
+            </a:r>
+            <a:r>
+              <a:rPr lang="es-ES" sz="1400" dirty="0" err="1"/>
+              <a:t>Scheduled</a:t>
+            </a:r>
+            <a:r>
+              <a:rPr lang="es-ES" sz="1400" dirty="0"/>
+              <a:t> </a:t>
+            </a:r>
+            <a:r>
+              <a:rPr lang="es-ES" sz="1400" dirty="0" err="1"/>
+              <a:t>extraction</a:t>
+            </a:r>
+            <a:r>
+              <a:rPr lang="es-ES" sz="1400" dirty="0"/>
+              <a:t> (https://www.sqlservercentral.com/articles/how-to-download-stocks-on-schedule-using-r)</a:t>
+            </a:r>
+            <a:br>
+              <a:rPr lang="es-ES" sz="1400" dirty="0"/>
+            </a:br>
+            <a:r>
+              <a:rPr lang="es-ES" sz="1400" dirty="0"/>
+              <a:t>-</a:t>
+            </a:r>
+            <a:r>
+              <a:rPr lang="es-ES" sz="1400" dirty="0" err="1"/>
+              <a:t>Weather</a:t>
+            </a:r>
+            <a:r>
+              <a:rPr lang="es-ES" sz="1400" dirty="0"/>
+              <a:t>: use </a:t>
+            </a:r>
+            <a:r>
+              <a:rPr lang="es-ES" sz="1400" dirty="0" err="1"/>
+              <a:t>existing</a:t>
+            </a:r>
+            <a:r>
+              <a:rPr lang="es-ES" sz="1400" dirty="0"/>
+              <a:t> </a:t>
+            </a:r>
+            <a:r>
+              <a:rPr lang="es-ES" sz="1400" dirty="0" err="1"/>
+              <a:t>code</a:t>
+            </a:r>
+            <a:r>
+              <a:rPr lang="es-ES" sz="1400" dirty="0"/>
+              <a:t> in </a:t>
+            </a:r>
+            <a:r>
+              <a:rPr lang="es-ES" sz="1400" dirty="0" err="1"/>
+              <a:t>directory</a:t>
+            </a:r>
+            <a:r>
+              <a:rPr lang="es-ES" sz="1400" dirty="0"/>
+              <a:t> </a:t>
+            </a:r>
+            <a:r>
+              <a:rPr lang="es-ES" sz="1400" dirty="0" err="1"/>
+              <a:t>extraction_other</a:t>
+            </a:r>
+            <a:r>
+              <a:rPr lang="es-ES" sz="1400" dirty="0"/>
+              <a:t>/ </a:t>
+            </a:r>
+            <a:r>
+              <a:rPr lang="es-ES" sz="1400" dirty="0" err="1"/>
+              <a:t>to</a:t>
+            </a:r>
+            <a:r>
+              <a:rPr lang="es-ES" sz="1400" dirty="0"/>
+              <a:t> </a:t>
+            </a:r>
+            <a:r>
+              <a:rPr lang="es-ES" sz="1400" dirty="0" err="1"/>
+              <a:t>extract</a:t>
+            </a:r>
+            <a:r>
+              <a:rPr lang="es-ES" sz="1400" dirty="0"/>
+              <a:t> data </a:t>
+            </a:r>
+            <a:r>
+              <a:rPr lang="es-ES" sz="1400" dirty="0" err="1"/>
+              <a:t>by</a:t>
+            </a:r>
+            <a:r>
+              <a:rPr lang="es-ES" sz="1400" dirty="0"/>
+              <a:t> </a:t>
+            </a:r>
+            <a:r>
+              <a:rPr lang="es-ES" sz="1400" dirty="0" err="1"/>
+              <a:t>city</a:t>
+            </a:r>
+            <a:br>
+              <a:rPr lang="es-ES" sz="1400" dirty="0"/>
+            </a:br>
+            <a:r>
+              <a:rPr lang="es-ES" sz="1400" dirty="0"/>
+              <a:t>-Air </a:t>
+            </a:r>
+            <a:r>
+              <a:rPr lang="es-ES" sz="1400" dirty="0" err="1"/>
+              <a:t>traffic</a:t>
+            </a:r>
+            <a:r>
+              <a:rPr lang="es-ES" sz="1400" dirty="0"/>
+              <a:t>: use </a:t>
+            </a:r>
+            <a:r>
+              <a:rPr lang="es-ES" sz="1400" dirty="0" err="1"/>
+              <a:t>existing</a:t>
+            </a:r>
+            <a:r>
+              <a:rPr lang="es-ES" sz="1400" dirty="0"/>
+              <a:t> </a:t>
+            </a:r>
+            <a:r>
+              <a:rPr lang="es-ES" sz="1400" dirty="0" err="1"/>
+              <a:t>code</a:t>
+            </a:r>
+            <a:r>
+              <a:rPr lang="es-ES" sz="1400" dirty="0"/>
+              <a:t> in </a:t>
+            </a:r>
+            <a:r>
+              <a:rPr lang="es-ES" sz="1400" dirty="0" err="1"/>
+              <a:t>directory</a:t>
+            </a:r>
+            <a:r>
+              <a:rPr lang="es-ES" sz="1400" dirty="0"/>
+              <a:t> </a:t>
+            </a:r>
+            <a:r>
+              <a:rPr lang="es-ES" sz="1400" dirty="0" err="1"/>
+              <a:t>extraction_other</a:t>
+            </a:r>
+            <a:r>
+              <a:rPr lang="es-ES" sz="1400" dirty="0"/>
+              <a:t>/ </a:t>
+            </a:r>
+            <a:r>
+              <a:rPr lang="es-ES" sz="1400" dirty="0" err="1"/>
+              <a:t>to</a:t>
+            </a:r>
+            <a:r>
+              <a:rPr lang="es-ES" sz="1400" dirty="0"/>
+              <a:t> </a:t>
+            </a:r>
+            <a:r>
+              <a:rPr lang="es-ES" sz="1400" dirty="0" err="1"/>
+              <a:t>extract</a:t>
+            </a:r>
+            <a:r>
+              <a:rPr lang="es-ES" sz="1400" dirty="0"/>
+              <a:t> </a:t>
+            </a:r>
+            <a:r>
+              <a:rPr lang="es-ES" sz="1400" dirty="0" err="1"/>
+              <a:t>also</a:t>
+            </a:r>
+            <a:r>
+              <a:rPr lang="es-ES" sz="1400" dirty="0"/>
+              <a:t> data </a:t>
+            </a:r>
+            <a:r>
+              <a:rPr lang="es-ES" sz="1400" dirty="0" err="1"/>
+              <a:t>by</a:t>
+            </a:r>
+            <a:r>
+              <a:rPr lang="es-ES" sz="1400" dirty="0"/>
+              <a:t> </a:t>
+            </a:r>
+            <a:r>
+              <a:rPr lang="es-ES" sz="1400" dirty="0" err="1"/>
+              <a:t>city</a:t>
+            </a:r>
+            <a:br>
+              <a:rPr lang="es-ES" sz="1400" dirty="0"/>
+            </a:br>
+            <a:r>
+              <a:rPr lang="es-ES" sz="1400" dirty="0"/>
+              <a:t>-</a:t>
+            </a:r>
+            <a:r>
+              <a:rPr lang="es-ES" sz="1400" dirty="0" err="1"/>
+              <a:t>GoogleTrends</a:t>
+            </a:r>
+            <a:r>
+              <a:rPr lang="es-ES" sz="1400" dirty="0"/>
+              <a:t>: </a:t>
+            </a:r>
+            <a:r>
+              <a:rPr lang="es-ES" sz="1400" dirty="0" err="1"/>
+              <a:t>analyze</a:t>
+            </a:r>
+            <a:r>
+              <a:rPr lang="es-ES" sz="1400" dirty="0"/>
+              <a:t> </a:t>
+            </a:r>
+            <a:r>
+              <a:rPr lang="es-ES" sz="1400" dirty="0" err="1"/>
+              <a:t>related</a:t>
+            </a:r>
+            <a:r>
+              <a:rPr lang="es-ES" sz="1400" dirty="0"/>
+              <a:t> </a:t>
+            </a:r>
+            <a:r>
+              <a:rPr lang="es-ES" sz="1400" dirty="0" err="1"/>
+              <a:t>search</a:t>
+            </a:r>
+            <a:r>
+              <a:rPr lang="es-ES" sz="1400" dirty="0"/>
+              <a:t> </a:t>
+            </a:r>
+            <a:r>
+              <a:rPr lang="es-ES" sz="1400" dirty="0" err="1"/>
+              <a:t>terms</a:t>
+            </a:r>
+            <a:r>
+              <a:rPr lang="es-ES" sz="1400" dirty="0"/>
               <a:t>, </a:t>
             </a:r>
             <a:r>
-              <a:rPr lang="en-US" dirty="0" err="1"/>
-              <a:t>weekYear</a:t>
-            </a:r>
-            <a:r>
-              <a:rPr lang="en-US" dirty="0"/>
-              <a:t>), </a:t>
-            </a:r>
-            <a:r>
-              <a:rPr lang="en-US" dirty="0" err="1"/>
-              <a:t>etc</a:t>
-            </a:r>
-            <a:endParaRPr lang="en-US" dirty="0"/>
-          </a:p>
-          <a:p>
-            <a:pPr lvl="0"/>
-            <a:r>
-              <a:rPr lang="en-US" dirty="0"/>
-              <a:t>Extended approach: 1) classic approach + 2) </a:t>
-            </a:r>
-            <a:r>
-              <a:rPr lang="en-US" dirty="0" err="1"/>
-              <a:t>PlanetMood</a:t>
-            </a:r>
-            <a:r>
-              <a:rPr lang="en-US" dirty="0"/>
-              <a:t> (use new qualitative data as </a:t>
-            </a:r>
-            <a:r>
-              <a:rPr lang="en-US" dirty="0" err="1"/>
-              <a:t>prescriptor</a:t>
-            </a:r>
-            <a:r>
-              <a:rPr lang="en-US" dirty="0"/>
-              <a:t>: media </a:t>
-            </a:r>
-            <a:r>
-              <a:rPr lang="en-US" dirty="0" err="1"/>
-              <a:t>tone&amp;impact</a:t>
-            </a:r>
-            <a:r>
-              <a:rPr lang="en-US" dirty="0"/>
-              <a:t> (GDELT), search indicators (IAI DAI), people activity (daily flights), people daily mood (music listened), … + 3) a sophisticated ML prediction model (stochastic, ensemble, network, deep learning)</a:t>
-            </a:r>
-          </a:p>
-          <a:p>
-            <a:pPr lvl="0"/>
-            <a:r>
-              <a:rPr lang="en-US" dirty="0"/>
-              <a:t>Monetization: predict VIX in high cadence</a:t>
-            </a:r>
-          </a:p>
-          <a:p>
-            <a:pPr lvl="0"/>
-            <a:r>
-              <a:rPr lang="en-US" dirty="0" err="1"/>
-              <a:t>Implementation&amp;deployment</a:t>
-            </a:r>
-            <a:r>
-              <a:rPr lang="en-US" dirty="0"/>
-              <a:t>: planning/resources/company/</a:t>
-            </a:r>
-            <a:r>
-              <a:rPr lang="en-US" dirty="0" err="1"/>
-              <a:t>businessPlan</a:t>
-            </a:r>
-            <a:endParaRPr lang="en-US" dirty="0"/>
+              <a:rPr lang="es-ES" sz="1400" dirty="0" err="1"/>
+              <a:t>not</a:t>
+            </a:r>
+            <a:r>
+              <a:rPr lang="es-ES" sz="1400" dirty="0"/>
+              <a:t> </a:t>
+            </a:r>
+            <a:r>
+              <a:rPr lang="es-ES" sz="1400" dirty="0" err="1"/>
+              <a:t>only</a:t>
+            </a:r>
+            <a:r>
+              <a:rPr lang="es-ES" sz="1400" dirty="0"/>
+              <a:t> </a:t>
+            </a:r>
+            <a:r>
+              <a:rPr lang="es-ES" sz="1400" dirty="0" err="1"/>
+              <a:t>interest</a:t>
+            </a:r>
+            <a:r>
+              <a:rPr lang="es-ES" sz="1400" dirty="0"/>
+              <a:t>-</a:t>
+            </a:r>
+            <a:r>
+              <a:rPr lang="es-ES" sz="1400" dirty="0" err="1"/>
+              <a:t>over</a:t>
+            </a:r>
+            <a:r>
+              <a:rPr lang="es-ES" sz="1400" dirty="0"/>
+              <a:t>-time</a:t>
+            </a:r>
+            <a:br>
+              <a:rPr lang="es-ES" sz="1400" dirty="0"/>
+            </a:br>
+            <a:r>
+              <a:rPr lang="es-ES" sz="1400" dirty="0"/>
+              <a:t>-</a:t>
+            </a:r>
+            <a:r>
+              <a:rPr lang="es-ES" sz="1400" dirty="0" err="1"/>
+              <a:t>GoogleTrends</a:t>
+            </a:r>
+            <a:r>
+              <a:rPr lang="es-ES" sz="1400" dirty="0"/>
+              <a:t>: </a:t>
+            </a:r>
+            <a:r>
+              <a:rPr lang="es-ES" sz="1400" dirty="0" err="1"/>
+              <a:t>distinguish</a:t>
+            </a:r>
+            <a:r>
+              <a:rPr lang="es-ES" sz="1400" dirty="0"/>
+              <a:t> </a:t>
+            </a:r>
+            <a:r>
+              <a:rPr lang="es-ES" sz="1400" dirty="0" err="1"/>
+              <a:t>search</a:t>
+            </a:r>
+            <a:r>
+              <a:rPr lang="es-ES" sz="1400" dirty="0"/>
+              <a:t> </a:t>
+            </a:r>
+            <a:r>
+              <a:rPr lang="es-ES" sz="1400" dirty="0" err="1"/>
+              <a:t>results</a:t>
+            </a:r>
+            <a:r>
+              <a:rPr lang="es-ES" sz="1400" dirty="0"/>
+              <a:t> </a:t>
+            </a:r>
+            <a:r>
+              <a:rPr lang="es-ES" sz="1400" dirty="0" err="1"/>
+              <a:t>by</a:t>
+            </a:r>
+            <a:r>
+              <a:rPr lang="es-ES" sz="1400" dirty="0"/>
+              <a:t> country ("geo")</a:t>
+            </a:r>
+            <a:br>
+              <a:rPr lang="es-ES" sz="1400" dirty="0"/>
+            </a:br>
+            <a:r>
+              <a:rPr lang="es-ES" sz="1400" dirty="0"/>
+              <a:t>-Twitter-fechas: valorar/PROBAR con Twitter problema de sólo 10 días hacia atrás...COMPROBAR NIVEL ACTUAL EN TWITTER ("</a:t>
+            </a:r>
+            <a:r>
+              <a:rPr lang="es-ES" sz="1400" dirty="0" err="1"/>
+              <a:t>Elevated</a:t>
+            </a:r>
+            <a:r>
+              <a:rPr lang="es-ES" sz="1400" dirty="0"/>
+              <a:t>?"): https://developer.twitter.com/en/docs/twitter-api/getting-started/about-twitter-api#Access</a:t>
+            </a:r>
+            <a:br>
+              <a:rPr lang="es-ES" sz="1400" dirty="0"/>
+            </a:br>
+            <a:r>
+              <a:rPr lang="es-ES" sz="1400" dirty="0"/>
+              <a:t>-</a:t>
+            </a:r>
+            <a:r>
+              <a:rPr lang="es-ES" sz="1400" dirty="0" err="1"/>
+              <a:t>Separate</a:t>
+            </a:r>
+            <a:r>
+              <a:rPr lang="es-ES" sz="1400" dirty="0"/>
+              <a:t> Google </a:t>
+            </a:r>
+            <a:r>
+              <a:rPr lang="es-ES" sz="1400" dirty="0" err="1"/>
+              <a:t>searches</a:t>
+            </a:r>
+            <a:r>
+              <a:rPr lang="es-ES" sz="1400" dirty="0"/>
+              <a:t> per country</a:t>
+            </a:r>
+            <a:br>
+              <a:rPr lang="es-ES" sz="1400" dirty="0"/>
+            </a:br>
+            <a:r>
+              <a:rPr lang="es-ES" sz="1400" dirty="0"/>
+              <a:t>-</a:t>
+            </a:r>
+            <a:r>
+              <a:rPr lang="es-ES" sz="1400" dirty="0" err="1"/>
+              <a:t>Separate</a:t>
+            </a:r>
+            <a:r>
+              <a:rPr lang="es-ES" sz="1400" dirty="0"/>
+              <a:t> Twitter posts per country</a:t>
+            </a:r>
+            <a:br>
+              <a:rPr lang="es-ES" sz="1400" dirty="0"/>
+            </a:br>
+            <a:r>
+              <a:rPr lang="es-ES" sz="1400" dirty="0"/>
+              <a:t>-Twitter posts </a:t>
+            </a:r>
+            <a:r>
+              <a:rPr lang="es-ES" sz="1400" dirty="0" err="1"/>
+              <a:t>volume</a:t>
+            </a:r>
+            <a:r>
+              <a:rPr lang="es-ES" sz="1400" dirty="0"/>
+              <a:t> (</a:t>
+            </a:r>
+            <a:r>
+              <a:rPr lang="es-ES" sz="1400" dirty="0" err="1"/>
+              <a:t>currently</a:t>
+            </a:r>
+            <a:r>
+              <a:rPr lang="es-ES" sz="1400" dirty="0"/>
+              <a:t> </a:t>
+            </a:r>
+            <a:r>
+              <a:rPr lang="es-ES" sz="1400" dirty="0" err="1"/>
+              <a:t>using</a:t>
+            </a:r>
+            <a:r>
+              <a:rPr lang="es-ES" sz="1400" dirty="0"/>
+              <a:t> Google </a:t>
+            </a:r>
+            <a:r>
+              <a:rPr lang="es-ES" sz="1400" dirty="0" err="1"/>
+              <a:t>searchs</a:t>
+            </a:r>
+            <a:r>
+              <a:rPr lang="es-ES" sz="1400" dirty="0"/>
+              <a:t> </a:t>
+            </a:r>
+            <a:r>
+              <a:rPr lang="es-ES" sz="1400" dirty="0" err="1"/>
+              <a:t>for</a:t>
+            </a:r>
+            <a:r>
+              <a:rPr lang="es-ES" sz="1400" dirty="0"/>
+              <a:t> </a:t>
+            </a:r>
+            <a:r>
+              <a:rPr lang="es-ES" sz="1400" dirty="0" err="1"/>
+              <a:t>it</a:t>
+            </a:r>
+            <a:r>
+              <a:rPr lang="es-ES" sz="1400" dirty="0"/>
+              <a:t>)</a:t>
+            </a:r>
+            <a:br>
+              <a:rPr lang="es-ES" sz="1400" dirty="0"/>
+            </a:br>
+            <a:r>
+              <a:rPr lang="es-ES" sz="1400" dirty="0"/>
+              <a:t>-</a:t>
+            </a:r>
+            <a:r>
+              <a:rPr lang="es-ES" sz="1400" dirty="0" err="1"/>
+              <a:t>Analysis</a:t>
+            </a:r>
+            <a:r>
+              <a:rPr lang="es-ES" sz="1400" dirty="0"/>
+              <a:t> ("tag </a:t>
+            </a:r>
+            <a:r>
+              <a:rPr lang="es-ES" sz="1400" dirty="0" err="1"/>
+              <a:t>cloud</a:t>
+            </a:r>
+            <a:r>
+              <a:rPr lang="es-ES" sz="1400" dirty="0"/>
+              <a:t>", etc.) </a:t>
+            </a:r>
+            <a:r>
+              <a:rPr lang="es-ES" sz="1400" dirty="0" err="1"/>
+              <a:t>of</a:t>
+            </a:r>
+            <a:r>
+              <a:rPr lang="es-ES" sz="1400" dirty="0"/>
+              <a:t> </a:t>
+            </a:r>
+            <a:r>
+              <a:rPr lang="es-ES" sz="1400" dirty="0" err="1"/>
+              <a:t>related</a:t>
+            </a:r>
+            <a:r>
+              <a:rPr lang="es-ES" sz="1400" dirty="0"/>
+              <a:t> </a:t>
+            </a:r>
+            <a:r>
+              <a:rPr lang="es-ES" sz="1400" dirty="0" err="1"/>
+              <a:t>term-searches</a:t>
+            </a:r>
+            <a:r>
+              <a:rPr lang="es-ES" sz="1400" dirty="0"/>
+              <a:t> </a:t>
+            </a:r>
+            <a:r>
+              <a:rPr lang="es-ES" sz="1400" dirty="0" err="1"/>
+              <a:t>to</a:t>
+            </a:r>
+            <a:r>
+              <a:rPr lang="es-ES" sz="1400" dirty="0"/>
+              <a:t> </a:t>
+            </a:r>
+            <a:r>
+              <a:rPr lang="es-ES" sz="1400" dirty="0" err="1"/>
+              <a:t>list</a:t>
+            </a:r>
+            <a:r>
+              <a:rPr lang="es-ES" sz="1400" dirty="0"/>
+              <a:t> </a:t>
+            </a:r>
+            <a:r>
+              <a:rPr lang="es-ES" sz="1400" dirty="0" err="1"/>
+              <a:t>given</a:t>
+            </a:r>
+            <a:br>
+              <a:rPr lang="es-ES" sz="1400" dirty="0"/>
+            </a:br>
+            <a:r>
+              <a:rPr lang="es-ES" sz="1400" dirty="0"/>
+              <a:t>-News </a:t>
+            </a:r>
+            <a:r>
+              <a:rPr lang="es-ES" sz="1400" dirty="0" err="1"/>
+              <a:t>combined</a:t>
+            </a:r>
+            <a:r>
+              <a:rPr lang="es-ES" sz="1400" dirty="0"/>
+              <a:t>/</a:t>
+            </a:r>
+            <a:r>
+              <a:rPr lang="es-ES" sz="1400" dirty="0" err="1"/>
+              <a:t>coexisting</a:t>
+            </a:r>
+            <a:r>
+              <a:rPr lang="es-ES" sz="1400" dirty="0"/>
+              <a:t> </a:t>
+            </a:r>
+            <a:r>
+              <a:rPr lang="es-ES" sz="1400" dirty="0" err="1"/>
+              <a:t>terms</a:t>
+            </a:r>
+            <a:r>
+              <a:rPr lang="es-ES" sz="1400" dirty="0"/>
+              <a:t> (in </a:t>
+            </a:r>
+            <a:r>
+              <a:rPr lang="es-ES" sz="1400" dirty="0" err="1"/>
+              <a:t>same</a:t>
+            </a:r>
+            <a:r>
+              <a:rPr lang="es-ES" sz="1400" dirty="0"/>
+              <a:t> </a:t>
+            </a:r>
+            <a:r>
+              <a:rPr lang="es-ES" sz="1400" dirty="0" err="1"/>
+              <a:t>article</a:t>
+            </a:r>
+            <a:r>
+              <a:rPr lang="es-ES" sz="1400" dirty="0"/>
+              <a:t>) </a:t>
+            </a:r>
+            <a:r>
+              <a:rPr lang="es-ES" sz="1400" dirty="0" err="1"/>
+              <a:t>volume</a:t>
+            </a:r>
+            <a:r>
+              <a:rPr lang="es-ES" sz="1400" dirty="0"/>
+              <a:t> and </a:t>
+            </a:r>
+            <a:r>
+              <a:rPr lang="es-ES" sz="1400" dirty="0" err="1"/>
+              <a:t>sentiment</a:t>
+            </a:r>
+            <a:endParaRPr lang="es-ES" sz="1400" dirty="0"/>
           </a:p>
         </p:txBody>
       </p:sp>
     </p:spTree>
     <p:extLst>
       <p:ext uri="{BB962C8B-B14F-4D97-AF65-F5344CB8AC3E}">
-        <p14:creationId xmlns:p14="http://schemas.microsoft.com/office/powerpoint/2010/main" val="3520021240"/>
+        <p14:creationId xmlns:p14="http://schemas.microsoft.com/office/powerpoint/2010/main" val="3045823402"/>
       </p:ext>
     </p:extLst>
   </p:cSld>
@@ -4445,7 +7625,7 @@
           <p:cNvPr id="2" name="Title 1">
             <a:extLst>
               <a:ext uri="{FF2B5EF4-FFF2-40B4-BE49-F238E27FC236}">
-                <a16:creationId xmlns:a16="http://schemas.microsoft.com/office/drawing/2014/main" id="{E5F1D301-F4DF-4AF2-B350-86215002B289}"/>
+                <a16:creationId xmlns:a16="http://schemas.microsoft.com/office/drawing/2014/main" id="{95D031A8-6991-46B6-B4B9-1346F2719701}"/>
               </a:ext>
             </a:extLst>
           </p:cNvPr>
@@ -4456,21 +7636,26 @@
             <p:ph type="title"/>
           </p:nvPr>
         </p:nvSpPr>
-        <p:spPr/>
+        <p:spPr>
+          <a:xfrm>
+            <a:off x="108282" y="73724"/>
+            <a:ext cx="8543925" cy="468887"/>
+          </a:xfrm>
+        </p:spPr>
         <p:txBody>
           <a:bodyPr>
-            <a:normAutofit/>
+            <a:normAutofit fontScale="90000"/>
           </a:bodyPr>
           <a:lstStyle/>
           <a:p>
-            <a:pPr lvl="0"/>
-            <a:r>
-              <a:rPr lang="en-US" dirty="0"/>
-              <a:t>Network of fear/volatility indicators</a:t>
-            </a:r>
-            <a:br>
-              <a:rPr lang="en-US" dirty="0"/>
-            </a:br>
+            <a:r>
+              <a:rPr lang="es-ES" dirty="0"/>
+              <a:t>Project </a:t>
+            </a:r>
+            <a:r>
+              <a:rPr lang="es-ES" dirty="0" err="1"/>
+              <a:t>Charter</a:t>
+            </a:r>
             <a:endParaRPr lang="es-ES" dirty="0"/>
           </a:p>
         </p:txBody>
@@ -4480,7 +7665,7 @@
           <p:cNvPr id="3" name="Content Placeholder 2">
             <a:extLst>
               <a:ext uri="{FF2B5EF4-FFF2-40B4-BE49-F238E27FC236}">
-                <a16:creationId xmlns:a16="http://schemas.microsoft.com/office/drawing/2014/main" id="{1DC2E1CD-7E8E-4141-8772-89579F5FE4D1}"/>
+                <a16:creationId xmlns:a16="http://schemas.microsoft.com/office/drawing/2014/main" id="{8AC46F9D-2796-4BFA-8D31-B6C20EFB5DE1}"/>
               </a:ext>
             </a:extLst>
           </p:cNvPr>
@@ -4493,77 +7678,691 @@
         </p:nvSpPr>
         <p:spPr>
           <a:xfrm>
-            <a:off x="681039" y="1825625"/>
-            <a:ext cx="3190570" cy="4351338"/>
+            <a:off x="238911" y="680112"/>
+            <a:ext cx="9347216" cy="6104163"/>
           </a:xfrm>
         </p:spPr>
         <p:txBody>
-          <a:bodyPr>
-            <a:normAutofit lnSpcReduction="10000"/>
+          <a:bodyPr numCol="3" spcCol="180000">
+            <a:noAutofit/>
           </a:bodyPr>
           <a:lstStyle/>
           <a:p>
-            <a:pPr lvl="0"/>
-            <a:r>
-              <a:rPr lang="en-US" dirty="0"/>
+            <a:pPr lvl="0">
+              <a:lnSpc>
+                <a:spcPts val="800"/>
+              </a:lnSpc>
+            </a:pPr>
+            <a:r>
+              <a:rPr lang="en-US" sz="1000" dirty="0"/>
+              <a:t>What</a:t>
+            </a:r>
+            <a:r>
+              <a:rPr lang="en-US" sz="1000" baseline="0" dirty="0"/>
+              <a:t> is </a:t>
+            </a:r>
+            <a:r>
+              <a:rPr lang="en-US" sz="1000" baseline="0" dirty="0" err="1"/>
+              <a:t>PlanetMood</a:t>
+            </a:r>
+            <a:r>
+              <a:rPr lang="en-US" sz="1000" baseline="0" dirty="0"/>
+              <a:t>™?</a:t>
+            </a:r>
+          </a:p>
+          <a:p>
+            <a:pPr lvl="1">
+              <a:lnSpc>
+                <a:spcPts val="800"/>
+              </a:lnSpc>
+            </a:pPr>
+            <a:r>
+              <a:rPr lang="en-US" sz="1000" dirty="0" err="1"/>
+              <a:t>PlanetMood</a:t>
+            </a:r>
+            <a:r>
+              <a:rPr lang="en-US" sz="1000" dirty="0"/>
+              <a:t>™ is a </a:t>
+            </a:r>
+            <a:r>
+              <a:rPr lang="en-US" sz="1000" b="1" dirty="0" err="1"/>
+              <a:t>databellum</a:t>
+            </a:r>
+            <a:r>
+              <a:rPr lang="en-US" sz="1000" dirty="0"/>
+              <a:t> project to do…</a:t>
+            </a:r>
+          </a:p>
+          <a:p>
+            <a:pPr marL="742950" lvl="2" indent="0">
+              <a:lnSpc>
+                <a:spcPts val="800"/>
+              </a:lnSpc>
+              <a:buNone/>
+            </a:pPr>
+            <a:r>
+              <a:rPr lang="en-US" sz="1000" i="1" dirty="0"/>
+              <a:t>Prediction of markets fear based on social and geographic indicators. </a:t>
+            </a:r>
+          </a:p>
+          <a:p>
+            <a:pPr lvl="0">
+              <a:lnSpc>
+                <a:spcPts val="800"/>
+              </a:lnSpc>
+            </a:pPr>
+            <a:r>
+              <a:rPr lang="en-US" sz="1000" dirty="0"/>
+              <a:t>Background</a:t>
+            </a:r>
+          </a:p>
+          <a:p>
+            <a:pPr lvl="1">
+              <a:lnSpc>
+                <a:spcPts val="800"/>
+              </a:lnSpc>
+            </a:pPr>
+            <a:r>
+              <a:rPr lang="en-US" sz="1000" dirty="0"/>
+              <a:t>In the 5-8 recent years a significant boost has happened in the field of machine learning applied to big data. There are some new facts that we can start using to assess markets future:</a:t>
+            </a:r>
+          </a:p>
+          <a:p>
+            <a:pPr lvl="2">
+              <a:lnSpc>
+                <a:spcPts val="800"/>
+              </a:lnSpc>
+            </a:pPr>
+            <a:r>
+              <a:rPr lang="en-US" sz="1000" dirty="0"/>
+              <a:t>New data emerge as available, whilst just a few years ago they were not recorded, not available (calendar facts, leading indicators, …)</a:t>
+            </a:r>
+          </a:p>
+          <a:p>
+            <a:pPr lvl="2">
+              <a:lnSpc>
+                <a:spcPts val="800"/>
+              </a:lnSpc>
+            </a:pPr>
+            <a:r>
+              <a:rPr lang="en-US" sz="1000" dirty="0"/>
+              <a:t>ML as a powerful methodology and set of tools to detect pattern in data</a:t>
+            </a:r>
+          </a:p>
+          <a:p>
+            <a:pPr lvl="2">
+              <a:lnSpc>
+                <a:spcPts val="800"/>
+              </a:lnSpc>
+            </a:pPr>
+            <a:r>
+              <a:rPr lang="en-US" sz="1000" dirty="0"/>
+              <a:t>People massively express their feelings, mood, thoughts in available environments (social networks, search engine terms, news consumption, real-time music style listened)</a:t>
+            </a:r>
+          </a:p>
+          <a:p>
+            <a:pPr lvl="2">
+              <a:lnSpc>
+                <a:spcPts val="800"/>
+              </a:lnSpc>
+            </a:pPr>
+            <a:r>
+              <a:rPr lang="en-US" sz="1000" dirty="0"/>
+              <a:t>An impressive, increasing community of developers have reached a critical mass that boosts discoveries, reduces barriers for small data scientists and reaches new significant achievements in a continuous rhythm.</a:t>
+            </a:r>
+          </a:p>
+          <a:p>
+            <a:pPr lvl="2">
+              <a:lnSpc>
+                <a:spcPts val="800"/>
+              </a:lnSpc>
+            </a:pPr>
+            <a:r>
+              <a:rPr lang="en-US" sz="1000" dirty="0"/>
+              <a:t>Big corporations planning but not doing, focused on heavy project development methodologies behave as slow (and generous) animals</a:t>
+            </a:r>
+          </a:p>
+          <a:p>
+            <a:pPr lvl="0">
+              <a:lnSpc>
+                <a:spcPts val="800"/>
+              </a:lnSpc>
+            </a:pPr>
+            <a:r>
+              <a:rPr lang="en-US" sz="1000" dirty="0"/>
+              <a:t>The Challenge</a:t>
+            </a:r>
+          </a:p>
+          <a:p>
+            <a:pPr lvl="1">
+              <a:lnSpc>
+                <a:spcPts val="800"/>
+              </a:lnSpc>
+            </a:pPr>
+            <a:r>
+              <a:rPr lang="en-US" sz="1000" dirty="0"/>
+              <a:t>Use fuzzy environmental circumstances to better predict short-mid term evolution of negotiable assets in the CFD market</a:t>
+            </a:r>
+          </a:p>
+          <a:p>
+            <a:pPr lvl="0">
+              <a:lnSpc>
+                <a:spcPts val="800"/>
+              </a:lnSpc>
+            </a:pPr>
+            <a:r>
+              <a:rPr lang="en-US" sz="1000" dirty="0"/>
+              <a:t>Goal: predict volatility</a:t>
+            </a:r>
+          </a:p>
+          <a:p>
+            <a:pPr lvl="1">
+              <a:lnSpc>
+                <a:spcPts val="800"/>
+              </a:lnSpc>
+            </a:pPr>
+            <a:r>
+              <a:rPr lang="en-US" sz="1000" dirty="0"/>
+              <a:t>Classic approach…. ARIMA, </a:t>
+            </a:r>
+            <a:r>
+              <a:rPr lang="en-US" sz="1000" dirty="0" err="1"/>
+              <a:t>volatility&amp;subindexes</a:t>
+            </a:r>
+            <a:r>
+              <a:rPr lang="en-US" sz="1000" dirty="0"/>
+              <a:t>, refugee-assets, OECD leading indicators, calendar factors (weekday, </a:t>
+            </a:r>
+            <a:r>
+              <a:rPr lang="en-US" sz="1000" dirty="0" err="1"/>
+              <a:t>moonPhase</a:t>
+            </a:r>
+            <a:r>
+              <a:rPr lang="en-US" sz="1000" dirty="0"/>
+              <a:t>, </a:t>
+            </a:r>
+            <a:r>
+              <a:rPr lang="en-US" sz="1000" dirty="0" err="1"/>
+              <a:t>weekYear</a:t>
+            </a:r>
+            <a:r>
+              <a:rPr lang="en-US" sz="1000" dirty="0"/>
+              <a:t>), </a:t>
+            </a:r>
+            <a:r>
+              <a:rPr lang="en-US" sz="1000" dirty="0" err="1"/>
+              <a:t>etc</a:t>
+            </a:r>
+            <a:endParaRPr lang="en-US" sz="1000" dirty="0"/>
+          </a:p>
+          <a:p>
+            <a:pPr lvl="1">
+              <a:lnSpc>
+                <a:spcPts val="800"/>
+              </a:lnSpc>
+            </a:pPr>
+            <a:r>
+              <a:rPr lang="en-US" sz="1000" dirty="0"/>
+              <a:t>Extended approach: 1) classic approach + 2) </a:t>
+            </a:r>
+            <a:r>
+              <a:rPr lang="en-US" sz="1000" dirty="0" err="1"/>
+              <a:t>PlanetMood</a:t>
+            </a:r>
+            <a:r>
+              <a:rPr lang="en-US" sz="1000" dirty="0"/>
+              <a:t> (use new qualitative data as </a:t>
+            </a:r>
+            <a:r>
+              <a:rPr lang="en-US" sz="1000" dirty="0" err="1"/>
+              <a:t>prescriptor</a:t>
+            </a:r>
+            <a:r>
+              <a:rPr lang="en-US" sz="1000" dirty="0"/>
+              <a:t>: media </a:t>
+            </a:r>
+            <a:r>
+              <a:rPr lang="en-US" sz="1000" dirty="0" err="1"/>
+              <a:t>tone&amp;impact</a:t>
+            </a:r>
+            <a:r>
+              <a:rPr lang="en-US" sz="1000" dirty="0"/>
+              <a:t> (GDELT), search indicators (IAI DAI), people activity (daily flights), people daily mood (music listened), … + 3) a sophisticated ML prediction model (stochastic, ensemble, network, deep learning)</a:t>
+            </a:r>
+          </a:p>
+          <a:p>
+            <a:pPr lvl="1">
+              <a:lnSpc>
+                <a:spcPts val="800"/>
+              </a:lnSpc>
+            </a:pPr>
+            <a:r>
+              <a:rPr lang="en-US" sz="1000" dirty="0"/>
+              <a:t>Monetization: predict VIX in high cadence</a:t>
+            </a:r>
+          </a:p>
+          <a:p>
+            <a:pPr lvl="1">
+              <a:lnSpc>
+                <a:spcPts val="800"/>
+              </a:lnSpc>
+            </a:pPr>
+            <a:r>
+              <a:rPr lang="en-US" sz="1000" dirty="0" err="1"/>
+              <a:t>Implementation&amp;deployment</a:t>
+            </a:r>
+            <a:r>
+              <a:rPr lang="en-US" sz="1000" dirty="0"/>
+              <a:t>: planning/resources/company/</a:t>
+            </a:r>
+            <a:r>
+              <a:rPr lang="en-US" sz="1000" dirty="0" err="1"/>
+              <a:t>businessPlan</a:t>
+            </a:r>
+            <a:endParaRPr lang="en-US" sz="1000" dirty="0"/>
+          </a:p>
+          <a:p>
+            <a:pPr lvl="0">
+              <a:lnSpc>
+                <a:spcPts val="800"/>
+              </a:lnSpc>
+            </a:pPr>
+            <a:r>
+              <a:rPr lang="en-US" sz="1000" dirty="0"/>
+              <a:t>Network of fear/volatility indicators</a:t>
+            </a:r>
+            <a:br>
+              <a:rPr lang="en-US" sz="1000" dirty="0"/>
+            </a:br>
+            <a:endParaRPr lang="en-US" sz="1000" dirty="0"/>
+          </a:p>
+          <a:p>
+            <a:pPr lvl="1">
+              <a:lnSpc>
+                <a:spcPts val="800"/>
+              </a:lnSpc>
+            </a:pPr>
+            <a:r>
+              <a:rPr lang="en-US" sz="1000" dirty="0"/>
               <a:t>*”5 Volatility Indicators May Be Warnings Signs To The Market”</a:t>
             </a:r>
           </a:p>
           <a:p>
-            <a:pPr lvl="0"/>
-            <a:r>
-              <a:rPr lang="en-US" dirty="0"/>
+            <a:pPr lvl="1">
+              <a:lnSpc>
+                <a:spcPts val="800"/>
+              </a:lnSpc>
+            </a:pPr>
+            <a:r>
+              <a:rPr lang="en-US" sz="1000" dirty="0"/>
               <a:t>*CBOE: VVIX, DJIA, </a:t>
             </a:r>
             <a:r>
-              <a:rPr lang="en-US" dirty="0" err="1"/>
+              <a:rPr lang="en-US" sz="1000" dirty="0" err="1"/>
               <a:t>etc</a:t>
             </a:r>
             <a:r>
-              <a:rPr lang="en-US" dirty="0"/>
+              <a:rPr lang="en-US" sz="1000" dirty="0"/>
               <a:t> </a:t>
             </a:r>
           </a:p>
           <a:p>
-            <a:pPr lvl="0"/>
-            <a:r>
-              <a:rPr lang="en-US" dirty="0"/>
+            <a:pPr lvl="1">
+              <a:lnSpc>
+                <a:spcPts val="800"/>
+              </a:lnSpc>
+            </a:pPr>
+            <a:r>
+              <a:rPr lang="en-US" sz="1000" dirty="0"/>
               <a:t>*VKOSPI/KSVKOSPI, HSI, </a:t>
             </a:r>
             <a:r>
-              <a:rPr lang="en-US" dirty="0" err="1"/>
+              <a:rPr lang="en-US" sz="1000" dirty="0" err="1"/>
               <a:t>NikkeiVolatility</a:t>
             </a:r>
-            <a:endParaRPr lang="en-US" dirty="0"/>
-          </a:p>
-          <a:p>
-            <a:pPr lvl="0"/>
-            <a:r>
-              <a:rPr lang="en-US" dirty="0"/>
+            <a:endParaRPr lang="en-US" sz="1000" dirty="0"/>
+          </a:p>
+          <a:p>
+            <a:pPr lvl="1">
+              <a:lnSpc>
+                <a:spcPts val="800"/>
+              </a:lnSpc>
+            </a:pPr>
+            <a:r>
+              <a:rPr lang="en-US" sz="1000" dirty="0"/>
               <a:t>*</a:t>
             </a:r>
             <a:r>
-              <a:rPr lang="en-US" i="1" dirty="0"/>
+              <a:rPr lang="en-US" sz="1000" i="1" dirty="0"/>
               <a:t>refugee-assets</a:t>
             </a:r>
             <a:r>
-              <a:rPr lang="en-US" dirty="0"/>
+              <a:rPr lang="en-US" sz="1000" dirty="0"/>
               <a:t>: https://economipedia.com/definiciones/valor-refugio.html y </a:t>
             </a:r>
             <a:r>
-              <a:rPr lang="en-US" dirty="0">
+              <a:rPr lang="en-US" sz="1000" dirty="0">
                 <a:hlinkClick r:id="rId2"/>
               </a:rPr>
               <a:t>https://economipedia.com/definiciones/valor-refugio.html</a:t>
             </a:r>
-            <a:endParaRPr lang="en-US" dirty="0"/>
+            <a:endParaRPr lang="en-US" sz="1000" dirty="0"/>
+          </a:p>
+          <a:p>
+            <a:pPr lvl="0">
+              <a:lnSpc>
+                <a:spcPts val="800"/>
+              </a:lnSpc>
+            </a:pPr>
+            <a:r>
+              <a:rPr lang="en-US" sz="1000" dirty="0"/>
+              <a:t>Outcome</a:t>
+            </a:r>
+          </a:p>
+          <a:p>
+            <a:pPr marL="828675" lvl="1" indent="-457200">
+              <a:lnSpc>
+                <a:spcPts val="800"/>
+              </a:lnSpc>
+              <a:buFont typeface="+mj-lt"/>
+              <a:buAutoNum type="alphaLcParenR"/>
+            </a:pPr>
+            <a:r>
+              <a:rPr lang="en-US" sz="1000" dirty="0"/>
+              <a:t>Based of catcher pairs during the training phase, model applies to current data to propose current pairs {tag, lag} significantly correlated</a:t>
+            </a:r>
+          </a:p>
+          <a:p>
+            <a:pPr marL="828675" lvl="1" indent="-457200">
+              <a:lnSpc>
+                <a:spcPts val="800"/>
+              </a:lnSpc>
+              <a:buFont typeface="+mj-lt"/>
+              <a:buAutoNum type="alphaLcParenR"/>
+            </a:pPr>
+            <a:r>
+              <a:rPr lang="en-US" sz="1000" dirty="0"/>
+              <a:t>A </a:t>
+            </a:r>
+            <a:r>
+              <a:rPr lang="en-US" sz="1000" dirty="0" err="1"/>
+              <a:t>shinyapp</a:t>
+            </a:r>
+            <a:r>
+              <a:rPr lang="en-US" sz="1000" dirty="0"/>
+              <a:t> shows real-time proposed pairs to buy/sell (up/down prediction) and reminds users orders to execute based on initial recommendations. Assets names are coded/encrypted(12)</a:t>
+            </a:r>
+          </a:p>
+          <a:p>
+            <a:pPr marL="828675" lvl="1" indent="-457200">
+              <a:lnSpc>
+                <a:spcPts val="800"/>
+              </a:lnSpc>
+              <a:buFont typeface="+mj-lt"/>
+              <a:buAutoNum type="alphaLcParenR"/>
+            </a:pPr>
+            <a:r>
+              <a:rPr lang="en-US" sz="1000" dirty="0"/>
+              <a:t>A dashboard estimates results based on decisions suggested.</a:t>
+            </a:r>
+          </a:p>
+          <a:p>
+            <a:pPr lvl="0">
+              <a:lnSpc>
+                <a:spcPts val="800"/>
+              </a:lnSpc>
+            </a:pPr>
+            <a:r>
+              <a:rPr lang="en-US" sz="1000" dirty="0"/>
+              <a:t>Methodology</a:t>
+            </a:r>
+          </a:p>
+          <a:p>
+            <a:pPr marL="828675" lvl="1" indent="-457200">
+              <a:lnSpc>
+                <a:spcPts val="800"/>
+              </a:lnSpc>
+              <a:buFont typeface="+mj-lt"/>
+              <a:buAutoNum type="alphaLcParenR"/>
+            </a:pPr>
+            <a:r>
+              <a:rPr lang="en-US" sz="1000" dirty="0"/>
+              <a:t>Extract data from original sources, both negotiable(1) or informational(2). All data retrieved as data-series plus a country/geographic feature</a:t>
+            </a:r>
+          </a:p>
+          <a:p>
+            <a:pPr marL="828675" lvl="1" indent="-457200">
+              <a:lnSpc>
+                <a:spcPts val="800"/>
+              </a:lnSpc>
+              <a:buFont typeface="+mj-lt"/>
+              <a:buAutoNum type="alphaLcParenR"/>
+            </a:pPr>
+            <a:r>
+              <a:rPr lang="en-US" sz="1000" dirty="0"/>
+              <a:t>Homogenize data series (scale(3), interpolate(4), trim total period(5), fix </a:t>
+            </a:r>
+            <a:r>
+              <a:rPr lang="en-US" sz="1000" dirty="0" err="1"/>
+              <a:t>serie</a:t>
+            </a:r>
+            <a:r>
+              <a:rPr lang="en-US" sz="1000" dirty="0"/>
+              <a:t> start to create “</a:t>
+            </a:r>
+            <a:r>
+              <a:rPr lang="en-US" sz="1000" dirty="0" err="1"/>
+              <a:t>látigo</a:t>
+            </a:r>
+            <a:r>
+              <a:rPr lang="en-US" sz="1000" dirty="0"/>
+              <a:t>-effect”(6), re-weight older observations using a logarithm scale(7), reduce number of periods to 100(8)</a:t>
+            </a:r>
+          </a:p>
+          <a:p>
+            <a:pPr marL="828675" lvl="1" indent="-457200">
+              <a:lnSpc>
+                <a:spcPts val="800"/>
+              </a:lnSpc>
+              <a:buFont typeface="+mj-lt"/>
+              <a:buAutoNum type="alphaLcParenR"/>
+            </a:pPr>
+            <a:r>
+              <a:rPr lang="en-US" sz="1000" dirty="0"/>
+              <a:t>Create a hypothesis-network(9) as seed for correlations exploration. KAMs (Key-Asset-to-Model) are marked as negotiable/</a:t>
+            </a:r>
+            <a:r>
+              <a:rPr lang="en-US" sz="1000" dirty="0" err="1"/>
+              <a:t>just_informational</a:t>
+            </a:r>
+            <a:endParaRPr lang="en-US" sz="1000" dirty="0"/>
+          </a:p>
+          <a:p>
+            <a:pPr marL="828675" lvl="1" indent="-457200">
+              <a:lnSpc>
+                <a:spcPts val="800"/>
+              </a:lnSpc>
+              <a:buFont typeface="+mj-lt"/>
+              <a:buAutoNum type="alphaLcParenR"/>
+            </a:pPr>
+            <a:r>
+              <a:rPr lang="en-US" sz="1000" dirty="0"/>
+              <a:t>Train a model(9) to detect correlations among time-series using “1/3/5/7/11/17-days(10). Model prioritizes correlation hypothesis for processing economy and filters “negotiable” effects only</a:t>
+            </a:r>
+          </a:p>
+          <a:p>
+            <a:pPr marL="828675" lvl="1" indent="-457200">
+              <a:lnSpc>
+                <a:spcPts val="800"/>
+              </a:lnSpc>
+              <a:buFont typeface="+mj-lt"/>
+              <a:buAutoNum type="alphaLcParenR"/>
+            </a:pPr>
+            <a:r>
+              <a:rPr lang="en-US" sz="1000" dirty="0"/>
+              <a:t>Model catches pairs of {variable, lag} that maximize correlation (11)</a:t>
+            </a:r>
+          </a:p>
+          <a:p>
+            <a:pPr marL="828675" lvl="1" indent="-457200">
+              <a:lnSpc>
+                <a:spcPts val="800"/>
+              </a:lnSpc>
+              <a:buFont typeface="+mj-lt"/>
+              <a:buAutoNum type="alphaLcParenR"/>
+            </a:pPr>
+            <a:r>
+              <a:rPr lang="en-US" sz="1000" dirty="0"/>
+              <a:t>A second model uses stand-alone prediction for each variable and ensembles with previous one </a:t>
+            </a:r>
+          </a:p>
+          <a:p>
+            <a:pPr lvl="0">
+              <a:lnSpc>
+                <a:spcPts val="800"/>
+              </a:lnSpc>
+            </a:pPr>
+            <a:r>
+              <a:rPr lang="en-US" sz="1000" dirty="0"/>
+              <a:t>Accuracy Measurement</a:t>
+            </a:r>
+          </a:p>
+          <a:p>
+            <a:pPr lvl="1">
+              <a:lnSpc>
+                <a:spcPts val="800"/>
+              </a:lnSpc>
+            </a:pPr>
+            <a:r>
+              <a:rPr lang="en-US" sz="1000" dirty="0"/>
+              <a:t>Accuracy is measured as increase of model prediction hits compared to application of a random prediction </a:t>
+            </a:r>
+            <a:r>
+              <a:rPr lang="en-US" sz="1000" dirty="0" err="1"/>
+              <a:t>ponderated</a:t>
+            </a:r>
+            <a:r>
+              <a:rPr lang="en-US" sz="1000" dirty="0"/>
+              <a:t> to average of up-down ratio</a:t>
+            </a:r>
+          </a:p>
+          <a:p>
+            <a:pPr lvl="0">
+              <a:lnSpc>
+                <a:spcPts val="800"/>
+              </a:lnSpc>
+            </a:pPr>
+            <a:r>
+              <a:rPr lang="en-US" sz="1000" dirty="0"/>
+              <a:t>Production Process</a:t>
+            </a:r>
+          </a:p>
+          <a:p>
+            <a:pPr lvl="1">
+              <a:lnSpc>
+                <a:spcPts val="800"/>
+              </a:lnSpc>
+            </a:pPr>
+            <a:r>
+              <a:rPr lang="en-US" sz="1000" dirty="0"/>
+              <a:t>In an initial phase, amount to invest is zero, then progressively increasing </a:t>
+            </a:r>
+          </a:p>
+          <a:p>
+            <a:pPr lvl="0">
+              <a:lnSpc>
+                <a:spcPts val="800"/>
+              </a:lnSpc>
+            </a:pPr>
+            <a:r>
+              <a:rPr lang="en-US" sz="1000" dirty="0"/>
+              <a:t>Hyperparameters and future developments</a:t>
+            </a:r>
+          </a:p>
+          <a:p>
+            <a:pPr lvl="1">
+              <a:lnSpc>
+                <a:spcPts val="800"/>
+              </a:lnSpc>
+            </a:pPr>
+            <a:r>
+              <a:rPr lang="en-US" sz="1000" dirty="0"/>
+              <a:t>Reduced number of periods can be adjusted to lower or higher up to daily</a:t>
+            </a:r>
+          </a:p>
+          <a:p>
+            <a:pPr lvl="1">
+              <a:lnSpc>
+                <a:spcPts val="800"/>
+              </a:lnSpc>
+            </a:pPr>
+            <a:r>
+              <a:rPr lang="en-US" sz="1000" dirty="0"/>
+              <a:t>Re-weighting of older periods can be logarithmic, linear, other or none</a:t>
+            </a:r>
+          </a:p>
+          <a:p>
+            <a:pPr lvl="1">
+              <a:lnSpc>
+                <a:spcPts val="800"/>
+              </a:lnSpc>
+            </a:pPr>
+            <a:r>
+              <a:rPr lang="en-US" sz="1000" dirty="0"/>
+              <a:t>Several hypothesis-networks to choose/adjust/evolve, or even do a general comparison (filtering effect is negotiable)</a:t>
+            </a:r>
+          </a:p>
+          <a:p>
+            <a:pPr lvl="1">
+              <a:lnSpc>
+                <a:spcPts val="800"/>
+              </a:lnSpc>
+            </a:pPr>
+            <a:r>
+              <a:rPr lang="en-US" sz="1000" dirty="0"/>
+              <a:t>Other potential lagging periods, not just prime numbers from 1 to 17</a:t>
+            </a:r>
+          </a:p>
+          <a:p>
+            <a:pPr lvl="1">
+              <a:lnSpc>
+                <a:spcPts val="800"/>
+              </a:lnSpc>
+            </a:pPr>
+            <a:r>
+              <a:rPr lang="en-US" sz="1000" dirty="0"/>
+              <a:t>Apart of correlations between pairs of variables: assess several ones together</a:t>
+            </a:r>
+          </a:p>
+          <a:p>
+            <a:pPr lvl="1">
+              <a:lnSpc>
+                <a:spcPts val="800"/>
+              </a:lnSpc>
+            </a:pPr>
+            <a:r>
+              <a:rPr lang="en-US" sz="1000" dirty="0"/>
+              <a:t>Apart of correlations between pairs of variables: use ARIMA and autocorrelation techniques</a:t>
+            </a:r>
+          </a:p>
+          <a:p>
+            <a:pPr lvl="1">
+              <a:lnSpc>
+                <a:spcPts val="800"/>
+              </a:lnSpc>
+            </a:pPr>
+            <a:r>
+              <a:rPr lang="en-US" sz="1000" dirty="0"/>
+              <a:t>Generalize management of country/geo</a:t>
+            </a:r>
+            <a:endParaRPr lang="es-ES" sz="1000" dirty="0"/>
           </a:p>
         </p:txBody>
       </p:sp>
     </p:spTree>
     <p:extLst>
       <p:ext uri="{BB962C8B-B14F-4D97-AF65-F5344CB8AC3E}">
-        <p14:creationId xmlns:p14="http://schemas.microsoft.com/office/powerpoint/2010/main" val="1299811677"/>
+        <p14:creationId xmlns:p14="http://schemas.microsoft.com/office/powerpoint/2010/main" val="3106035475"/>
       </p:ext>
     </p:extLst>
   </p:cSld>
@@ -4590,12 +8389,42 @@
           <a:chExt cx="0" cy="0"/>
         </a:xfrm>
       </p:grpSpPr>
+      <p:pic>
+        <p:nvPicPr>
+          <p:cNvPr id="5" name="Picture 4">
+            <a:extLst>
+              <a:ext uri="{FF2B5EF4-FFF2-40B4-BE49-F238E27FC236}">
+                <a16:creationId xmlns:a16="http://schemas.microsoft.com/office/drawing/2014/main" id="{1D2E9A7D-3271-4B34-9FD5-F8802FC3C813}"/>
+              </a:ext>
+            </a:extLst>
+          </p:cNvPr>
+          <p:cNvPicPr>
+            <a:picLocks noChangeAspect="1"/>
+          </p:cNvPicPr>
+          <p:nvPr/>
+        </p:nvPicPr>
+        <p:blipFill>
+          <a:blip r:embed="rId2"/>
+          <a:stretch>
+            <a:fillRect/>
+          </a:stretch>
+        </p:blipFill>
+        <p:spPr>
+          <a:xfrm>
+            <a:off x="-259079" y="-2006"/>
+            <a:ext cx="10427207" cy="6860005"/>
+          </a:xfrm>
+          <a:prstGeom prst="rect">
+            <a:avLst/>
+          </a:prstGeom>
+        </p:spPr>
+      </p:pic>
       <p:sp>
         <p:nvSpPr>
           <p:cNvPr id="2" name="Title 1">
             <a:extLst>
               <a:ext uri="{FF2B5EF4-FFF2-40B4-BE49-F238E27FC236}">
-                <a16:creationId xmlns:a16="http://schemas.microsoft.com/office/drawing/2014/main" id="{151F96DA-34EE-454C-9F0F-3B4C791C45B2}"/>
+                <a16:creationId xmlns:a16="http://schemas.microsoft.com/office/drawing/2014/main" id="{42D7B86F-362E-4B22-AAF2-7538E0C65CD0}"/>
               </a:ext>
             </a:extLst>
           </p:cNvPr>
@@ -4603,7 +8432,7 @@
             <a:spLocks noGrp="1"/>
           </p:cNvSpPr>
           <p:nvPr>
-            <p:ph type="title"/>
+            <p:ph type="ctrTitle"/>
           </p:nvPr>
         </p:nvSpPr>
         <p:spPr/>
@@ -4613,21 +8442,60 @@
           </a:bodyPr>
           <a:lstStyle/>
           <a:p>
-            <a:pPr lvl="0"/>
-            <a:r>
-              <a:rPr lang="en-US" dirty="0"/>
-              <a:t>Outcome</a:t>
-            </a:r>
-            <a:endParaRPr lang="es-ES" dirty="0"/>
+            <a:r>
+              <a:rPr lang="es-ES" sz="5400" dirty="0" err="1">
+                <a:solidFill>
+                  <a:schemeClr val="bg1"/>
+                </a:solidFill>
+              </a:rPr>
+              <a:t>About</a:t>
+            </a:r>
+            <a:r>
+              <a:rPr lang="es-ES" sz="5400" dirty="0">
+                <a:solidFill>
+                  <a:schemeClr val="bg1"/>
+                </a:solidFill>
+              </a:rPr>
+              <a:t> </a:t>
+            </a:r>
+            <a:r>
+              <a:rPr lang="es-ES" sz="5400" dirty="0" err="1">
+                <a:solidFill>
+                  <a:schemeClr val="bg1"/>
+                </a:solidFill>
+              </a:rPr>
+              <a:t>the</a:t>
+            </a:r>
+            <a:r>
+              <a:rPr lang="es-ES" sz="5400" dirty="0">
+                <a:solidFill>
+                  <a:schemeClr val="bg1"/>
+                </a:solidFill>
+              </a:rPr>
+              <a:t> </a:t>
+            </a:r>
+            <a:r>
+              <a:rPr lang="es-ES" sz="5400" dirty="0" err="1">
+                <a:solidFill>
+                  <a:schemeClr val="bg1"/>
+                </a:solidFill>
+              </a:rPr>
+              <a:t>company</a:t>
+            </a:r>
+            <a:endParaRPr lang="es-ES" sz="5400" dirty="0">
+              <a:solidFill>
+                <a:schemeClr val="bg1"/>
+              </a:solidFill>
+            </a:endParaRPr>
           </a:p>
         </p:txBody>
       </p:sp>
       <p:sp>
         <p:nvSpPr>
-          <p:cNvPr id="3" name="Content Placeholder 2">
-            <a:extLst>
-              <a:ext uri="{FF2B5EF4-FFF2-40B4-BE49-F238E27FC236}">
-                <a16:creationId xmlns:a16="http://schemas.microsoft.com/office/drawing/2014/main" id="{1B2EEFF7-6FD6-4B75-B0B6-65882D700CB6}"/>
+          <p:cNvPr id="3" name="Subtitle 2">
+            <a:extLst>
+              <a:ext uri="{FF2B5EF4-FFF2-40B4-BE49-F238E27FC236}">
+                <a16:creationId xmlns:a16="http://schemas.microsoft.com/office/drawing/2014/main" id="{2C61CB05-A4D9-4789-8F7E-B65B9C5B937F}"/>
               </a:ext>
             </a:extLst>
           </p:cNvPr>
@@ -4635,59 +8503,115 @@
             <a:spLocks noGrp="1"/>
           </p:cNvSpPr>
           <p:nvPr>
-            <p:ph idx="1"/>
+            <p:ph type="subTitle" idx="1"/>
           </p:nvPr>
         </p:nvSpPr>
-        <p:spPr/>
+        <p:spPr>
+          <a:xfrm>
+            <a:off x="3627455" y="3602038"/>
+            <a:ext cx="2954215" cy="1655762"/>
+          </a:xfrm>
+        </p:spPr>
         <p:txBody>
           <a:bodyPr>
-            <a:normAutofit/>
+            <a:noAutofit/>
           </a:bodyPr>
           <a:lstStyle/>
           <a:p>
-            <a:pPr marL="457200" lvl="0" indent="-457200">
-              <a:buFont typeface="+mj-lt"/>
-              <a:buAutoNum type="alphaLcParenR"/>
-            </a:pPr>
-            <a:r>
-              <a:rPr lang="en-US" dirty="0"/>
-              <a:t>Based of catcher pairs during the training phase, model applies to current data to propose current pairs {tag, lag} significantly correlated</a:t>
-            </a:r>
-          </a:p>
-          <a:p>
-            <a:pPr marL="457200" lvl="0" indent="-457200">
-              <a:buFont typeface="+mj-lt"/>
-              <a:buAutoNum type="alphaLcParenR"/>
-            </a:pPr>
-            <a:r>
-              <a:rPr lang="en-US" dirty="0"/>
-              <a:t>A </a:t>
-            </a:r>
-            <a:r>
-              <a:rPr lang="en-US" dirty="0" err="1"/>
-              <a:t>shinyapp</a:t>
-            </a:r>
-            <a:r>
-              <a:rPr lang="en-US" dirty="0"/>
-              <a:t> shows real-time proposed pairs to buy/sell (up/down prediction) and reminds users orders to execute based on initial recommendations. Assets names are coded/encrypted(12)</a:t>
-            </a:r>
-          </a:p>
-          <a:p>
-            <a:pPr marL="457200" lvl="0" indent="-457200">
-              <a:buFont typeface="+mj-lt"/>
-              <a:buAutoNum type="alphaLcParenR"/>
-            </a:pPr>
-            <a:r>
-              <a:rPr lang="en-US" dirty="0"/>
-              <a:t>A dashboard estimates results based on decisions suggested.</a:t>
-            </a:r>
+            <a:r>
+              <a:rPr lang="es-ES" sz="2400" dirty="0">
+                <a:solidFill>
+                  <a:srgbClr val="FFC000"/>
+                </a:solidFill>
+              </a:rPr>
+              <a:t>w</a:t>
+            </a:r>
+            <a:r>
+              <a:rPr lang="en-US" sz="2400" dirty="0">
+                <a:solidFill>
+                  <a:srgbClr val="FFC000"/>
+                </a:solidFill>
+              </a:rPr>
+              <a:t>e do magic to see the invisible and predict the future</a:t>
+            </a:r>
+            <a:endParaRPr lang="es-ES" sz="2400" dirty="0">
+              <a:solidFill>
+                <a:srgbClr val="FFC000"/>
+              </a:solidFill>
+            </a:endParaRPr>
           </a:p>
         </p:txBody>
       </p:sp>
+      <p:pic>
+        <p:nvPicPr>
+          <p:cNvPr id="7" name="Picture 6">
+            <a:extLst>
+              <a:ext uri="{FF2B5EF4-FFF2-40B4-BE49-F238E27FC236}">
+                <a16:creationId xmlns:a16="http://schemas.microsoft.com/office/drawing/2014/main" id="{4C15E564-E3CB-4BC4-8903-706728CFC30F}"/>
+              </a:ext>
+            </a:extLst>
+          </p:cNvPr>
+          <p:cNvPicPr>
+            <a:picLocks noChangeAspect="1"/>
+          </p:cNvPicPr>
+          <p:nvPr/>
+        </p:nvPicPr>
+        <p:blipFill>
+          <a:blip r:embed="rId3">
+            <a:extLst>
+              <a:ext uri="{28A0092B-C50C-407E-A947-70E740481C1C}">
+                <a14:useLocalDpi xmlns:a14="http://schemas.microsoft.com/office/drawing/2010/main" val="0"/>
+              </a:ext>
+            </a:extLst>
+          </a:blip>
+          <a:stretch>
+            <a:fillRect/>
+          </a:stretch>
+        </p:blipFill>
+        <p:spPr>
+          <a:xfrm>
+            <a:off x="1087978" y="5974024"/>
+            <a:ext cx="600075" cy="590550"/>
+          </a:xfrm>
+          <a:prstGeom prst="rect">
+            <a:avLst/>
+          </a:prstGeom>
+        </p:spPr>
+      </p:pic>
+      <p:pic>
+        <p:nvPicPr>
+          <p:cNvPr id="6" name="Picture 5">
+            <a:extLst>
+              <a:ext uri="{FF2B5EF4-FFF2-40B4-BE49-F238E27FC236}">
+                <a16:creationId xmlns:a16="http://schemas.microsoft.com/office/drawing/2014/main" id="{C739AFC5-5E85-42D2-B15C-A14CD5856981}"/>
+              </a:ext>
+            </a:extLst>
+          </p:cNvPr>
+          <p:cNvPicPr>
+            <a:picLocks noChangeAspect="1"/>
+          </p:cNvPicPr>
+          <p:nvPr/>
+        </p:nvPicPr>
+        <p:blipFill>
+          <a:blip r:embed="rId4"/>
+          <a:stretch>
+            <a:fillRect/>
+          </a:stretch>
+        </p:blipFill>
+        <p:spPr>
+          <a:xfrm>
+            <a:off x="1087978" y="406139"/>
+            <a:ext cx="3303321" cy="562575"/>
+          </a:xfrm>
+          <a:prstGeom prst="rect">
+            <a:avLst/>
+          </a:prstGeom>
+        </p:spPr>
+      </p:pic>
     </p:spTree>
     <p:extLst>
       <p:ext uri="{BB962C8B-B14F-4D97-AF65-F5344CB8AC3E}">
-        <p14:creationId xmlns:p14="http://schemas.microsoft.com/office/powerpoint/2010/main" val="1315145092"/>
+        <p14:creationId xmlns:p14="http://schemas.microsoft.com/office/powerpoint/2010/main" val="2194655299"/>
       </p:ext>
     </p:extLst>
   </p:cSld>
@@ -4719,7 +8643,7 @@
           <p:cNvPr id="2" name="Title 1">
             <a:extLst>
               <a:ext uri="{FF2B5EF4-FFF2-40B4-BE49-F238E27FC236}">
-                <a16:creationId xmlns:a16="http://schemas.microsoft.com/office/drawing/2014/main" id="{48245912-EF81-4DAF-9B55-92FC371064ED}"/>
+                <a16:creationId xmlns:a16="http://schemas.microsoft.com/office/drawing/2014/main" id="{4CAFD7D0-A913-41D7-BB37-8E7529E20EC0}"/>
               </a:ext>
             </a:extLst>
           </p:cNvPr>
@@ -4737,10 +8661,9 @@
           <a:p>
             <a:pPr lvl="0"/>
             <a:r>
-              <a:rPr lang="en-US" dirty="0"/>
-              <a:t>Methodology</a:t>
-            </a:r>
-            <a:endParaRPr lang="es-ES" dirty="0"/>
+              <a:rPr lang="es-ES" dirty="0"/>
+              <a:t>OPERATIVA/CLAVES DE LA EMPRESA:</a:t>
+            </a:r>
           </a:p>
         </p:txBody>
       </p:sp>
@@ -4749,7 +8672,7 @@
           <p:cNvPr id="3" name="Content Placeholder 2">
             <a:extLst>
               <a:ext uri="{FF2B5EF4-FFF2-40B4-BE49-F238E27FC236}">
-                <a16:creationId xmlns:a16="http://schemas.microsoft.com/office/drawing/2014/main" id="{397BE5A7-6042-4EB6-8CA9-47402A777646}"/>
+                <a16:creationId xmlns:a16="http://schemas.microsoft.com/office/drawing/2014/main" id="{C86FE0F3-E18D-481E-8A35-14878C5030A4}"/>
               </a:ext>
             </a:extLst>
           </p:cNvPr>
@@ -4760,100 +8683,271 @@
             <p:ph idx="1"/>
           </p:nvPr>
         </p:nvSpPr>
-        <p:spPr/>
+        <p:spPr>
+          <a:xfrm>
+            <a:off x="681038" y="1825625"/>
+            <a:ext cx="8977312" cy="4351338"/>
+          </a:xfrm>
+        </p:spPr>
         <p:txBody>
-          <a:bodyPr>
+          <a:bodyPr numCol="2">
             <a:normAutofit fontScale="92500" lnSpcReduction="10000"/>
           </a:bodyPr>
           <a:lstStyle/>
           <a:p>
-            <a:pPr marL="457200" lvl="0" indent="-457200">
-              <a:buFont typeface="+mj-lt"/>
-              <a:buAutoNum type="alphaLcParenR"/>
-            </a:pPr>
-            <a:r>
-              <a:rPr lang="en-US" dirty="0"/>
-              <a:t>Extract data from original sources, both negotiable(1) or informational(2). All data retrieved as data-series plus a country/geographic feature</a:t>
-            </a:r>
-          </a:p>
-          <a:p>
-            <a:pPr marL="457200" lvl="0" indent="-457200">
-              <a:buFont typeface="+mj-lt"/>
-              <a:buAutoNum type="alphaLcParenR"/>
-            </a:pPr>
-            <a:r>
-              <a:rPr lang="en-US" dirty="0"/>
-              <a:t>Homogenize data series (scale(3), interpolate(4), trim total period(5), fix </a:t>
-            </a:r>
-            <a:r>
-              <a:rPr lang="en-US" dirty="0" err="1"/>
-              <a:t>serie</a:t>
-            </a:r>
-            <a:r>
-              <a:rPr lang="en-US" dirty="0"/>
-              <a:t> start to create “</a:t>
-            </a:r>
-            <a:r>
-              <a:rPr lang="en-US" dirty="0" err="1"/>
-              <a:t>látigo</a:t>
-            </a:r>
-            <a:r>
-              <a:rPr lang="en-US" dirty="0"/>
-              <a:t>-effect”(6), re-weight older observations using a logarithm scale(7), reduce number of periods to 100(8)</a:t>
-            </a:r>
-          </a:p>
-          <a:p>
-            <a:pPr marL="457200" lvl="0" indent="-457200">
-              <a:buFont typeface="+mj-lt"/>
-              <a:buAutoNum type="alphaLcParenR"/>
-            </a:pPr>
-            <a:r>
-              <a:rPr lang="en-US" dirty="0"/>
-              <a:t>Create a hypothesis-network(9) as seed for correlations exploration. KAMs (Key-Asset-to-Model) are marked as negotiable/</a:t>
-            </a:r>
-            <a:r>
-              <a:rPr lang="en-US" dirty="0" err="1"/>
-              <a:t>just_informational</a:t>
-            </a:r>
-            <a:endParaRPr lang="en-US" dirty="0"/>
-          </a:p>
-          <a:p>
-            <a:pPr marL="457200" lvl="0" indent="-457200">
-              <a:buFont typeface="+mj-lt"/>
-              <a:buAutoNum type="alphaLcParenR"/>
-            </a:pPr>
-            <a:r>
-              <a:rPr lang="en-US" dirty="0"/>
-              <a:t>Train a model(9) to detect correlations among time-series using “1/3/5/7/11/17-days(10). Model prioritizes correlation hypothesis for processing economy and filters “negotiable” effects only</a:t>
-            </a:r>
-          </a:p>
-          <a:p>
-            <a:pPr marL="457200" lvl="0" indent="-457200">
-              <a:buFont typeface="+mj-lt"/>
-              <a:buAutoNum type="alphaLcParenR"/>
-            </a:pPr>
-            <a:r>
-              <a:rPr lang="en-US" dirty="0"/>
-              <a:t>Model catches pairs of {variable, lag} that maximize correlation (11)</a:t>
-            </a:r>
-          </a:p>
-          <a:p>
-            <a:pPr marL="457200" lvl="0" indent="-457200">
-              <a:buFont typeface="+mj-lt"/>
-              <a:buAutoNum type="alphaLcParenR"/>
-            </a:pPr>
-            <a:r>
-              <a:rPr lang="en-US" dirty="0"/>
-              <a:t>A second model uses stand-alone prediction for each variable and ensembles with previous one </a:t>
+            <a:pPr lvl="0"/>
+            <a:r>
+              <a:rPr lang="es-ES" dirty="0"/>
+              <a:t>-Socios investigadores</a:t>
+            </a:r>
+          </a:p>
+          <a:p>
+            <a:pPr lvl="0"/>
+            <a:r>
+              <a:rPr lang="es-ES" dirty="0"/>
+              <a:t>-Socio </a:t>
+            </a:r>
+            <a:r>
+              <a:rPr lang="es-ES" i="1" dirty="0" err="1"/>
+              <a:t>doer</a:t>
+            </a:r>
+            <a:r>
+              <a:rPr lang="es-ES" dirty="0"/>
+              <a:t> (servicio IT convencional</a:t>
+            </a:r>
+          </a:p>
+          <a:p>
+            <a:pPr lvl="0"/>
+            <a:r>
+              <a:rPr lang="es-ES" dirty="0"/>
+              <a:t>-Socios data </a:t>
+            </a:r>
+            <a:r>
+              <a:rPr lang="es-ES" dirty="0" err="1"/>
+              <a:t>scientists</a:t>
             </a:r>
             <a:endParaRPr lang="es-ES" dirty="0"/>
+          </a:p>
+          <a:p>
+            <a:pPr lvl="0"/>
+            <a:r>
+              <a:rPr lang="es-ES" dirty="0"/>
+              <a:t>-Integración/colaboración plataforma/</a:t>
+            </a:r>
+            <a:r>
+              <a:rPr lang="es-ES" dirty="0" err="1"/>
+              <a:t>cluster</a:t>
+            </a:r>
+            <a:r>
+              <a:rPr lang="es-ES" dirty="0"/>
+              <a:t> </a:t>
+            </a:r>
+            <a:r>
+              <a:rPr lang="es-ES" dirty="0" err="1"/>
+              <a:t>partners</a:t>
+            </a:r>
+            <a:r>
+              <a:rPr lang="es-ES" dirty="0"/>
+              <a:t> </a:t>
+            </a:r>
+          </a:p>
+          <a:p>
+            <a:pPr lvl="0"/>
+            <a:r>
+              <a:rPr lang="es-ES" dirty="0"/>
+              <a:t>-Protección de tecnología </a:t>
+            </a:r>
+          </a:p>
+          <a:p>
+            <a:pPr lvl="0"/>
+            <a:r>
+              <a:rPr lang="es-ES" dirty="0"/>
+              <a:t>-Mercado mundial, foco en 🇨🇳, 🇷🇺 y 🇺🇸</a:t>
+            </a:r>
+          </a:p>
+          <a:p>
+            <a:pPr lvl="0"/>
+            <a:r>
+              <a:rPr lang="es-ES" dirty="0"/>
+              <a:t>-Metodología: 1) </a:t>
+            </a:r>
+            <a:r>
+              <a:rPr lang="es-ES" dirty="0" err="1"/>
+              <a:t>BusinessCase</a:t>
+            </a:r>
+            <a:r>
+              <a:rPr lang="es-ES" dirty="0"/>
+              <a:t> inicial + 2) Trabajo a éxito (salvo </a:t>
+            </a:r>
+            <a:r>
+              <a:rPr lang="es-ES" dirty="0" err="1"/>
+              <a:t>hard-costs</a:t>
+            </a:r>
+            <a:r>
+              <a:rPr lang="es-ES" dirty="0"/>
+              <a:t>) + 3) Agile/SCRUM (PME &lt; 12 semanas)</a:t>
+            </a:r>
+          </a:p>
+          <a:p>
+            <a:pPr lvl="0"/>
+            <a:endParaRPr lang="es-ES" dirty="0"/>
+          </a:p>
+          <a:p>
+            <a:pPr lvl="0"/>
+            <a:r>
+              <a:rPr lang="es-ES" dirty="0"/>
+              <a:t>Mercado de </a:t>
+            </a:r>
+            <a:r>
+              <a:rPr lang="es-ES" dirty="0" err="1"/>
+              <a:t>skills</a:t>
+            </a:r>
+            <a:endParaRPr lang="es-ES" dirty="0"/>
+          </a:p>
+          <a:p>
+            <a:pPr lvl="0"/>
+            <a:r>
+              <a:rPr lang="es-ES" dirty="0"/>
+              <a:t>-Enfoque </a:t>
+            </a:r>
+            <a:r>
+              <a:rPr lang="es-ES" dirty="0" err="1"/>
+              <a:t>business</a:t>
+            </a:r>
+            <a:r>
+              <a:rPr lang="es-ES" dirty="0"/>
+              <a:t> case por proyecto</a:t>
+            </a:r>
+          </a:p>
+          <a:p>
+            <a:pPr lvl="0"/>
+            <a:r>
+              <a:rPr lang="es-ES" dirty="0"/>
+              <a:t>-</a:t>
+            </a:r>
+            <a:r>
+              <a:rPr lang="es-ES" dirty="0" err="1"/>
+              <a:t>Coinnovación</a:t>
+            </a:r>
+            <a:r>
+              <a:rPr lang="es-ES" dirty="0"/>
+              <a:t> y colaboración </a:t>
+            </a:r>
+          </a:p>
+          <a:p>
+            <a:pPr lvl="0"/>
+            <a:r>
+              <a:rPr lang="es-ES" dirty="0"/>
+              <a:t>-</a:t>
+            </a:r>
+            <a:r>
+              <a:rPr lang="es-ES" dirty="0" err="1"/>
+              <a:t>Scope</a:t>
+            </a:r>
+            <a:r>
+              <a:rPr lang="es-ES" dirty="0"/>
+              <a:t> global</a:t>
+            </a:r>
+          </a:p>
+          <a:p>
+            <a:pPr lvl="0"/>
+            <a:r>
+              <a:rPr lang="es-ES" dirty="0"/>
+              <a:t>-Especialización en: 1) predicción estocástica y 2) organizaciones</a:t>
+            </a:r>
+          </a:p>
+          <a:p>
+            <a:pPr lvl="0"/>
+            <a:r>
+              <a:rPr lang="es-ES" dirty="0"/>
+              <a:t>Ver sitio web databellu-ai.com</a:t>
+            </a:r>
+          </a:p>
+          <a:p>
+            <a:pPr lvl="0"/>
+            <a:r>
+              <a:rPr lang="es-ES" dirty="0"/>
+              <a:t>ADN:</a:t>
+            </a:r>
+          </a:p>
+          <a:p>
+            <a:pPr lvl="1"/>
+            <a:r>
+              <a:rPr lang="es-ES" dirty="0"/>
+              <a:t>Equipos fundados para proyectos</a:t>
+            </a:r>
+          </a:p>
+          <a:p>
+            <a:pPr lvl="1"/>
+            <a:r>
+              <a:rPr lang="es-ES" dirty="0"/>
+              <a:t>Ubicuidad total</a:t>
+            </a:r>
+          </a:p>
+          <a:p>
+            <a:pPr lvl="1"/>
+            <a:r>
+              <a:rPr lang="es-ES" dirty="0"/>
+              <a:t>Global</a:t>
+            </a:r>
+          </a:p>
+          <a:p>
+            <a:pPr lvl="1"/>
+            <a:r>
+              <a:rPr lang="es-ES" dirty="0"/>
+              <a:t>Empezando por un </a:t>
+            </a:r>
+            <a:r>
+              <a:rPr lang="es-ES" dirty="0" err="1"/>
+              <a:t>business</a:t>
+            </a:r>
+            <a:r>
+              <a:rPr lang="es-ES" dirty="0"/>
+              <a:t> case</a:t>
+            </a:r>
+          </a:p>
+          <a:p>
+            <a:pPr lvl="1"/>
+            <a:r>
+              <a:rPr lang="es-ES" dirty="0"/>
+              <a:t>Agilidad</a:t>
+            </a:r>
+          </a:p>
+          <a:p>
+            <a:pPr lvl="1"/>
+            <a:r>
+              <a:rPr lang="es-ES" dirty="0"/>
+              <a:t>Ver Core </a:t>
+            </a:r>
+            <a:r>
+              <a:rPr lang="es-ES" dirty="0" err="1"/>
+              <a:t>Values</a:t>
+            </a:r>
+            <a:r>
+              <a:rPr lang="es-ES" dirty="0"/>
+              <a:t> d Amazon</a:t>
+            </a:r>
+          </a:p>
+          <a:p>
+            <a:pPr lvl="1"/>
+            <a:r>
+              <a:rPr lang="es-ES" dirty="0"/>
+              <a:t>Cobrar por resultados</a:t>
+            </a:r>
+          </a:p>
+          <a:p>
+            <a:pPr lvl="1"/>
+            <a:r>
+              <a:rPr lang="es-ES" dirty="0"/>
+              <a:t>…</a:t>
+            </a:r>
           </a:p>
         </p:txBody>
       </p:sp>
     </p:spTree>
     <p:extLst>
       <p:ext uri="{BB962C8B-B14F-4D97-AF65-F5344CB8AC3E}">
-        <p14:creationId xmlns:p14="http://schemas.microsoft.com/office/powerpoint/2010/main" val="101963281"/>
+        <p14:creationId xmlns:p14="http://schemas.microsoft.com/office/powerpoint/2010/main" val="1590720282"/>
       </p:ext>
     </p:extLst>
   </p:cSld>
@@ -4885,7 +8979,7 @@
           <p:cNvPr id="2" name="Title 1">
             <a:extLst>
               <a:ext uri="{FF2B5EF4-FFF2-40B4-BE49-F238E27FC236}">
-                <a16:creationId xmlns:a16="http://schemas.microsoft.com/office/drawing/2014/main" id="{E370A266-0DCF-4221-A78D-E861E61BE86E}"/>
+                <a16:creationId xmlns:a16="http://schemas.microsoft.com/office/drawing/2014/main" id="{7AFCDCD8-8422-440D-A204-3F1551405416}"/>
               </a:ext>
             </a:extLst>
           </p:cNvPr>
@@ -4903,12 +8997,10 @@
           </a:bodyPr>
           <a:lstStyle/>
           <a:p>
-            <a:pPr lvl="0"/>
-            <a:r>
-              <a:rPr lang="en-US" dirty="0"/>
-              <a:t>Accuracy Measurement</a:t>
-            </a:r>
-            <a:endParaRPr lang="es-ES" dirty="0"/>
+            <a:r>
+              <a:rPr lang="es-ES" dirty="0"/>
+              <a:t>FUTUROS DESARROLLOS DATABELLUM</a:t>
+            </a:r>
           </a:p>
         </p:txBody>
       </p:sp>
@@ -4917,7 +9009,7 @@
           <p:cNvPr id="3" name="Content Placeholder 2">
             <a:extLst>
               <a:ext uri="{FF2B5EF4-FFF2-40B4-BE49-F238E27FC236}">
-                <a16:creationId xmlns:a16="http://schemas.microsoft.com/office/drawing/2014/main" id="{616A79E2-5F1E-480A-A996-994CFDD87469}"/>
+                <a16:creationId xmlns:a16="http://schemas.microsoft.com/office/drawing/2014/main" id="{8B7C4A12-468E-47AC-97F3-E13A7E53EA13}"/>
               </a:ext>
             </a:extLst>
           </p:cNvPr>
@@ -4931,22 +9023,161 @@
         <p:spPr/>
         <p:txBody>
           <a:bodyPr>
-            <a:normAutofit/>
+            <a:normAutofit fontScale="55000" lnSpcReduction="20000"/>
           </a:bodyPr>
           <a:lstStyle/>
           <a:p>
             <a:pPr lvl="0"/>
             <a:r>
-              <a:rPr lang="en-US" dirty="0"/>
-              <a:t>Accuracy is measured as increase of model prediction hits compared to application of a random prediction </a:t>
-            </a:r>
-            <a:r>
-              <a:rPr lang="en-US" dirty="0" err="1"/>
-              <a:t>ponderated</a:t>
-            </a:r>
-            <a:r>
-              <a:rPr lang="en-US" dirty="0"/>
-              <a:t> to average of up-down ratio</a:t>
+              <a:rPr lang="es-ES" dirty="0"/>
+              <a:t>GDELT</a:t>
+            </a:r>
+          </a:p>
+          <a:p>
+            <a:pPr lvl="0"/>
+            <a:r>
+              <a:rPr lang="es-ES" dirty="0" err="1"/>
+              <a:t>Akinator</a:t>
+            </a:r>
+            <a:endParaRPr lang="es-ES" dirty="0"/>
+          </a:p>
+          <a:p>
+            <a:pPr lvl="0"/>
+            <a:r>
+              <a:rPr lang="es-ES" dirty="0" err="1"/>
+              <a:t>Imagenización</a:t>
+            </a:r>
+            <a:endParaRPr lang="es-ES" dirty="0"/>
+          </a:p>
+          <a:p>
+            <a:pPr lvl="0"/>
+            <a:r>
+              <a:rPr lang="es-ES" dirty="0"/>
+              <a:t>OCEAN5q</a:t>
+            </a:r>
+          </a:p>
+          <a:p>
+            <a:pPr marL="0" lvl="0" indent="0">
+              <a:buNone/>
+            </a:pPr>
+            <a:endParaRPr lang="es-ES" dirty="0"/>
+          </a:p>
+          <a:p>
+            <a:pPr marL="0" lvl="0" indent="0">
+              <a:buNone/>
+            </a:pPr>
+            <a:r>
+              <a:rPr lang="es-ES" dirty="0"/>
+              <a:t>…PARA…</a:t>
+            </a:r>
+          </a:p>
+          <a:p>
+            <a:pPr marL="0" lvl="0" indent="0">
+              <a:buNone/>
+            </a:pPr>
+            <a:endParaRPr lang="es-ES" dirty="0"/>
+          </a:p>
+          <a:p>
+            <a:pPr lvl="0"/>
+            <a:r>
+              <a:rPr lang="es-ES" dirty="0"/>
+              <a:t>Criminal </a:t>
+            </a:r>
+            <a:r>
+              <a:rPr lang="es-ES" dirty="0" err="1"/>
+              <a:t>analysis</a:t>
+            </a:r>
+            <a:r>
+              <a:rPr lang="es-ES" dirty="0"/>
+              <a:t>:</a:t>
+            </a:r>
+          </a:p>
+          <a:p>
+            <a:pPr lvl="1"/>
+            <a:r>
+              <a:rPr lang="es-ES" dirty="0"/>
+              <a:t>https://problemxsolutions.com/data-project/crime/criminal-analysis-data-search-part-1/</a:t>
+            </a:r>
+          </a:p>
+          <a:p>
+            <a:pPr lvl="1"/>
+            <a:r>
+              <a:rPr lang="es-ES" dirty="0"/>
+              <a:t>https://problemxsolutions.com/data-project/crime/criminal-analysis-data-search-part-2/</a:t>
+            </a:r>
+          </a:p>
+          <a:p>
+            <a:pPr lvl="0"/>
+            <a:r>
+              <a:rPr lang="es-ES" dirty="0" err="1"/>
+              <a:t>Palantir</a:t>
+            </a:r>
+            <a:r>
+              <a:rPr lang="es-ES" dirty="0"/>
+              <a:t>:</a:t>
+            </a:r>
+          </a:p>
+          <a:p>
+            <a:pPr lvl="1"/>
+            <a:r>
+              <a:rPr lang="es-ES" dirty="0"/>
+              <a:t>https://es.wikipedia.org/wiki/Palantir_Technologies</a:t>
+            </a:r>
+          </a:p>
+          <a:p>
+            <a:pPr lvl="0"/>
+            <a:r>
+              <a:rPr lang="es-ES" dirty="0"/>
+              <a:t>Algoritmos éticos:</a:t>
+            </a:r>
+          </a:p>
+          <a:p>
+            <a:pPr lvl="1"/>
+            <a:r>
+              <a:rPr lang="es-ES" dirty="0"/>
+              <a:t>https://elpais.com/tecnologia/2022-02-02/un-metodo-pionero-para-disenar-algoritmos-eticos-y-responsables.html</a:t>
+            </a:r>
+          </a:p>
+          <a:p>
+            <a:pPr lvl="0"/>
+            <a:r>
+              <a:rPr lang="es-ES" dirty="0"/>
+              <a:t>Emoticonos:</a:t>
+            </a:r>
+          </a:p>
+          <a:p>
+            <a:pPr lvl="1"/>
+            <a:r>
+              <a:rPr lang="es-ES" dirty="0"/>
+              <a:t>https://buscandorespuestas.lne.es/sorprendente/psicologo-emoticonos-negativos-mensajes/</a:t>
+            </a:r>
+          </a:p>
+          <a:p>
+            <a:pPr lvl="0"/>
+            <a:r>
+              <a:rPr lang="es-ES" dirty="0"/>
+              <a:t>Música y cotizaciones:</a:t>
+            </a:r>
+          </a:p>
+          <a:p>
+            <a:pPr lvl="1"/>
+            <a:r>
+              <a:rPr lang="es-ES" dirty="0"/>
+              <a:t>https://hbr.org/2022/01/when-people-listen-to-happy-songs-the-market-outperforms</a:t>
+            </a:r>
+          </a:p>
+          <a:p>
+            <a:pPr lvl="0"/>
+            <a:r>
+              <a:rPr lang="es-ES" dirty="0"/>
+              <a:t>Human Digital Twin </a:t>
+            </a:r>
+          </a:p>
+          <a:p>
+            <a:pPr lvl="1"/>
+            <a:r>
+              <a:rPr lang="es-ES" dirty="0"/>
+              <a:t>https://www.verywellhealth.com/digital-twin-computer-model-of-patients-5120469</a:t>
             </a:r>
           </a:p>
         </p:txBody>
@@ -4954,7 +9185,7 @@
     </p:spTree>
     <p:extLst>
       <p:ext uri="{BB962C8B-B14F-4D97-AF65-F5344CB8AC3E}">
-        <p14:creationId xmlns:p14="http://schemas.microsoft.com/office/powerpoint/2010/main" val="1499656633"/>
+        <p14:creationId xmlns:p14="http://schemas.microsoft.com/office/powerpoint/2010/main" val="654440716"/>
       </p:ext>
     </p:extLst>
   </p:cSld>
